--- a/Documentation/Final Presentation/Analysis Team - Final Presentation.pptx
+++ b/Documentation/Final Presentation/Analysis Team - Final Presentation.pptx
@@ -7844,11 +7844,7 @@
           <a:p>
             <a:r>
               <a:rPr lang="en-US" dirty="0" smtClean="0"/>
-              <a:t>Presented </a:t>
-            </a:r>
-            <a:r>
-              <a:rPr lang="en-US" dirty="0" smtClean="0"/>
-              <a:t>on: 6/07/2010</a:t>
+              <a:t>Presented on: 6/07/2010</a:t>
             </a:r>
           </a:p>
           <a:p>
@@ -7987,11 +7983,7 @@
             <a:pPr lvl="1"/>
             <a:r>
               <a:rPr lang="en-US" dirty="0" smtClean="0"/>
-              <a:t>Web-based </a:t>
-            </a:r>
-            <a:r>
-              <a:rPr lang="en-US" dirty="0" smtClean="0"/>
-              <a:t>tool used to pull data from a CVS repository.  </a:t>
+              <a:t>Web-based tool used to pull data from a CVS repository.  </a:t>
             </a:r>
           </a:p>
           <a:p>
@@ -8258,15 +8250,7 @@
             <a:pPr lvl="1"/>
             <a:r>
               <a:rPr lang="en-US" sz="2400" dirty="0" smtClean="0"/>
-              <a:t>This collaboration allows </a:t>
-            </a:r>
-            <a:r>
-              <a:rPr lang="en-US" sz="2400" dirty="0" smtClean="0"/>
-              <a:t>researchers to </a:t>
-            </a:r>
-            <a:r>
-              <a:rPr lang="en-US" sz="2400" dirty="0" smtClean="0"/>
-              <a:t>learn from one another's experiences. </a:t>
+              <a:t>This collaboration allows researchers to learn from one another's experiences. </a:t>
             </a:r>
           </a:p>
         </p:txBody>
@@ -8384,7 +8368,6 @@
               <a:rPr lang="en-US" sz="2400" dirty="0" smtClean="0"/>
               <a:t>PROMISE.</a:t>
             </a:r>
-            <a:endParaRPr lang="en-US" sz="2400" dirty="0" smtClean="0"/>
           </a:p>
           <a:p>
             <a:r>
@@ -8546,11 +8529,7 @@
           <a:p>
             <a:r>
               <a:rPr lang="en-US" dirty="0" smtClean="0"/>
-              <a:t>8 </a:t>
-            </a:r>
-            <a:r>
-              <a:rPr lang="en-US" dirty="0" smtClean="0"/>
-              <a:t>– Closed Source Projects</a:t>
+              <a:t>8 – Closed Source Projects</a:t>
             </a:r>
             <a:endParaRPr lang="en-US" dirty="0"/>
           </a:p>
@@ -8580,30 +8559,17 @@
             <a:pPr lvl="1"/>
             <a:r>
               <a:rPr lang="en-US" sz="2400" dirty="0" smtClean="0"/>
-              <a:t>Data repositories are easy to </a:t>
-            </a:r>
-            <a:r>
-              <a:rPr lang="en-US" sz="2400" dirty="0" smtClean="0"/>
-              <a:t>access</a:t>
+              <a:t>Data repositories are easy to access</a:t>
             </a:r>
             <a:r>
               <a:rPr lang="en-US" sz="2600" dirty="0" smtClean="0"/>
               <a:t>.</a:t>
             </a:r>
-            <a:endParaRPr lang="en-US" sz="2600" dirty="0" smtClean="0"/>
           </a:p>
           <a:p>
             <a:r>
               <a:rPr lang="en-US" sz="2600" dirty="0" smtClean="0"/>
-              <a:t>Researching Closed Source Projects is also valuable, but </a:t>
-            </a:r>
-            <a:r>
-              <a:rPr lang="en-US" sz="2600" dirty="0" smtClean="0"/>
-              <a:t>presents </a:t>
-            </a:r>
-            <a:r>
-              <a:rPr lang="en-US" sz="2600" dirty="0" smtClean="0"/>
-              <a:t>some extra challenges.</a:t>
+              <a:t>Researching Closed Source Projects is also valuable, but presents some extra challenges.</a:t>
             </a:r>
           </a:p>
           <a:p>
@@ -8675,11 +8641,7 @@
           <a:p>
             <a:r>
               <a:rPr lang="en-US" dirty="0" smtClean="0"/>
-              <a:t>9 </a:t>
-            </a:r>
-            <a:r>
-              <a:rPr lang="en-US" dirty="0" smtClean="0"/>
-              <a:t>- Conclusion</a:t>
+              <a:t>9 - Conclusion</a:t>
             </a:r>
             <a:endParaRPr lang="en-US" dirty="0"/>
           </a:p>
@@ -8776,11 +8738,7 @@
           <a:p>
             <a:r>
               <a:rPr lang="en-US" dirty="0" smtClean="0"/>
-              <a:t>10 </a:t>
-            </a:r>
-            <a:r>
-              <a:rPr lang="en-US" dirty="0" smtClean="0"/>
-              <a:t>– Future Work</a:t>
+              <a:t>10 – Future Work</a:t>
             </a:r>
             <a:endParaRPr lang="en-US" dirty="0"/>
           </a:p>
@@ -8910,11 +8868,7 @@
           <a:p>
             <a:r>
               <a:rPr lang="en-US" dirty="0" smtClean="0"/>
-              <a:t>10 </a:t>
-            </a:r>
-            <a:r>
-              <a:rPr lang="en-US" dirty="0" smtClean="0"/>
-              <a:t>– Future Work (cont)</a:t>
+              <a:t>10 – Future Work (cont)</a:t>
             </a:r>
             <a:endParaRPr lang="en-US" dirty="0"/>
           </a:p>
@@ -9019,11 +8973,7 @@
           <a:p>
             <a:r>
               <a:rPr lang="en-US" dirty="0" smtClean="0"/>
-              <a:t>11 </a:t>
-            </a:r>
-            <a:r>
-              <a:rPr lang="en-US" dirty="0" smtClean="0"/>
-              <a:t>– Discussion Topics</a:t>
+              <a:t>11 – Discussion Topics</a:t>
             </a:r>
             <a:endParaRPr lang="en-US" dirty="0"/>
           </a:p>
@@ -9229,11 +9179,7 @@
             </a:br>
             <a:r>
               <a:rPr lang="en-US" sz="2600" dirty="0" smtClean="0"/>
-              <a:t>Analysis Team – Core/Periphery </a:t>
-            </a:r>
-            <a:r>
-              <a:rPr lang="en-US" sz="2600" dirty="0" smtClean="0"/>
-              <a:t>Analysis of the Open Source Project MySQL</a:t>
+              <a:t>Analysis Team – Core/Periphery Analysis of the Open Source Project MySQL</a:t>
             </a:r>
             <a:endParaRPr lang="en-US" sz="2600" dirty="0"/>
           </a:p>
@@ -9346,11 +9292,7 @@
             </a:r>
             <a:r>
               <a:rPr lang="en-US" dirty="0" smtClean="0"/>
-              <a:t>– Introduction: </a:t>
-            </a:r>
-            <a:r>
-              <a:rPr lang="en-US" dirty="0" smtClean="0"/>
-              <a:t> Overview</a:t>
+              <a:t>– Introduction:  Overview</a:t>
             </a:r>
             <a:endParaRPr lang="en-US" dirty="0"/>
           </a:p>
@@ -9373,38 +9315,20 @@
           <a:p>
             <a:r>
               <a:rPr lang="en-US" sz="2000" dirty="0" smtClean="0"/>
-              <a:t>Data Mining of an Open Sourced Project to discover Core/Periphery </a:t>
-            </a:r>
+              <a:t>Data Mining of an Open Sourced Project to discover Core/Periphery structure.  </a:t>
+            </a:r>
+          </a:p>
+          <a:p>
             <a:r>
               <a:rPr lang="en-US" sz="2000" dirty="0" smtClean="0"/>
-              <a:t>structure.  </a:t>
-            </a:r>
-            <a:endParaRPr lang="en-US" sz="2000" dirty="0" smtClean="0"/>
+              <a:t>Communication, bug tracking, and source code repositories contain valuable information about the project structure.</a:t>
+            </a:r>
           </a:p>
           <a:p>
             <a:r>
               <a:rPr lang="en-US" sz="2000" dirty="0" smtClean="0"/>
-              <a:t>Communication, bug tracking, </a:t>
-            </a:r>
-            <a:r>
-              <a:rPr lang="en-US" sz="2000" dirty="0" smtClean="0"/>
-              <a:t>and source </a:t>
-            </a:r>
-            <a:r>
-              <a:rPr lang="en-US" sz="2000" dirty="0" smtClean="0"/>
-              <a:t>code repositories contain valuable information about the project structure.</a:t>
-            </a:r>
-          </a:p>
-          <a:p>
-            <a:r>
-              <a:rPr lang="en-US" sz="2000" dirty="0" smtClean="0"/>
-              <a:t>Analysis on communication repositories, in particular, can shed light on the structure of the developers and give </a:t>
-            </a:r>
-            <a:r>
-              <a:rPr lang="en-US" sz="2000" dirty="0" smtClean="0"/>
-              <a:t>a blueprint of the team.</a:t>
-            </a:r>
-            <a:endParaRPr lang="en-US" sz="2000" dirty="0" smtClean="0"/>
+              <a:t>Analysis on communication repositories, in particular, can shed light on the structure of the developers and give a blueprint of the team.</a:t>
+            </a:r>
           </a:p>
           <a:p>
             <a:r>
@@ -9489,7 +9413,15 @@
           <a:p>
             <a:r>
               <a:rPr lang="en-US" dirty="0" smtClean="0"/>
-              <a:t>1 – Introduction: Overview (cont)</a:t>
+              <a:t>1 – Introduction: </a:t>
+            </a:r>
+            <a:r>
+              <a:rPr lang="en-US" dirty="0" smtClean="0"/>
+              <a:t> Overview </a:t>
+            </a:r>
+            <a:r>
+              <a:rPr lang="en-US" dirty="0" smtClean="0"/>
+              <a:t>(cont)</a:t>
             </a:r>
             <a:endParaRPr lang="en-US" dirty="0"/>
           </a:p>
@@ -9518,29 +9450,13 @@
           <a:p>
             <a:r>
               <a:rPr lang="en-US" dirty="0" smtClean="0"/>
-              <a:t>OSS projects tend to have a good success history and </a:t>
-            </a:r>
+              <a:t>OSS projects tend to have a good success history and result in high quality software.</a:t>
+            </a:r>
+          </a:p>
+          <a:p>
             <a:r>
               <a:rPr lang="en-US" dirty="0" smtClean="0"/>
-              <a:t>result in high </a:t>
-            </a:r>
-            <a:r>
-              <a:rPr lang="en-US" dirty="0" smtClean="0"/>
-              <a:t>quality software.</a:t>
-            </a:r>
-          </a:p>
-          <a:p>
-            <a:r>
-              <a:rPr lang="en-US" dirty="0" smtClean="0"/>
-              <a:t>OSS projects typically exhibit a core/periphery structure, meaning </a:t>
-            </a:r>
-            <a:r>
-              <a:rPr lang="en-US" dirty="0" smtClean="0"/>
-              <a:t>there is a </a:t>
-            </a:r>
-            <a:r>
-              <a:rPr lang="en-US" dirty="0" smtClean="0"/>
-              <a:t>small group that is responsible for the majority of the code, and a larger group that contributes a smaller amount.</a:t>
+              <a:t>OSS projects typically exhibit a core/periphery structure, meaning there is a small group that is responsible for the majority of the code, and a larger group that contributes a smaller amount.</a:t>
             </a:r>
           </a:p>
           <a:p>
@@ -9658,31 +9574,15 @@
             <a:pPr lvl="1"/>
             <a:r>
               <a:rPr lang="en-US" sz="2400" dirty="0" smtClean="0"/>
-              <a:t>Metrics will be computed using a </a:t>
-            </a:r>
+              <a:t>Metrics will be computed using a third-party social networking analysis tool.</a:t>
+            </a:r>
+            <a:endParaRPr lang="en-US" dirty="0" smtClean="0"/>
+          </a:p>
+          <a:p>
+            <a:pPr lvl="1"/>
             <a:r>
               <a:rPr lang="en-US" sz="2400" dirty="0" smtClean="0"/>
-              <a:t>third-party </a:t>
-            </a:r>
-            <a:r>
-              <a:rPr lang="en-US" sz="2400" dirty="0" smtClean="0"/>
-              <a:t>social networking analysis tool.</a:t>
-            </a:r>
-            <a:endParaRPr lang="en-US" dirty="0" smtClean="0"/>
-          </a:p>
-          <a:p>
-            <a:pPr lvl="1"/>
-            <a:r>
-              <a:rPr lang="en-US" sz="2400" dirty="0" smtClean="0"/>
-              <a:t>Create </a:t>
-            </a:r>
-            <a:r>
-              <a:rPr lang="en-US" sz="2400" dirty="0" smtClean="0"/>
-              <a:t>social network diagrams to </a:t>
-            </a:r>
-            <a:r>
-              <a:rPr lang="en-US" sz="2400" dirty="0" smtClean="0"/>
-              <a:t>show trends during these time periods</a:t>
+              <a:t>Create social network diagrams to show trends during these time periods</a:t>
             </a:r>
             <a:r>
               <a:rPr lang="en-US" sz="2800" dirty="0" smtClean="0"/>
@@ -9805,15 +9705,7 @@
             <a:pPr lvl="1"/>
             <a:r>
               <a:rPr lang="en-US" dirty="0" smtClean="0"/>
-              <a:t>Initial Release: </a:t>
-            </a:r>
-            <a:r>
-              <a:rPr lang="en-US" dirty="0" smtClean="0"/>
-              <a:t> May </a:t>
-            </a:r>
-            <a:r>
-              <a:rPr lang="en-US" dirty="0" smtClean="0"/>
-              <a:t>23, 1995</a:t>
+              <a:t>Initial Release:  May 23, 1995</a:t>
             </a:r>
           </a:p>
           <a:p>
@@ -9826,15 +9718,7 @@
             <a:pPr lvl="1"/>
             <a:r>
               <a:rPr lang="en-US" dirty="0" smtClean="0"/>
-              <a:t>Multiple categories: </a:t>
-            </a:r>
-            <a:r>
-              <a:rPr lang="en-US" dirty="0" smtClean="0"/>
-              <a:t> Servers</a:t>
-            </a:r>
-            <a:r>
-              <a:rPr lang="en-US" dirty="0" smtClean="0"/>
-              <a:t>, Connectors, Internals, etc.</a:t>
+              <a:t>Multiple categories:  Servers, Connectors, Internals, etc.</a:t>
             </a:r>
           </a:p>
           <a:p>
@@ -10060,23 +9944,7 @@
           <a:p>
             <a:r>
               <a:rPr lang="en-US" dirty="0" smtClean="0"/>
-              <a:t>There were two that </a:t>
-            </a:r>
-            <a:r>
-              <a:rPr lang="en-US" dirty="0" smtClean="0"/>
-              <a:t>were </a:t>
-            </a:r>
-            <a:r>
-              <a:rPr lang="en-US" dirty="0" smtClean="0"/>
-              <a:t>considered for use: </a:t>
-            </a:r>
-            <a:r>
-              <a:rPr lang="en-US" dirty="0" smtClean="0"/>
-              <a:t> NodeXL </a:t>
-            </a:r>
-            <a:r>
-              <a:rPr lang="en-US" dirty="0" smtClean="0"/>
-              <a:t>and UCINET.</a:t>
+              <a:t>There were two that were considered for use:  NodeXL and UCINET.</a:t>
             </a:r>
           </a:p>
           <a:p>
@@ -10093,54 +9961,14 @@
             <a:pPr lvl="1"/>
             <a:r>
               <a:rPr lang="en-US" dirty="0" smtClean="0"/>
-              <a:t>Pros: </a:t>
-            </a:r>
+              <a:t>Pros:  Very simple and easy to use. Takes in an edge list (could be from a CSV file or Excel worksheet) and easily generates a graph of the network and computes metrics about the graph.  Very customizable. </a:t>
+            </a:r>
+          </a:p>
+          <a:p>
+            <a:pPr lvl="1"/>
             <a:r>
               <a:rPr lang="en-US" dirty="0" smtClean="0"/>
-              <a:t> Very </a:t>
-            </a:r>
-            <a:r>
-              <a:rPr lang="en-US" dirty="0" smtClean="0"/>
-              <a:t>simple and easy to use. </a:t>
-            </a:r>
-            <a:r>
-              <a:rPr lang="en-US" dirty="0" smtClean="0"/>
-              <a:t>Takes </a:t>
-            </a:r>
-            <a:r>
-              <a:rPr lang="en-US" dirty="0" smtClean="0"/>
-              <a:t>in an edge list (could be from a CSV </a:t>
-            </a:r>
-            <a:r>
-              <a:rPr lang="en-US" dirty="0" smtClean="0"/>
-              <a:t>file </a:t>
-            </a:r>
-            <a:r>
-              <a:rPr lang="en-US" dirty="0" smtClean="0"/>
-              <a:t>or Excel worksheet</a:t>
-            </a:r>
-            <a:r>
-              <a:rPr lang="en-US" dirty="0" smtClean="0"/>
-              <a:t>) </a:t>
-            </a:r>
-            <a:r>
-              <a:rPr lang="en-US" dirty="0" smtClean="0"/>
-              <a:t>and easily generates a graph of the network and computes metrics about the graph.  Very customizable. </a:t>
-            </a:r>
-          </a:p>
-          <a:p>
-            <a:pPr lvl="1"/>
-            <a:r>
-              <a:rPr lang="en-US" dirty="0" smtClean="0"/>
-              <a:t>Cons: </a:t>
-            </a:r>
-            <a:r>
-              <a:rPr lang="en-US" dirty="0" smtClean="0"/>
-              <a:t> No </a:t>
-            </a:r>
-            <a:r>
-              <a:rPr lang="en-US" dirty="0" smtClean="0"/>
-              <a:t>core/periphery statistics, only polar layouts and centrality statistics.</a:t>
+              <a:t>Cons:  No core/periphery statistics, only polar layouts and centrality statistics.</a:t>
             </a:r>
           </a:p>
         </p:txBody>
@@ -10246,30 +10074,14 @@
             <a:pPr lvl="1"/>
             <a:r>
               <a:rPr lang="en-US" sz="2200" dirty="0" smtClean="0"/>
-              <a:t>Pros: </a:t>
-            </a:r>
+              <a:t>Pros:  Powerful and does compute core/periphery statistics, as well as other metrics.</a:t>
+            </a:r>
+          </a:p>
+          <a:p>
+            <a:pPr lvl="1"/>
             <a:r>
               <a:rPr lang="en-US" sz="2200" dirty="0" smtClean="0"/>
-              <a:t> Powerful </a:t>
-            </a:r>
-            <a:r>
-              <a:rPr lang="en-US" sz="2200" dirty="0" smtClean="0"/>
-              <a:t>and does compute core/periphery statistics, as well as other metrics.</a:t>
-            </a:r>
-          </a:p>
-          <a:p>
-            <a:pPr lvl="1"/>
-            <a:r>
-              <a:rPr lang="en-US" sz="2200" dirty="0" smtClean="0"/>
-              <a:t>Cons: </a:t>
-            </a:r>
-            <a:r>
-              <a:rPr lang="en-US" sz="2200" dirty="0" smtClean="0"/>
-              <a:t> Not </a:t>
-            </a:r>
-            <a:r>
-              <a:rPr lang="en-US" sz="2200" dirty="0" smtClean="0"/>
-              <a:t>as easy to use as NodeXL</a:t>
+              <a:t>Cons:  Not as easy to use as NodeXL</a:t>
             </a:r>
             <a:r>
               <a:rPr lang="en-US" sz="2600" dirty="0" smtClean="0"/>
@@ -10279,23 +10091,7 @@
           <a:p>
             <a:r>
               <a:rPr lang="en-US" sz="2600" dirty="0" smtClean="0"/>
-              <a:t>Ultimately, the decision was made to use UCINET for its core/periphery statistics. </a:t>
-            </a:r>
-            <a:r>
-              <a:rPr lang="en-US" sz="2600" dirty="0" smtClean="0"/>
-              <a:t>While </a:t>
-            </a:r>
-            <a:r>
-              <a:rPr lang="en-US" sz="2600" dirty="0" smtClean="0"/>
-              <a:t>the polar layouts and centrality statistics from NodeXL are useful, it would take much more calculation and analysis to get core/periphery </a:t>
-            </a:r>
-            <a:r>
-              <a:rPr lang="en-US" sz="2600" dirty="0" smtClean="0"/>
-              <a:t>metrics from </a:t>
-            </a:r>
-            <a:r>
-              <a:rPr lang="en-US" sz="2600" dirty="0" smtClean="0"/>
-              <a:t>it.</a:t>
+              <a:t>Ultimately, the decision was made to use UCINET for its core/periphery statistics. While the polar layouts and centrality statistics from NodeXL are useful, it would take much more calculation and analysis to get core/periphery metrics from it.</a:t>
             </a:r>
             <a:endParaRPr lang="en-US" sz="2600" dirty="0"/>
           </a:p>
@@ -10379,90 +10175,50 @@
           <a:p>
             <a:r>
               <a:rPr lang="en-US" sz="2000" dirty="0" smtClean="0"/>
-              <a:t>1. Analyze MySQL Mailing </a:t>
-            </a:r>
+              <a:t>1. Analyze MySQL Mailing Lists.</a:t>
+            </a:r>
+          </a:p>
+          <a:p>
             <a:r>
               <a:rPr lang="en-US" sz="2000" dirty="0" smtClean="0"/>
-              <a:t>Lists.</a:t>
-            </a:r>
-            <a:endParaRPr lang="en-US" sz="2000" dirty="0" smtClean="0"/>
+              <a:t>2. Write Script to Collect Data from MySQL Lists.</a:t>
+            </a:r>
           </a:p>
           <a:p>
             <a:r>
               <a:rPr lang="en-US" sz="2000" dirty="0" smtClean="0"/>
-              <a:t>2. Write Script to Collect Data from MySQL </a:t>
-            </a:r>
+              <a:t>3. Create PostgreSQL Database Using Common Mailing List Schema.</a:t>
+            </a:r>
+          </a:p>
+          <a:p>
             <a:r>
               <a:rPr lang="en-US" sz="2000" dirty="0" smtClean="0"/>
-              <a:t>Lists.</a:t>
-            </a:r>
-            <a:endParaRPr lang="en-US" sz="2000" dirty="0" smtClean="0"/>
+              <a:t>4. Populate the Database with the MySQL Mailing List Data.</a:t>
+            </a:r>
           </a:p>
           <a:p>
             <a:r>
               <a:rPr lang="en-US" sz="2000" dirty="0" smtClean="0"/>
-              <a:t>3. Create PostgreSQL Database Using Common Mailing List </a:t>
-            </a:r>
+              <a:t>5. Choose a Tool to Analyze the Data.</a:t>
+            </a:r>
+          </a:p>
+          <a:p>
             <a:r>
               <a:rPr lang="en-US" sz="2000" dirty="0" smtClean="0"/>
-              <a:t>Schema.</a:t>
-            </a:r>
-            <a:endParaRPr lang="en-US" sz="2000" dirty="0" smtClean="0"/>
+              <a:t>6. Choose the Date Ranges / Releases to Analyze the Data.</a:t>
+            </a:r>
           </a:p>
           <a:p>
             <a:r>
               <a:rPr lang="en-US" sz="2000" dirty="0" smtClean="0"/>
-              <a:t>4. Populate the Database with the MySQL Mailing List </a:t>
-            </a:r>
+              <a:t>7. Create a Program to Put the PostgreSQL Information in the Correct Format for the Tool.</a:t>
+            </a:r>
+          </a:p>
+          <a:p>
             <a:r>
               <a:rPr lang="en-US" sz="2000" dirty="0" smtClean="0"/>
-              <a:t>Data.</a:t>
-            </a:r>
-            <a:endParaRPr lang="en-US" sz="2000" dirty="0" smtClean="0"/>
-          </a:p>
-          <a:p>
-            <a:r>
-              <a:rPr lang="en-US" sz="2000" dirty="0" smtClean="0"/>
-              <a:t>5. Choose a Tool to Analyze the </a:t>
-            </a:r>
-            <a:r>
-              <a:rPr lang="en-US" sz="2000" dirty="0" smtClean="0"/>
-              <a:t>Data.</a:t>
-            </a:r>
-            <a:endParaRPr lang="en-US" sz="2000" dirty="0" smtClean="0"/>
-          </a:p>
-          <a:p>
-            <a:r>
-              <a:rPr lang="en-US" sz="2000" dirty="0" smtClean="0"/>
-              <a:t>6. Choose the Date Ranges / Releases to Analyze the </a:t>
-            </a:r>
-            <a:r>
-              <a:rPr lang="en-US" sz="2000" dirty="0" smtClean="0"/>
-              <a:t>Data.</a:t>
-            </a:r>
-            <a:endParaRPr lang="en-US" sz="2000" dirty="0" smtClean="0"/>
-          </a:p>
-          <a:p>
-            <a:r>
-              <a:rPr lang="en-US" sz="2000" dirty="0" smtClean="0"/>
-              <a:t>7. Create a Program to Put the PostgreSQL Information in the Correct Format for the </a:t>
-            </a:r>
-            <a:r>
-              <a:rPr lang="en-US" sz="2000" dirty="0" smtClean="0"/>
-              <a:t>Tool.</a:t>
-            </a:r>
-            <a:endParaRPr lang="en-US" sz="2000" dirty="0" smtClean="0"/>
-          </a:p>
-          <a:p>
-            <a:r>
-              <a:rPr lang="en-US" sz="2000" dirty="0" smtClean="0"/>
-              <a:t>8. Analyze the Communication Data in the Tool and Produce Final </a:t>
-            </a:r>
-            <a:r>
-              <a:rPr lang="en-US" sz="2000" dirty="0" smtClean="0"/>
-              <a:t>Results.</a:t>
-            </a:r>
-            <a:endParaRPr lang="en-US" sz="2000" dirty="0" smtClean="0"/>
+              <a:t>8. Analyze the Communication Data in the Tool and Produce Final Results.</a:t>
+            </a:r>
           </a:p>
         </p:txBody>
       </p:sp>
@@ -10515,7 +10271,15 @@
           <a:p>
             <a:r>
               <a:rPr lang="en-US" dirty="0" smtClean="0"/>
-              <a:t>4 – Approach: (cont)</a:t>
+              <a:t>4 – </a:t>
+            </a:r>
+            <a:r>
+              <a:rPr lang="en-US" dirty="0" smtClean="0"/>
+              <a:t>Approach </a:t>
+            </a:r>
+            <a:r>
+              <a:rPr lang="en-US" dirty="0" smtClean="0"/>
+              <a:t>(cont)</a:t>
             </a:r>
             <a:endParaRPr lang="en-US" dirty="0"/>
           </a:p>
@@ -10538,13 +10302,8 @@
           <a:p>
             <a:r>
               <a:rPr lang="en-US" sz="2500" dirty="0" smtClean="0"/>
-              <a:t>Step 1: Analyze MySQL Mailing </a:t>
-            </a:r>
-            <a:r>
-              <a:rPr lang="en-US" sz="2500" dirty="0" smtClean="0"/>
-              <a:t>Lists.</a:t>
-            </a:r>
-            <a:endParaRPr lang="en-US" sz="2500" dirty="0" smtClean="0"/>
+              <a:t>Step 1: Analyze MySQL Mailing Lists.</a:t>
+            </a:r>
           </a:p>
           <a:p>
             <a:pPr lvl="1"/>
@@ -10581,13 +10340,8 @@
           <a:p>
             <a:r>
               <a:rPr lang="en-US" sz="2500" dirty="0" smtClean="0"/>
-              <a:t>Step 2: Write Script to Collect Data from MySQL </a:t>
-            </a:r>
-            <a:r>
-              <a:rPr lang="en-US" sz="2500" dirty="0" smtClean="0"/>
-              <a:t>Lists.</a:t>
-            </a:r>
-            <a:endParaRPr lang="en-US" sz="2500" dirty="0" smtClean="0"/>
+              <a:t>Step 2: Write Script to Collect Data from MySQL Lists.</a:t>
+            </a:r>
           </a:p>
           <a:p>
             <a:pPr lvl="1"/>
@@ -10834,13 +10588,8 @@
           <a:p>
             <a:r>
               <a:rPr lang="en-US" dirty="0" smtClean="0"/>
-              <a:t>Step 3: Create PostgreSQL </a:t>
-            </a:r>
-            <a:r>
-              <a:rPr lang="en-US" dirty="0" smtClean="0"/>
-              <a:t>Database. </a:t>
-            </a:r>
-            <a:endParaRPr lang="en-US" dirty="0" smtClean="0"/>
+              <a:t>Step 3: Create PostgreSQL Database. </a:t>
+            </a:r>
           </a:p>
           <a:p>
             <a:pPr lvl="1"/>
@@ -10948,29 +10697,15 @@
           <a:p>
             <a:r>
               <a:rPr lang="en-US" dirty="0" smtClean="0"/>
-              <a:t>Step 4: Populate </a:t>
-            </a:r>
+              <a:t>Step 4: Populate Database.</a:t>
+            </a:r>
+          </a:p>
+          <a:p>
+            <a:pPr lvl="1"/>
             <a:r>
               <a:rPr lang="en-US" dirty="0" smtClean="0"/>
-              <a:t>Database.</a:t>
-            </a:r>
-            <a:endParaRPr lang="en-US" dirty="0" smtClean="0"/>
-          </a:p>
-          <a:p>
-            <a:pPr lvl="1"/>
-            <a:r>
-              <a:rPr lang="en-US" dirty="0" smtClean="0"/>
-              <a:t>Executed </a:t>
-            </a:r>
-            <a:r>
-              <a:rPr lang="en-US" dirty="0" smtClean="0"/>
-              <a:t>Perl script which parsed the mailing lists from the newsgroup and inserted into the </a:t>
-            </a:r>
-            <a:r>
-              <a:rPr lang="en-US" dirty="0" smtClean="0"/>
-              <a:t>database. </a:t>
-            </a:r>
-            <a:endParaRPr lang="en-US" dirty="0" smtClean="0"/>
+              <a:t>Executed Perl script which parsed the mailing lists from the newsgroup and inserted into the database. </a:t>
+            </a:r>
           </a:p>
           <a:p>
             <a:pPr lvl="1"/>
@@ -10982,13 +10717,8 @@
           <a:p>
             <a:r>
               <a:rPr lang="en-US" dirty="0" smtClean="0"/>
-              <a:t>Step 5: Choose a Tool to Analyze the </a:t>
-            </a:r>
-            <a:r>
-              <a:rPr lang="en-US" dirty="0" smtClean="0"/>
-              <a:t>Data.</a:t>
-            </a:r>
-            <a:endParaRPr lang="en-US" dirty="0" smtClean="0"/>
+              <a:t>Step 5: Choose a Tool to Analyze the Data.</a:t>
+            </a:r>
           </a:p>
           <a:p>
             <a:pPr lvl="1"/>
@@ -11023,13 +10753,8 @@
           <a:p>
             <a:r>
               <a:rPr lang="en-US" dirty="0" smtClean="0"/>
-              <a:t>Step 6: Choose Timeframe to </a:t>
-            </a:r>
-            <a:r>
-              <a:rPr lang="en-US" dirty="0" smtClean="0"/>
-              <a:t>Analyze.</a:t>
-            </a:r>
-            <a:endParaRPr lang="en-US" dirty="0" smtClean="0"/>
+              <a:t>Step 6: Choose Timeframe to Analyze.</a:t>
+            </a:r>
           </a:p>
           <a:p>
             <a:pPr lvl="1"/>
@@ -11120,13 +10845,8 @@
           <a:p>
             <a:r>
               <a:rPr lang="en-US" dirty="0" smtClean="0"/>
-              <a:t>Step 7: Prepare Data for </a:t>
-            </a:r>
-            <a:r>
-              <a:rPr lang="en-US" dirty="0" smtClean="0"/>
-              <a:t>Analysis.</a:t>
-            </a:r>
-            <a:endParaRPr lang="en-US" dirty="0" smtClean="0"/>
+              <a:t>Step 7: Prepare Data for Analysis.</a:t>
+            </a:r>
           </a:p>
           <a:p>
             <a:pPr lvl="1"/>
@@ -11146,19 +10866,25 @@
             <a:pPr lvl="1"/>
             <a:r>
               <a:rPr lang="en-US" dirty="0" smtClean="0"/>
-              <a:t>UCINET takes in a text file which contains an edge list in matrix form.</a:t>
-            </a:r>
-          </a:p>
-          <a:p>
+              <a:t>UCINET takes in a text file which contains an edge list in matrix form</a:t>
+            </a:r>
             <a:r>
               <a:rPr lang="en-US" dirty="0" smtClean="0"/>
-              <a:t>Step 8: Analyze </a:t>
-            </a:r>
+              <a:t>. </a:t>
+            </a:r>
+            <a:r>
+              <a:rPr lang="en-US" dirty="0" smtClean="0">
+                <a:hlinkClick r:id="rId3" action="ppaction://hlinkfile"/>
+              </a:rPr>
+              <a:t>Here is an example.</a:t>
+            </a:r>
+            <a:endParaRPr lang="en-US" dirty="0" smtClean="0"/>
+          </a:p>
+          <a:p>
             <a:r>
               <a:rPr lang="en-US" dirty="0" smtClean="0"/>
-              <a:t>Data.</a:t>
-            </a:r>
-            <a:endParaRPr lang="en-US" dirty="0" smtClean="0"/>
+              <a:t>Step 8: Analyze Data.</a:t>
+            </a:r>
           </a:p>
           <a:p>
             <a:pPr lvl="1"/>
@@ -11184,15 +10910,7 @@
           <a:p>
             <a:r>
               <a:rPr lang="en-US" dirty="0" smtClean="0"/>
-              <a:t>All source code (Java, Perl Script) and documentation are stored in </a:t>
-            </a:r>
-            <a:r>
-              <a:rPr lang="en-US" dirty="0" smtClean="0"/>
-              <a:t>an SVN at the following URL: </a:t>
-            </a:r>
-            <a:r>
-              <a:rPr lang="en-US" dirty="0" smtClean="0"/>
-              <a:t>http://code.google.com/p/mysqldatabasecoreperiphery/</a:t>
+              <a:t>All source code (Java, Perl Script) and documentation are stored in an SVN at the following URL: http://code.google.com/p/mysqldatabasecoreperiphery/</a:t>
             </a:r>
           </a:p>
           <a:p>
@@ -11265,13 +10983,8 @@
           <a:p>
             <a:r>
               <a:rPr lang="en-US" sz="2000" dirty="0" smtClean="0"/>
-              <a:t>During our research, we had certain obstacles that we had to overcome.  The two main issues </a:t>
-            </a:r>
-            <a:r>
-              <a:rPr lang="en-US" sz="2000" dirty="0" smtClean="0"/>
-              <a:t>encountered:</a:t>
-            </a:r>
-            <a:endParaRPr lang="en-US" sz="2000" dirty="0" smtClean="0"/>
+              <a:t>During our research, we had certain obstacles that we had to overcome.  The two main issues encountered:</a:t>
+            </a:r>
           </a:p>
           <a:p>
             <a:r>
@@ -11335,15 +11048,7 @@
             <a:pPr lvl="1"/>
             <a:r>
               <a:rPr lang="en-US" sz="1800" dirty="0" smtClean="0"/>
-              <a:t>The switch to UCINET, while it did make core/periphery metrics easier to produce, had a harder interface to use and the late switch caused some scrambling on the </a:t>
-            </a:r>
-            <a:r>
-              <a:rPr lang="en-US" sz="1800" dirty="0" smtClean="0"/>
-              <a:t>team’s </a:t>
-            </a:r>
-            <a:r>
-              <a:rPr lang="en-US" sz="1800" dirty="0" smtClean="0"/>
-              <a:t>part.</a:t>
+              <a:t>The switch to UCINET, while it did make core/periphery metrics easier to produce, had a harder interface to use and the late switch caused some scrambling on the team’s part.</a:t>
             </a:r>
           </a:p>
         </p:txBody>
@@ -11421,30 +11126,3529 @@
           </a:p>
         </p:txBody>
       </p:sp>
-      <p:pic>
-        <p:nvPicPr>
-          <p:cNvPr id="7" name="Picture 6" descr="table.jpg"/>
-          <p:cNvPicPr>
-            <a:picLocks noChangeAspect="1"/>
-          </p:cNvPicPr>
+      <p:graphicFrame>
+        <p:nvGraphicFramePr>
+          <p:cNvPr id="8" name="Table 7"/>
+          <p:cNvGraphicFramePr>
+            <a:graphicFrameLocks noGrp="1"/>
+          </p:cNvGraphicFramePr>
           <p:nvPr/>
-        </p:nvPicPr>
-        <p:blipFill>
-          <a:blip r:embed="rId3"/>
-          <a:stretch>
-            <a:fillRect/>
-          </a:stretch>
-        </p:blipFill>
-        <p:spPr>
-          <a:xfrm>
-            <a:off x="1295400" y="2133599"/>
-            <a:ext cx="6629400" cy="4410525"/>
-          </a:xfrm>
-          <a:prstGeom prst="rect">
-            <a:avLst/>
-          </a:prstGeom>
-        </p:spPr>
-      </p:pic>
+        </p:nvGraphicFramePr>
+        <p:xfrm>
+          <a:off x="1524000" y="2286000"/>
+          <a:ext cx="6324600" cy="4114800"/>
+        </p:xfrm>
+        <a:graphic>
+          <a:graphicData uri="http://schemas.openxmlformats.org/drawingml/2006/table">
+            <a:tbl>
+              <a:tblPr/>
+              <a:tblGrid>
+                <a:gridCol w="3190137"/>
+                <a:gridCol w="1586718"/>
+                <a:gridCol w="1547745"/>
+              </a:tblGrid>
+              <a:tr h="411480">
+                <a:tc>
+                  <a:txBody>
+                    <a:bodyPr/>
+                    <a:lstStyle/>
+                    <a:p>
+                      <a:pPr marL="0" marR="0" algn="ctr">
+                        <a:spcBef>
+                          <a:spcPts val="0"/>
+                        </a:spcBef>
+                        <a:spcAft>
+                          <a:spcPts val="0"/>
+                        </a:spcAft>
+                      </a:pPr>
+                      <a:r>
+                        <a:rPr lang="en-US" sz="1200" b="1" dirty="0">
+                          <a:solidFill>
+                            <a:schemeClr val="tx2"/>
+                          </a:solidFill>
+                          <a:latin typeface="Times New Roman"/>
+                          <a:ea typeface="Times New Roman"/>
+                        </a:rPr>
+                        <a:t>Release Name</a:t>
+                      </a:r>
+                      <a:endParaRPr lang="en-US" sz="1200" dirty="0">
+                        <a:solidFill>
+                          <a:schemeClr val="tx2"/>
+                        </a:solidFill>
+                        <a:latin typeface="Times New Roman"/>
+                        <a:ea typeface="Times New Roman"/>
+                      </a:endParaRPr>
+                    </a:p>
+                  </a:txBody>
+                  <a:tcPr marL="68580" marR="68580" marT="0" marB="0">
+                    <a:lnL w="12700" cap="flat" cmpd="sng" algn="ctr">
+                      <a:solidFill>
+                        <a:srgbClr val="4F81BD"/>
+                      </a:solidFill>
+                      <a:prstDash val="solid"/>
+                      <a:round/>
+                      <a:headEnd type="none" w="med" len="med"/>
+                      <a:tailEnd type="none" w="med" len="med"/>
+                    </a:lnL>
+                    <a:lnR>
+                      <a:noFill/>
+                    </a:lnR>
+                    <a:lnT w="12700" cap="flat" cmpd="sng" algn="ctr">
+                      <a:solidFill>
+                        <a:srgbClr val="4F81BD"/>
+                      </a:solidFill>
+                      <a:prstDash val="solid"/>
+                      <a:round/>
+                      <a:headEnd type="none" w="med" len="med"/>
+                      <a:tailEnd type="none" w="med" len="med"/>
+                    </a:lnT>
+                    <a:lnB w="12700" cap="flat" cmpd="sng" algn="ctr">
+                      <a:solidFill>
+                        <a:srgbClr val="4F81BD"/>
+                      </a:solidFill>
+                      <a:prstDash val="solid"/>
+                      <a:round/>
+                      <a:headEnd type="none" w="med" len="med"/>
+                      <a:tailEnd type="none" w="med" len="med"/>
+                    </a:lnB>
+                    <a:solidFill>
+                      <a:srgbClr val="4F81BD"/>
+                    </a:solidFill>
+                  </a:tcPr>
+                </a:tc>
+                <a:tc>
+                  <a:txBody>
+                    <a:bodyPr/>
+                    <a:lstStyle/>
+                    <a:p>
+                      <a:pPr marL="0" marR="0" algn="ctr">
+                        <a:spcBef>
+                          <a:spcPts val="0"/>
+                        </a:spcBef>
+                        <a:spcAft>
+                          <a:spcPts val="0"/>
+                        </a:spcAft>
+                      </a:pPr>
+                      <a:r>
+                        <a:rPr lang="en-US" sz="1200" b="1">
+                          <a:solidFill>
+                            <a:schemeClr val="tx2"/>
+                          </a:solidFill>
+                          <a:latin typeface="Times New Roman"/>
+                          <a:ea typeface="Times New Roman"/>
+                        </a:rPr>
+                        <a:t>Release Date</a:t>
+                      </a:r>
+                      <a:endParaRPr lang="en-US" sz="1200">
+                        <a:solidFill>
+                          <a:schemeClr val="tx2"/>
+                        </a:solidFill>
+                        <a:latin typeface="Times New Roman"/>
+                        <a:ea typeface="Times New Roman"/>
+                      </a:endParaRPr>
+                    </a:p>
+                  </a:txBody>
+                  <a:tcPr marL="68580" marR="68580" marT="0" marB="0">
+                    <a:lnL>
+                      <a:noFill/>
+                    </a:lnL>
+                    <a:lnR>
+                      <a:noFill/>
+                    </a:lnR>
+                    <a:lnT w="12700" cap="flat" cmpd="sng" algn="ctr">
+                      <a:solidFill>
+                        <a:srgbClr val="4F81BD"/>
+                      </a:solidFill>
+                      <a:prstDash val="solid"/>
+                      <a:round/>
+                      <a:headEnd type="none" w="med" len="med"/>
+                      <a:tailEnd type="none" w="med" len="med"/>
+                    </a:lnT>
+                    <a:lnB w="12700" cap="flat" cmpd="sng" algn="ctr">
+                      <a:solidFill>
+                        <a:srgbClr val="4F81BD"/>
+                      </a:solidFill>
+                      <a:prstDash val="solid"/>
+                      <a:round/>
+                      <a:headEnd type="none" w="med" len="med"/>
+                      <a:tailEnd type="none" w="med" len="med"/>
+                    </a:lnB>
+                    <a:solidFill>
+                      <a:srgbClr val="4F81BD"/>
+                    </a:solidFill>
+                  </a:tcPr>
+                </a:tc>
+                <a:tc>
+                  <a:txBody>
+                    <a:bodyPr/>
+                    <a:lstStyle/>
+                    <a:p>
+                      <a:pPr marL="0" marR="0" algn="ctr">
+                        <a:spcBef>
+                          <a:spcPts val="0"/>
+                        </a:spcBef>
+                        <a:spcAft>
+                          <a:spcPts val="0"/>
+                        </a:spcAft>
+                      </a:pPr>
+                      <a:r>
+                        <a:rPr lang="en-US" sz="1200" b="1">
+                          <a:solidFill>
+                            <a:schemeClr val="tx2"/>
+                          </a:solidFill>
+                          <a:latin typeface="Times New Roman"/>
+                          <a:ea typeface="Times New Roman"/>
+                        </a:rPr>
+                        <a:t>Categorical C/P Metric</a:t>
+                      </a:r>
+                      <a:endParaRPr lang="en-US" sz="1200">
+                        <a:solidFill>
+                          <a:schemeClr val="tx2"/>
+                        </a:solidFill>
+                        <a:latin typeface="Times New Roman"/>
+                        <a:ea typeface="Times New Roman"/>
+                      </a:endParaRPr>
+                    </a:p>
+                  </a:txBody>
+                  <a:tcPr marL="68580" marR="68580" marT="0" marB="0">
+                    <a:lnL>
+                      <a:noFill/>
+                    </a:lnL>
+                    <a:lnR w="12700" cap="flat" cmpd="sng" algn="ctr">
+                      <a:solidFill>
+                        <a:srgbClr val="4F81BD"/>
+                      </a:solidFill>
+                      <a:prstDash val="solid"/>
+                      <a:round/>
+                      <a:headEnd type="none" w="med" len="med"/>
+                      <a:tailEnd type="none" w="med" len="med"/>
+                    </a:lnR>
+                    <a:lnT w="12700" cap="flat" cmpd="sng" algn="ctr">
+                      <a:solidFill>
+                        <a:srgbClr val="4F81BD"/>
+                      </a:solidFill>
+                      <a:prstDash val="solid"/>
+                      <a:round/>
+                      <a:headEnd type="none" w="med" len="med"/>
+                      <a:tailEnd type="none" w="med" len="med"/>
+                    </a:lnT>
+                    <a:lnB w="12700" cap="flat" cmpd="sng" algn="ctr">
+                      <a:solidFill>
+                        <a:srgbClr val="4F81BD"/>
+                      </a:solidFill>
+                      <a:prstDash val="solid"/>
+                      <a:round/>
+                      <a:headEnd type="none" w="med" len="med"/>
+                      <a:tailEnd type="none" w="med" len="med"/>
+                    </a:lnB>
+                    <a:solidFill>
+                      <a:srgbClr val="4F81BD"/>
+                    </a:solidFill>
+                  </a:tcPr>
+                </a:tc>
+              </a:tr>
+              <a:tr h="205740">
+                <a:tc>
+                  <a:txBody>
+                    <a:bodyPr/>
+                    <a:lstStyle/>
+                    <a:p>
+                      <a:pPr marL="0" marR="0" algn="ctr">
+                        <a:spcBef>
+                          <a:spcPts val="0"/>
+                        </a:spcBef>
+                        <a:spcAft>
+                          <a:spcPts val="0"/>
+                        </a:spcAft>
+                      </a:pPr>
+                      <a:r>
+                        <a:rPr lang="en-US" sz="1200" b="1" dirty="0">
+                          <a:solidFill>
+                            <a:schemeClr val="tx2"/>
+                          </a:solidFill>
+                          <a:latin typeface="Times New Roman"/>
+                          <a:ea typeface="Times New Roman"/>
+                        </a:rPr>
+                        <a:t>mysql-3.20.32a.tar.gz</a:t>
+                      </a:r>
+                      <a:endParaRPr lang="en-US" sz="1200" dirty="0">
+                        <a:solidFill>
+                          <a:schemeClr val="tx2"/>
+                        </a:solidFill>
+                        <a:latin typeface="Times New Roman"/>
+                        <a:ea typeface="Times New Roman"/>
+                      </a:endParaRPr>
+                    </a:p>
+                  </a:txBody>
+                  <a:tcPr marL="68580" marR="68580" marT="0" marB="0">
+                    <a:lnL w="12700" cap="flat" cmpd="sng" algn="ctr">
+                      <a:solidFill>
+                        <a:srgbClr val="4F81BD"/>
+                      </a:solidFill>
+                      <a:prstDash val="solid"/>
+                      <a:round/>
+                      <a:headEnd type="none" w="med" len="med"/>
+                      <a:tailEnd type="none" w="med" len="med"/>
+                    </a:lnL>
+                    <a:lnR>
+                      <a:noFill/>
+                    </a:lnR>
+                    <a:lnT w="12700" cap="flat" cmpd="sng" algn="ctr">
+                      <a:solidFill>
+                        <a:srgbClr val="4F81BD"/>
+                      </a:solidFill>
+                      <a:prstDash val="solid"/>
+                      <a:round/>
+                      <a:headEnd type="none" w="med" len="med"/>
+                      <a:tailEnd type="none" w="med" len="med"/>
+                    </a:lnT>
+                    <a:lnB w="12700" cap="flat" cmpd="sng" algn="ctr">
+                      <a:solidFill>
+                        <a:srgbClr val="4F81BD"/>
+                      </a:solidFill>
+                      <a:prstDash val="solid"/>
+                      <a:round/>
+                      <a:headEnd type="none" w="med" len="med"/>
+                      <a:tailEnd type="none" w="med" len="med"/>
+                    </a:lnB>
+                  </a:tcPr>
+                </a:tc>
+                <a:tc>
+                  <a:txBody>
+                    <a:bodyPr/>
+                    <a:lstStyle/>
+                    <a:p>
+                      <a:pPr marL="0" marR="0" algn="ctr">
+                        <a:spcBef>
+                          <a:spcPts val="0"/>
+                        </a:spcBef>
+                        <a:spcAft>
+                          <a:spcPts val="0"/>
+                        </a:spcAft>
+                      </a:pPr>
+                      <a:r>
+                        <a:rPr lang="en-US" sz="1200">
+                          <a:solidFill>
+                            <a:schemeClr val="tx2"/>
+                          </a:solidFill>
+                          <a:latin typeface="Times New Roman"/>
+                          <a:ea typeface="Times New Roman"/>
+                        </a:rPr>
+                        <a:t>N/A</a:t>
+                      </a:r>
+                    </a:p>
+                  </a:txBody>
+                  <a:tcPr marL="68580" marR="68580" marT="0" marB="0">
+                    <a:lnL>
+                      <a:noFill/>
+                    </a:lnL>
+                    <a:lnR>
+                      <a:noFill/>
+                    </a:lnR>
+                    <a:lnT w="12700" cap="flat" cmpd="sng" algn="ctr">
+                      <a:solidFill>
+                        <a:srgbClr val="4F81BD"/>
+                      </a:solidFill>
+                      <a:prstDash val="solid"/>
+                      <a:round/>
+                      <a:headEnd type="none" w="med" len="med"/>
+                      <a:tailEnd type="none" w="med" len="med"/>
+                    </a:lnT>
+                    <a:lnB w="12700" cap="flat" cmpd="sng" algn="ctr">
+                      <a:solidFill>
+                        <a:srgbClr val="4F81BD"/>
+                      </a:solidFill>
+                      <a:prstDash val="solid"/>
+                      <a:round/>
+                      <a:headEnd type="none" w="med" len="med"/>
+                      <a:tailEnd type="none" w="med" len="med"/>
+                    </a:lnB>
+                  </a:tcPr>
+                </a:tc>
+                <a:tc>
+                  <a:txBody>
+                    <a:bodyPr/>
+                    <a:lstStyle/>
+                    <a:p>
+                      <a:pPr marL="0" marR="0" algn="ctr">
+                        <a:spcBef>
+                          <a:spcPts val="0"/>
+                        </a:spcBef>
+                        <a:spcAft>
+                          <a:spcPts val="0"/>
+                        </a:spcAft>
+                      </a:pPr>
+                      <a:r>
+                        <a:rPr lang="en-US" sz="1200">
+                          <a:solidFill>
+                            <a:schemeClr val="tx2"/>
+                          </a:solidFill>
+                          <a:latin typeface="Times New Roman"/>
+                          <a:ea typeface="Times New Roman"/>
+                        </a:rPr>
+                        <a:t>No Data</a:t>
+                      </a:r>
+                    </a:p>
+                  </a:txBody>
+                  <a:tcPr marL="68580" marR="68580" marT="0" marB="0">
+                    <a:lnL>
+                      <a:noFill/>
+                    </a:lnL>
+                    <a:lnR w="12700" cap="flat" cmpd="sng" algn="ctr">
+                      <a:solidFill>
+                        <a:srgbClr val="4F81BD"/>
+                      </a:solidFill>
+                      <a:prstDash val="solid"/>
+                      <a:round/>
+                      <a:headEnd type="none" w="med" len="med"/>
+                      <a:tailEnd type="none" w="med" len="med"/>
+                    </a:lnR>
+                    <a:lnT w="12700" cap="flat" cmpd="sng" algn="ctr">
+                      <a:solidFill>
+                        <a:srgbClr val="4F81BD"/>
+                      </a:solidFill>
+                      <a:prstDash val="solid"/>
+                      <a:round/>
+                      <a:headEnd type="none" w="med" len="med"/>
+                      <a:tailEnd type="none" w="med" len="med"/>
+                    </a:lnT>
+                    <a:lnB w="12700" cap="flat" cmpd="sng" algn="ctr">
+                      <a:solidFill>
+                        <a:srgbClr val="4F81BD"/>
+                      </a:solidFill>
+                      <a:prstDash val="solid"/>
+                      <a:round/>
+                      <a:headEnd type="none" w="med" len="med"/>
+                      <a:tailEnd type="none" w="med" len="med"/>
+                    </a:lnB>
+                  </a:tcPr>
+                </a:tc>
+              </a:tr>
+              <a:tr h="205740">
+                <a:tc>
+                  <a:txBody>
+                    <a:bodyPr/>
+                    <a:lstStyle/>
+                    <a:p>
+                      <a:pPr marL="0" marR="0" algn="ctr">
+                        <a:spcBef>
+                          <a:spcPts val="0"/>
+                        </a:spcBef>
+                        <a:spcAft>
+                          <a:spcPts val="0"/>
+                        </a:spcAft>
+                      </a:pPr>
+                      <a:r>
+                        <a:rPr lang="en-US" sz="1200" b="1" dirty="0">
+                          <a:solidFill>
+                            <a:schemeClr val="tx2"/>
+                          </a:solidFill>
+                          <a:latin typeface="Times New Roman"/>
+                          <a:ea typeface="Times New Roman"/>
+                        </a:rPr>
+                        <a:t>mysql-3.21.33b.tar.gz</a:t>
+                      </a:r>
+                      <a:endParaRPr lang="en-US" sz="1200" dirty="0">
+                        <a:solidFill>
+                          <a:schemeClr val="tx2"/>
+                        </a:solidFill>
+                        <a:latin typeface="Times New Roman"/>
+                        <a:ea typeface="Times New Roman"/>
+                      </a:endParaRPr>
+                    </a:p>
+                  </a:txBody>
+                  <a:tcPr marL="68580" marR="68580" marT="0" marB="0">
+                    <a:lnL w="12700" cap="flat" cmpd="sng" algn="ctr">
+                      <a:solidFill>
+                        <a:srgbClr val="4F81BD"/>
+                      </a:solidFill>
+                      <a:prstDash val="solid"/>
+                      <a:round/>
+                      <a:headEnd type="none" w="med" len="med"/>
+                      <a:tailEnd type="none" w="med" len="med"/>
+                    </a:lnL>
+                    <a:lnR>
+                      <a:noFill/>
+                    </a:lnR>
+                    <a:lnT w="12700" cap="flat" cmpd="sng" algn="ctr">
+                      <a:solidFill>
+                        <a:srgbClr val="4F81BD"/>
+                      </a:solidFill>
+                      <a:prstDash val="solid"/>
+                      <a:round/>
+                      <a:headEnd type="none" w="med" len="med"/>
+                      <a:tailEnd type="none" w="med" len="med"/>
+                    </a:lnT>
+                    <a:lnB w="12700" cap="flat" cmpd="sng" algn="ctr">
+                      <a:solidFill>
+                        <a:srgbClr val="4F81BD"/>
+                      </a:solidFill>
+                      <a:prstDash val="solid"/>
+                      <a:round/>
+                      <a:headEnd type="none" w="med" len="med"/>
+                      <a:tailEnd type="none" w="med" len="med"/>
+                    </a:lnB>
+                  </a:tcPr>
+                </a:tc>
+                <a:tc>
+                  <a:txBody>
+                    <a:bodyPr/>
+                    <a:lstStyle/>
+                    <a:p>
+                      <a:pPr marL="0" marR="0" algn="ctr">
+                        <a:spcBef>
+                          <a:spcPts val="0"/>
+                        </a:spcBef>
+                        <a:spcAft>
+                          <a:spcPts val="0"/>
+                        </a:spcAft>
+                      </a:pPr>
+                      <a:r>
+                        <a:rPr lang="en-US" sz="1200">
+                          <a:solidFill>
+                            <a:schemeClr val="tx2"/>
+                          </a:solidFill>
+                          <a:latin typeface="Times New Roman"/>
+                          <a:ea typeface="Times New Roman"/>
+                        </a:rPr>
+                        <a:t>6/1998</a:t>
+                      </a:r>
+                    </a:p>
+                  </a:txBody>
+                  <a:tcPr marL="68580" marR="68580" marT="0" marB="0">
+                    <a:lnL>
+                      <a:noFill/>
+                    </a:lnL>
+                    <a:lnR>
+                      <a:noFill/>
+                    </a:lnR>
+                    <a:lnT w="12700" cap="flat" cmpd="sng" algn="ctr">
+                      <a:solidFill>
+                        <a:srgbClr val="4F81BD"/>
+                      </a:solidFill>
+                      <a:prstDash val="solid"/>
+                      <a:round/>
+                      <a:headEnd type="none" w="med" len="med"/>
+                      <a:tailEnd type="none" w="med" len="med"/>
+                    </a:lnT>
+                    <a:lnB w="12700" cap="flat" cmpd="sng" algn="ctr">
+                      <a:solidFill>
+                        <a:srgbClr val="4F81BD"/>
+                      </a:solidFill>
+                      <a:prstDash val="solid"/>
+                      <a:round/>
+                      <a:headEnd type="none" w="med" len="med"/>
+                      <a:tailEnd type="none" w="med" len="med"/>
+                    </a:lnB>
+                  </a:tcPr>
+                </a:tc>
+                <a:tc>
+                  <a:txBody>
+                    <a:bodyPr/>
+                    <a:lstStyle/>
+                    <a:p>
+                      <a:pPr marL="0" marR="0" algn="ctr">
+                        <a:spcBef>
+                          <a:spcPts val="0"/>
+                        </a:spcBef>
+                        <a:spcAft>
+                          <a:spcPts val="0"/>
+                        </a:spcAft>
+                      </a:pPr>
+                      <a:r>
+                        <a:rPr lang="en-US" sz="1200">
+                          <a:solidFill>
+                            <a:schemeClr val="tx2"/>
+                          </a:solidFill>
+                          <a:latin typeface="Times New Roman"/>
+                          <a:ea typeface="Times New Roman"/>
+                        </a:rPr>
+                        <a:t>No Data</a:t>
+                      </a:r>
+                    </a:p>
+                  </a:txBody>
+                  <a:tcPr marL="68580" marR="68580" marT="0" marB="0">
+                    <a:lnL>
+                      <a:noFill/>
+                    </a:lnL>
+                    <a:lnR w="12700" cap="flat" cmpd="sng" algn="ctr">
+                      <a:solidFill>
+                        <a:srgbClr val="4F81BD"/>
+                      </a:solidFill>
+                      <a:prstDash val="solid"/>
+                      <a:round/>
+                      <a:headEnd type="none" w="med" len="med"/>
+                      <a:tailEnd type="none" w="med" len="med"/>
+                    </a:lnR>
+                    <a:lnT w="12700" cap="flat" cmpd="sng" algn="ctr">
+                      <a:solidFill>
+                        <a:srgbClr val="4F81BD"/>
+                      </a:solidFill>
+                      <a:prstDash val="solid"/>
+                      <a:round/>
+                      <a:headEnd type="none" w="med" len="med"/>
+                      <a:tailEnd type="none" w="med" len="med"/>
+                    </a:lnT>
+                    <a:lnB w="12700" cap="flat" cmpd="sng" algn="ctr">
+                      <a:solidFill>
+                        <a:srgbClr val="4F81BD"/>
+                      </a:solidFill>
+                      <a:prstDash val="solid"/>
+                      <a:round/>
+                      <a:headEnd type="none" w="med" len="med"/>
+                      <a:tailEnd type="none" w="med" len="med"/>
+                    </a:lnB>
+                  </a:tcPr>
+                </a:tc>
+              </a:tr>
+              <a:tr h="205740">
+                <a:tc>
+                  <a:txBody>
+                    <a:bodyPr/>
+                    <a:lstStyle/>
+                    <a:p>
+                      <a:pPr marL="0" marR="0" algn="ctr">
+                        <a:spcBef>
+                          <a:spcPts val="0"/>
+                        </a:spcBef>
+                        <a:spcAft>
+                          <a:spcPts val="0"/>
+                        </a:spcAft>
+                      </a:pPr>
+                      <a:r>
+                        <a:rPr lang="en-US" sz="1200" b="1" dirty="0">
+                          <a:solidFill>
+                            <a:schemeClr val="tx2"/>
+                          </a:solidFill>
+                          <a:latin typeface="Times New Roman"/>
+                          <a:ea typeface="Times New Roman"/>
+                        </a:rPr>
+                        <a:t>mysql-3.22.32.tar.gz</a:t>
+                      </a:r>
+                      <a:endParaRPr lang="en-US" sz="1200" dirty="0">
+                        <a:solidFill>
+                          <a:schemeClr val="tx2"/>
+                        </a:solidFill>
+                        <a:latin typeface="Times New Roman"/>
+                        <a:ea typeface="Times New Roman"/>
+                      </a:endParaRPr>
+                    </a:p>
+                  </a:txBody>
+                  <a:tcPr marL="68580" marR="68580" marT="0" marB="0">
+                    <a:lnL w="12700" cap="flat" cmpd="sng" algn="ctr">
+                      <a:solidFill>
+                        <a:srgbClr val="4F81BD"/>
+                      </a:solidFill>
+                      <a:prstDash val="solid"/>
+                      <a:round/>
+                      <a:headEnd type="none" w="med" len="med"/>
+                      <a:tailEnd type="none" w="med" len="med"/>
+                    </a:lnL>
+                    <a:lnR>
+                      <a:noFill/>
+                    </a:lnR>
+                    <a:lnT w="12700" cap="flat" cmpd="sng" algn="ctr">
+                      <a:solidFill>
+                        <a:srgbClr val="4F81BD"/>
+                      </a:solidFill>
+                      <a:prstDash val="solid"/>
+                      <a:round/>
+                      <a:headEnd type="none" w="med" len="med"/>
+                      <a:tailEnd type="none" w="med" len="med"/>
+                    </a:lnT>
+                    <a:lnB w="12700" cap="flat" cmpd="sng" algn="ctr">
+                      <a:solidFill>
+                        <a:srgbClr val="4F81BD"/>
+                      </a:solidFill>
+                      <a:prstDash val="solid"/>
+                      <a:round/>
+                      <a:headEnd type="none" w="med" len="med"/>
+                      <a:tailEnd type="none" w="med" len="med"/>
+                    </a:lnB>
+                  </a:tcPr>
+                </a:tc>
+                <a:tc>
+                  <a:txBody>
+                    <a:bodyPr/>
+                    <a:lstStyle/>
+                    <a:p>
+                      <a:pPr marL="0" marR="0" algn="ctr">
+                        <a:spcBef>
+                          <a:spcPts val="0"/>
+                        </a:spcBef>
+                        <a:spcAft>
+                          <a:spcPts val="0"/>
+                        </a:spcAft>
+                      </a:pPr>
+                      <a:r>
+                        <a:rPr lang="en-US" sz="1200">
+                          <a:solidFill>
+                            <a:schemeClr val="tx2"/>
+                          </a:solidFill>
+                          <a:latin typeface="Times New Roman"/>
+                          <a:ea typeface="Times New Roman"/>
+                        </a:rPr>
+                        <a:t>2/2000</a:t>
+                      </a:r>
+                    </a:p>
+                  </a:txBody>
+                  <a:tcPr marL="68580" marR="68580" marT="0" marB="0">
+                    <a:lnL>
+                      <a:noFill/>
+                    </a:lnL>
+                    <a:lnR>
+                      <a:noFill/>
+                    </a:lnR>
+                    <a:lnT w="12700" cap="flat" cmpd="sng" algn="ctr">
+                      <a:solidFill>
+                        <a:srgbClr val="4F81BD"/>
+                      </a:solidFill>
+                      <a:prstDash val="solid"/>
+                      <a:round/>
+                      <a:headEnd type="none" w="med" len="med"/>
+                      <a:tailEnd type="none" w="med" len="med"/>
+                    </a:lnT>
+                    <a:lnB w="12700" cap="flat" cmpd="sng" algn="ctr">
+                      <a:solidFill>
+                        <a:srgbClr val="4F81BD"/>
+                      </a:solidFill>
+                      <a:prstDash val="solid"/>
+                      <a:round/>
+                      <a:headEnd type="none" w="med" len="med"/>
+                      <a:tailEnd type="none" w="med" len="med"/>
+                    </a:lnB>
+                  </a:tcPr>
+                </a:tc>
+                <a:tc>
+                  <a:txBody>
+                    <a:bodyPr/>
+                    <a:lstStyle/>
+                    <a:p>
+                      <a:pPr marL="0" marR="0" algn="ctr">
+                        <a:spcBef>
+                          <a:spcPts val="0"/>
+                        </a:spcBef>
+                        <a:spcAft>
+                          <a:spcPts val="0"/>
+                        </a:spcAft>
+                      </a:pPr>
+                      <a:r>
+                        <a:rPr lang="en-US" sz="1200">
+                          <a:solidFill>
+                            <a:schemeClr val="tx2"/>
+                          </a:solidFill>
+                          <a:latin typeface="Times New Roman"/>
+                          <a:ea typeface="Times New Roman"/>
+                        </a:rPr>
+                        <a:t>No Data</a:t>
+                      </a:r>
+                    </a:p>
+                  </a:txBody>
+                  <a:tcPr marL="68580" marR="68580" marT="0" marB="0">
+                    <a:lnL>
+                      <a:noFill/>
+                    </a:lnL>
+                    <a:lnR w="12700" cap="flat" cmpd="sng" algn="ctr">
+                      <a:solidFill>
+                        <a:srgbClr val="4F81BD"/>
+                      </a:solidFill>
+                      <a:prstDash val="solid"/>
+                      <a:round/>
+                      <a:headEnd type="none" w="med" len="med"/>
+                      <a:tailEnd type="none" w="med" len="med"/>
+                    </a:lnR>
+                    <a:lnT w="12700" cap="flat" cmpd="sng" algn="ctr">
+                      <a:solidFill>
+                        <a:srgbClr val="4F81BD"/>
+                      </a:solidFill>
+                      <a:prstDash val="solid"/>
+                      <a:round/>
+                      <a:headEnd type="none" w="med" len="med"/>
+                      <a:tailEnd type="none" w="med" len="med"/>
+                    </a:lnT>
+                    <a:lnB w="12700" cap="flat" cmpd="sng" algn="ctr">
+                      <a:solidFill>
+                        <a:srgbClr val="4F81BD"/>
+                      </a:solidFill>
+                      <a:prstDash val="solid"/>
+                      <a:round/>
+                      <a:headEnd type="none" w="med" len="med"/>
+                      <a:tailEnd type="none" w="med" len="med"/>
+                    </a:lnB>
+                  </a:tcPr>
+                </a:tc>
+              </a:tr>
+              <a:tr h="205740">
+                <a:tc>
+                  <a:txBody>
+                    <a:bodyPr/>
+                    <a:lstStyle/>
+                    <a:p>
+                      <a:pPr marL="0" marR="0" algn="ctr">
+                        <a:spcBef>
+                          <a:spcPts val="0"/>
+                        </a:spcBef>
+                        <a:spcAft>
+                          <a:spcPts val="0"/>
+                        </a:spcAft>
+                      </a:pPr>
+                      <a:r>
+                        <a:rPr lang="en-US" sz="1200" b="1">
+                          <a:solidFill>
+                            <a:schemeClr val="tx2"/>
+                          </a:solidFill>
+                          <a:latin typeface="Times New Roman"/>
+                          <a:ea typeface="Times New Roman"/>
+                        </a:rPr>
+                        <a:t>mysql-3.23.57.tar.gz</a:t>
+                      </a:r>
+                      <a:endParaRPr lang="en-US" sz="1200">
+                        <a:solidFill>
+                          <a:schemeClr val="tx2"/>
+                        </a:solidFill>
+                        <a:latin typeface="Times New Roman"/>
+                        <a:ea typeface="Times New Roman"/>
+                      </a:endParaRPr>
+                    </a:p>
+                  </a:txBody>
+                  <a:tcPr marL="68580" marR="68580" marT="0" marB="0">
+                    <a:lnL w="12700" cap="flat" cmpd="sng" algn="ctr">
+                      <a:solidFill>
+                        <a:srgbClr val="4F81BD"/>
+                      </a:solidFill>
+                      <a:prstDash val="solid"/>
+                      <a:round/>
+                      <a:headEnd type="none" w="med" len="med"/>
+                      <a:tailEnd type="none" w="med" len="med"/>
+                    </a:lnL>
+                    <a:lnR>
+                      <a:noFill/>
+                    </a:lnR>
+                    <a:lnT w="12700" cap="flat" cmpd="sng" algn="ctr">
+                      <a:solidFill>
+                        <a:srgbClr val="4F81BD"/>
+                      </a:solidFill>
+                      <a:prstDash val="solid"/>
+                      <a:round/>
+                      <a:headEnd type="none" w="med" len="med"/>
+                      <a:tailEnd type="none" w="med" len="med"/>
+                    </a:lnT>
+                    <a:lnB w="12700" cap="flat" cmpd="sng" algn="ctr">
+                      <a:solidFill>
+                        <a:srgbClr val="4F81BD"/>
+                      </a:solidFill>
+                      <a:prstDash val="solid"/>
+                      <a:round/>
+                      <a:headEnd type="none" w="med" len="med"/>
+                      <a:tailEnd type="none" w="med" len="med"/>
+                    </a:lnB>
+                  </a:tcPr>
+                </a:tc>
+                <a:tc>
+                  <a:txBody>
+                    <a:bodyPr/>
+                    <a:lstStyle/>
+                    <a:p>
+                      <a:pPr marL="0" marR="0" algn="ctr">
+                        <a:spcBef>
+                          <a:spcPts val="0"/>
+                        </a:spcBef>
+                        <a:spcAft>
+                          <a:spcPts val="0"/>
+                        </a:spcAft>
+                      </a:pPr>
+                      <a:r>
+                        <a:rPr lang="en-US" sz="1200">
+                          <a:solidFill>
+                            <a:schemeClr val="tx2"/>
+                          </a:solidFill>
+                          <a:latin typeface="Times New Roman"/>
+                          <a:ea typeface="Times New Roman"/>
+                        </a:rPr>
+                        <a:t>6/2003</a:t>
+                      </a:r>
+                    </a:p>
+                  </a:txBody>
+                  <a:tcPr marL="68580" marR="68580" marT="0" marB="0">
+                    <a:lnL>
+                      <a:noFill/>
+                    </a:lnL>
+                    <a:lnR>
+                      <a:noFill/>
+                    </a:lnR>
+                    <a:lnT w="12700" cap="flat" cmpd="sng" algn="ctr">
+                      <a:solidFill>
+                        <a:srgbClr val="4F81BD"/>
+                      </a:solidFill>
+                      <a:prstDash val="solid"/>
+                      <a:round/>
+                      <a:headEnd type="none" w="med" len="med"/>
+                      <a:tailEnd type="none" w="med" len="med"/>
+                    </a:lnT>
+                    <a:lnB w="12700" cap="flat" cmpd="sng" algn="ctr">
+                      <a:solidFill>
+                        <a:srgbClr val="4F81BD"/>
+                      </a:solidFill>
+                      <a:prstDash val="solid"/>
+                      <a:round/>
+                      <a:headEnd type="none" w="med" len="med"/>
+                      <a:tailEnd type="none" w="med" len="med"/>
+                    </a:lnB>
+                  </a:tcPr>
+                </a:tc>
+                <a:tc>
+                  <a:txBody>
+                    <a:bodyPr/>
+                    <a:lstStyle/>
+                    <a:p>
+                      <a:pPr marL="0" marR="0" algn="ctr">
+                        <a:spcBef>
+                          <a:spcPts val="0"/>
+                        </a:spcBef>
+                        <a:spcAft>
+                          <a:spcPts val="0"/>
+                        </a:spcAft>
+                      </a:pPr>
+                      <a:r>
+                        <a:rPr lang="en-US" sz="1200" dirty="0">
+                          <a:solidFill>
+                            <a:schemeClr val="tx2"/>
+                          </a:solidFill>
+                          <a:latin typeface="Times New Roman"/>
+                          <a:ea typeface="Times New Roman"/>
+                        </a:rPr>
+                        <a:t>Jammed</a:t>
+                      </a:r>
+                    </a:p>
+                  </a:txBody>
+                  <a:tcPr marL="68580" marR="68580" marT="0" marB="0">
+                    <a:lnL>
+                      <a:noFill/>
+                    </a:lnL>
+                    <a:lnR w="12700" cap="flat" cmpd="sng" algn="ctr">
+                      <a:solidFill>
+                        <a:srgbClr val="4F81BD"/>
+                      </a:solidFill>
+                      <a:prstDash val="solid"/>
+                      <a:round/>
+                      <a:headEnd type="none" w="med" len="med"/>
+                      <a:tailEnd type="none" w="med" len="med"/>
+                    </a:lnR>
+                    <a:lnT w="12700" cap="flat" cmpd="sng" algn="ctr">
+                      <a:solidFill>
+                        <a:srgbClr val="4F81BD"/>
+                      </a:solidFill>
+                      <a:prstDash val="solid"/>
+                      <a:round/>
+                      <a:headEnd type="none" w="med" len="med"/>
+                      <a:tailEnd type="none" w="med" len="med"/>
+                    </a:lnT>
+                    <a:lnB w="12700" cap="flat" cmpd="sng" algn="ctr">
+                      <a:solidFill>
+                        <a:srgbClr val="4F81BD"/>
+                      </a:solidFill>
+                      <a:prstDash val="solid"/>
+                      <a:round/>
+                      <a:headEnd type="none" w="med" len="med"/>
+                      <a:tailEnd type="none" w="med" len="med"/>
+                    </a:lnB>
+                  </a:tcPr>
+                </a:tc>
+              </a:tr>
+              <a:tr h="205740">
+                <a:tc>
+                  <a:txBody>
+                    <a:bodyPr/>
+                    <a:lstStyle/>
+                    <a:p>
+                      <a:pPr marL="0" marR="0" algn="ctr">
+                        <a:spcBef>
+                          <a:spcPts val="0"/>
+                        </a:spcBef>
+                        <a:spcAft>
+                          <a:spcPts val="0"/>
+                        </a:spcAft>
+                      </a:pPr>
+                      <a:r>
+                        <a:rPr lang="en-US" sz="1200" b="1">
+                          <a:solidFill>
+                            <a:schemeClr val="tx2"/>
+                          </a:solidFill>
+                          <a:latin typeface="Times New Roman"/>
+                          <a:ea typeface="Times New Roman"/>
+                        </a:rPr>
+                        <a:t>mysql-3.23.58.tar.gz</a:t>
+                      </a:r>
+                      <a:endParaRPr lang="en-US" sz="1200">
+                        <a:solidFill>
+                          <a:schemeClr val="tx2"/>
+                        </a:solidFill>
+                        <a:latin typeface="Times New Roman"/>
+                        <a:ea typeface="Times New Roman"/>
+                      </a:endParaRPr>
+                    </a:p>
+                  </a:txBody>
+                  <a:tcPr marL="68580" marR="68580" marT="0" marB="0">
+                    <a:lnL w="12700" cap="flat" cmpd="sng" algn="ctr">
+                      <a:solidFill>
+                        <a:srgbClr val="4F81BD"/>
+                      </a:solidFill>
+                      <a:prstDash val="solid"/>
+                      <a:round/>
+                      <a:headEnd type="none" w="med" len="med"/>
+                      <a:tailEnd type="none" w="med" len="med"/>
+                    </a:lnL>
+                    <a:lnR>
+                      <a:noFill/>
+                    </a:lnR>
+                    <a:lnT w="12700" cap="flat" cmpd="sng" algn="ctr">
+                      <a:solidFill>
+                        <a:srgbClr val="4F81BD"/>
+                      </a:solidFill>
+                      <a:prstDash val="solid"/>
+                      <a:round/>
+                      <a:headEnd type="none" w="med" len="med"/>
+                      <a:tailEnd type="none" w="med" len="med"/>
+                    </a:lnT>
+                    <a:lnB w="12700" cap="flat" cmpd="sng" algn="ctr">
+                      <a:solidFill>
+                        <a:srgbClr val="4F81BD"/>
+                      </a:solidFill>
+                      <a:prstDash val="solid"/>
+                      <a:round/>
+                      <a:headEnd type="none" w="med" len="med"/>
+                      <a:tailEnd type="none" w="med" len="med"/>
+                    </a:lnB>
+                  </a:tcPr>
+                </a:tc>
+                <a:tc>
+                  <a:txBody>
+                    <a:bodyPr/>
+                    <a:lstStyle/>
+                    <a:p>
+                      <a:pPr marL="0" marR="0" algn="ctr">
+                        <a:spcBef>
+                          <a:spcPts val="0"/>
+                        </a:spcBef>
+                        <a:spcAft>
+                          <a:spcPts val="0"/>
+                        </a:spcAft>
+                      </a:pPr>
+                      <a:r>
+                        <a:rPr lang="en-US" sz="1200" dirty="0">
+                          <a:solidFill>
+                            <a:schemeClr val="tx2"/>
+                          </a:solidFill>
+                          <a:latin typeface="Times New Roman"/>
+                          <a:ea typeface="Times New Roman"/>
+                        </a:rPr>
+                        <a:t>9/2003</a:t>
+                      </a:r>
+                    </a:p>
+                  </a:txBody>
+                  <a:tcPr marL="68580" marR="68580" marT="0" marB="0">
+                    <a:lnL>
+                      <a:noFill/>
+                    </a:lnL>
+                    <a:lnR>
+                      <a:noFill/>
+                    </a:lnR>
+                    <a:lnT w="12700" cap="flat" cmpd="sng" algn="ctr">
+                      <a:solidFill>
+                        <a:srgbClr val="4F81BD"/>
+                      </a:solidFill>
+                      <a:prstDash val="solid"/>
+                      <a:round/>
+                      <a:headEnd type="none" w="med" len="med"/>
+                      <a:tailEnd type="none" w="med" len="med"/>
+                    </a:lnT>
+                    <a:lnB w="12700" cap="flat" cmpd="sng" algn="ctr">
+                      <a:solidFill>
+                        <a:srgbClr val="4F81BD"/>
+                      </a:solidFill>
+                      <a:prstDash val="solid"/>
+                      <a:round/>
+                      <a:headEnd type="none" w="med" len="med"/>
+                      <a:tailEnd type="none" w="med" len="med"/>
+                    </a:lnB>
+                  </a:tcPr>
+                </a:tc>
+                <a:tc>
+                  <a:txBody>
+                    <a:bodyPr/>
+                    <a:lstStyle/>
+                    <a:p>
+                      <a:pPr marL="0" marR="0" algn="ctr">
+                        <a:spcBef>
+                          <a:spcPts val="0"/>
+                        </a:spcBef>
+                        <a:spcAft>
+                          <a:spcPts val="0"/>
+                        </a:spcAft>
+                      </a:pPr>
+                      <a:r>
+                        <a:rPr lang="en-US" sz="1200" u="sng" dirty="0">
+                          <a:solidFill>
+                            <a:schemeClr val="tx2"/>
+                          </a:solidFill>
+                          <a:latin typeface="Times New Roman"/>
+                          <a:ea typeface="Times New Roman"/>
+                          <a:hlinkClick r:id="rId3" action="ppaction://hlinkfile"/>
+                        </a:rPr>
+                        <a:t>*Link*</a:t>
+                      </a:r>
+                      <a:endParaRPr lang="en-US" sz="1200" dirty="0">
+                        <a:solidFill>
+                          <a:schemeClr val="tx2"/>
+                        </a:solidFill>
+                        <a:latin typeface="Times New Roman"/>
+                        <a:ea typeface="Times New Roman"/>
+                      </a:endParaRPr>
+                    </a:p>
+                  </a:txBody>
+                  <a:tcPr marL="68580" marR="68580" marT="0" marB="0">
+                    <a:lnL>
+                      <a:noFill/>
+                    </a:lnL>
+                    <a:lnR w="12700" cap="flat" cmpd="sng" algn="ctr">
+                      <a:solidFill>
+                        <a:srgbClr val="4F81BD"/>
+                      </a:solidFill>
+                      <a:prstDash val="solid"/>
+                      <a:round/>
+                      <a:headEnd type="none" w="med" len="med"/>
+                      <a:tailEnd type="none" w="med" len="med"/>
+                    </a:lnR>
+                    <a:lnT w="12700" cap="flat" cmpd="sng" algn="ctr">
+                      <a:solidFill>
+                        <a:srgbClr val="4F81BD"/>
+                      </a:solidFill>
+                      <a:prstDash val="solid"/>
+                      <a:round/>
+                      <a:headEnd type="none" w="med" len="med"/>
+                      <a:tailEnd type="none" w="med" len="med"/>
+                    </a:lnT>
+                    <a:lnB w="12700" cap="flat" cmpd="sng" algn="ctr">
+                      <a:solidFill>
+                        <a:srgbClr val="4F81BD"/>
+                      </a:solidFill>
+                      <a:prstDash val="solid"/>
+                      <a:round/>
+                      <a:headEnd type="none" w="med" len="med"/>
+                      <a:tailEnd type="none" w="med" len="med"/>
+                    </a:lnB>
+                  </a:tcPr>
+                </a:tc>
+              </a:tr>
+              <a:tr h="205740">
+                <a:tc>
+                  <a:txBody>
+                    <a:bodyPr/>
+                    <a:lstStyle/>
+                    <a:p>
+                      <a:pPr marL="0" marR="0" algn="ctr">
+                        <a:spcBef>
+                          <a:spcPts val="0"/>
+                        </a:spcBef>
+                        <a:spcAft>
+                          <a:spcPts val="0"/>
+                        </a:spcAft>
+                      </a:pPr>
+                      <a:r>
+                        <a:rPr lang="en-US" sz="1200" b="1">
+                          <a:solidFill>
+                            <a:schemeClr val="tx2"/>
+                          </a:solidFill>
+                          <a:latin typeface="Times New Roman"/>
+                          <a:ea typeface="Times New Roman"/>
+                        </a:rPr>
+                        <a:t>mysql-4.0.26.tar.gz</a:t>
+                      </a:r>
+                      <a:endParaRPr lang="en-US" sz="1200">
+                        <a:solidFill>
+                          <a:schemeClr val="tx2"/>
+                        </a:solidFill>
+                        <a:latin typeface="Times New Roman"/>
+                        <a:ea typeface="Times New Roman"/>
+                      </a:endParaRPr>
+                    </a:p>
+                  </a:txBody>
+                  <a:tcPr marL="68580" marR="68580" marT="0" marB="0">
+                    <a:lnL w="12700" cap="flat" cmpd="sng" algn="ctr">
+                      <a:solidFill>
+                        <a:srgbClr val="4F81BD"/>
+                      </a:solidFill>
+                      <a:prstDash val="solid"/>
+                      <a:round/>
+                      <a:headEnd type="none" w="med" len="med"/>
+                      <a:tailEnd type="none" w="med" len="med"/>
+                    </a:lnL>
+                    <a:lnR>
+                      <a:noFill/>
+                    </a:lnR>
+                    <a:lnT w="12700" cap="flat" cmpd="sng" algn="ctr">
+                      <a:solidFill>
+                        <a:srgbClr val="4F81BD"/>
+                      </a:solidFill>
+                      <a:prstDash val="solid"/>
+                      <a:round/>
+                      <a:headEnd type="none" w="med" len="med"/>
+                      <a:tailEnd type="none" w="med" len="med"/>
+                    </a:lnT>
+                    <a:lnB w="12700" cap="flat" cmpd="sng" algn="ctr">
+                      <a:solidFill>
+                        <a:srgbClr val="4F81BD"/>
+                      </a:solidFill>
+                      <a:prstDash val="solid"/>
+                      <a:round/>
+                      <a:headEnd type="none" w="med" len="med"/>
+                      <a:tailEnd type="none" w="med" len="med"/>
+                    </a:lnB>
+                  </a:tcPr>
+                </a:tc>
+                <a:tc>
+                  <a:txBody>
+                    <a:bodyPr/>
+                    <a:lstStyle/>
+                    <a:p>
+                      <a:pPr marL="0" marR="0" algn="ctr">
+                        <a:spcBef>
+                          <a:spcPts val="0"/>
+                        </a:spcBef>
+                        <a:spcAft>
+                          <a:spcPts val="0"/>
+                        </a:spcAft>
+                      </a:pPr>
+                      <a:r>
+                        <a:rPr lang="en-US" sz="1200" dirty="0">
+                          <a:solidFill>
+                            <a:schemeClr val="tx2"/>
+                          </a:solidFill>
+                          <a:latin typeface="Times New Roman"/>
+                          <a:ea typeface="Times New Roman"/>
+                        </a:rPr>
+                        <a:t>9/2005</a:t>
+                      </a:r>
+                    </a:p>
+                  </a:txBody>
+                  <a:tcPr marL="68580" marR="68580" marT="0" marB="0">
+                    <a:lnL>
+                      <a:noFill/>
+                    </a:lnL>
+                    <a:lnR>
+                      <a:noFill/>
+                    </a:lnR>
+                    <a:lnT w="12700" cap="flat" cmpd="sng" algn="ctr">
+                      <a:solidFill>
+                        <a:srgbClr val="4F81BD"/>
+                      </a:solidFill>
+                      <a:prstDash val="solid"/>
+                      <a:round/>
+                      <a:headEnd type="none" w="med" len="med"/>
+                      <a:tailEnd type="none" w="med" len="med"/>
+                    </a:lnT>
+                    <a:lnB w="12700" cap="flat" cmpd="sng" algn="ctr">
+                      <a:solidFill>
+                        <a:srgbClr val="4F81BD"/>
+                      </a:solidFill>
+                      <a:prstDash val="solid"/>
+                      <a:round/>
+                      <a:headEnd type="none" w="med" len="med"/>
+                      <a:tailEnd type="none" w="med" len="med"/>
+                    </a:lnB>
+                  </a:tcPr>
+                </a:tc>
+                <a:tc>
+                  <a:txBody>
+                    <a:bodyPr/>
+                    <a:lstStyle/>
+                    <a:p>
+                      <a:pPr marL="0" marR="0" algn="ctr">
+                        <a:spcBef>
+                          <a:spcPts val="0"/>
+                        </a:spcBef>
+                        <a:spcAft>
+                          <a:spcPts val="0"/>
+                        </a:spcAft>
+                      </a:pPr>
+                      <a:r>
+                        <a:rPr lang="en-US" sz="1200" u="sng" dirty="0">
+                          <a:solidFill>
+                            <a:schemeClr val="tx2"/>
+                          </a:solidFill>
+                          <a:latin typeface="Times New Roman"/>
+                          <a:ea typeface="Times New Roman"/>
+                          <a:hlinkClick r:id="rId4" action="ppaction://hlinkfile"/>
+                        </a:rPr>
+                        <a:t>*Link*</a:t>
+                      </a:r>
+                      <a:endParaRPr lang="en-US" sz="1200" dirty="0">
+                        <a:solidFill>
+                          <a:schemeClr val="tx2"/>
+                        </a:solidFill>
+                        <a:latin typeface="Times New Roman"/>
+                        <a:ea typeface="Times New Roman"/>
+                      </a:endParaRPr>
+                    </a:p>
+                  </a:txBody>
+                  <a:tcPr marL="68580" marR="68580" marT="0" marB="0">
+                    <a:lnL>
+                      <a:noFill/>
+                    </a:lnL>
+                    <a:lnR w="12700" cap="flat" cmpd="sng" algn="ctr">
+                      <a:solidFill>
+                        <a:srgbClr val="4F81BD"/>
+                      </a:solidFill>
+                      <a:prstDash val="solid"/>
+                      <a:round/>
+                      <a:headEnd type="none" w="med" len="med"/>
+                      <a:tailEnd type="none" w="med" len="med"/>
+                    </a:lnR>
+                    <a:lnT w="12700" cap="flat" cmpd="sng" algn="ctr">
+                      <a:solidFill>
+                        <a:srgbClr val="4F81BD"/>
+                      </a:solidFill>
+                      <a:prstDash val="solid"/>
+                      <a:round/>
+                      <a:headEnd type="none" w="med" len="med"/>
+                      <a:tailEnd type="none" w="med" len="med"/>
+                    </a:lnT>
+                    <a:lnB w="12700" cap="flat" cmpd="sng" algn="ctr">
+                      <a:solidFill>
+                        <a:srgbClr val="4F81BD"/>
+                      </a:solidFill>
+                      <a:prstDash val="solid"/>
+                      <a:round/>
+                      <a:headEnd type="none" w="med" len="med"/>
+                      <a:tailEnd type="none" w="med" len="med"/>
+                    </a:lnB>
+                  </a:tcPr>
+                </a:tc>
+              </a:tr>
+              <a:tr h="205740">
+                <a:tc>
+                  <a:txBody>
+                    <a:bodyPr/>
+                    <a:lstStyle/>
+                    <a:p>
+                      <a:pPr marL="0" marR="0" algn="ctr">
+                        <a:spcBef>
+                          <a:spcPts val="0"/>
+                        </a:spcBef>
+                        <a:spcAft>
+                          <a:spcPts val="0"/>
+                        </a:spcAft>
+                      </a:pPr>
+                      <a:r>
+                        <a:rPr lang="en-US" sz="1200" b="1" dirty="0">
+                          <a:solidFill>
+                            <a:schemeClr val="tx2"/>
+                          </a:solidFill>
+                          <a:latin typeface="Times New Roman"/>
+                          <a:ea typeface="Times New Roman"/>
+                        </a:rPr>
+                        <a:t>mysql-4.0.27.tar.gz</a:t>
+                      </a:r>
+                      <a:endParaRPr lang="en-US" sz="1200" dirty="0">
+                        <a:solidFill>
+                          <a:schemeClr val="tx2"/>
+                        </a:solidFill>
+                        <a:latin typeface="Times New Roman"/>
+                        <a:ea typeface="Times New Roman"/>
+                      </a:endParaRPr>
+                    </a:p>
+                  </a:txBody>
+                  <a:tcPr marL="68580" marR="68580" marT="0" marB="0">
+                    <a:lnL w="12700" cap="flat" cmpd="sng" algn="ctr">
+                      <a:solidFill>
+                        <a:srgbClr val="4F81BD"/>
+                      </a:solidFill>
+                      <a:prstDash val="solid"/>
+                      <a:round/>
+                      <a:headEnd type="none" w="med" len="med"/>
+                      <a:tailEnd type="none" w="med" len="med"/>
+                    </a:lnL>
+                    <a:lnR>
+                      <a:noFill/>
+                    </a:lnR>
+                    <a:lnT w="12700" cap="flat" cmpd="sng" algn="ctr">
+                      <a:solidFill>
+                        <a:srgbClr val="4F81BD"/>
+                      </a:solidFill>
+                      <a:prstDash val="solid"/>
+                      <a:round/>
+                      <a:headEnd type="none" w="med" len="med"/>
+                      <a:tailEnd type="none" w="med" len="med"/>
+                    </a:lnT>
+                    <a:lnB w="12700" cap="flat" cmpd="sng" algn="ctr">
+                      <a:solidFill>
+                        <a:srgbClr val="4F81BD"/>
+                      </a:solidFill>
+                      <a:prstDash val="solid"/>
+                      <a:round/>
+                      <a:headEnd type="none" w="med" len="med"/>
+                      <a:tailEnd type="none" w="med" len="med"/>
+                    </a:lnB>
+                  </a:tcPr>
+                </a:tc>
+                <a:tc>
+                  <a:txBody>
+                    <a:bodyPr/>
+                    <a:lstStyle/>
+                    <a:p>
+                      <a:pPr marL="0" marR="0" algn="ctr">
+                        <a:spcBef>
+                          <a:spcPts val="0"/>
+                        </a:spcBef>
+                        <a:spcAft>
+                          <a:spcPts val="0"/>
+                        </a:spcAft>
+                      </a:pPr>
+                      <a:r>
+                        <a:rPr lang="en-US" sz="1200" dirty="0">
+                          <a:solidFill>
+                            <a:schemeClr val="tx2"/>
+                          </a:solidFill>
+                          <a:latin typeface="Times New Roman"/>
+                          <a:ea typeface="Times New Roman"/>
+                        </a:rPr>
+                        <a:t>5/2006</a:t>
+                      </a:r>
+                    </a:p>
+                  </a:txBody>
+                  <a:tcPr marL="68580" marR="68580" marT="0" marB="0">
+                    <a:lnL>
+                      <a:noFill/>
+                    </a:lnL>
+                    <a:lnR>
+                      <a:noFill/>
+                    </a:lnR>
+                    <a:lnT w="12700" cap="flat" cmpd="sng" algn="ctr">
+                      <a:solidFill>
+                        <a:srgbClr val="4F81BD"/>
+                      </a:solidFill>
+                      <a:prstDash val="solid"/>
+                      <a:round/>
+                      <a:headEnd type="none" w="med" len="med"/>
+                      <a:tailEnd type="none" w="med" len="med"/>
+                    </a:lnT>
+                    <a:lnB w="12700" cap="flat" cmpd="sng" algn="ctr">
+                      <a:solidFill>
+                        <a:srgbClr val="4F81BD"/>
+                      </a:solidFill>
+                      <a:prstDash val="solid"/>
+                      <a:round/>
+                      <a:headEnd type="none" w="med" len="med"/>
+                      <a:tailEnd type="none" w="med" len="med"/>
+                    </a:lnB>
+                  </a:tcPr>
+                </a:tc>
+                <a:tc>
+                  <a:txBody>
+                    <a:bodyPr/>
+                    <a:lstStyle/>
+                    <a:p>
+                      <a:pPr marL="0" marR="0" algn="ctr">
+                        <a:spcBef>
+                          <a:spcPts val="0"/>
+                        </a:spcBef>
+                        <a:spcAft>
+                          <a:spcPts val="0"/>
+                        </a:spcAft>
+                      </a:pPr>
+                      <a:r>
+                        <a:rPr lang="en-US" sz="1200" u="sng" dirty="0">
+                          <a:solidFill>
+                            <a:schemeClr val="tx2"/>
+                          </a:solidFill>
+                          <a:latin typeface="Times New Roman"/>
+                          <a:ea typeface="Times New Roman"/>
+                          <a:hlinkClick r:id="rId5" action="ppaction://hlinkfile"/>
+                        </a:rPr>
+                        <a:t>Link</a:t>
+                      </a:r>
+                      <a:endParaRPr lang="en-US" sz="1200" dirty="0">
+                        <a:solidFill>
+                          <a:schemeClr val="tx2"/>
+                        </a:solidFill>
+                        <a:latin typeface="Times New Roman"/>
+                        <a:ea typeface="Times New Roman"/>
+                      </a:endParaRPr>
+                    </a:p>
+                  </a:txBody>
+                  <a:tcPr marL="68580" marR="68580" marT="0" marB="0">
+                    <a:lnL>
+                      <a:noFill/>
+                    </a:lnL>
+                    <a:lnR w="12700" cap="flat" cmpd="sng" algn="ctr">
+                      <a:solidFill>
+                        <a:srgbClr val="4F81BD"/>
+                      </a:solidFill>
+                      <a:prstDash val="solid"/>
+                      <a:round/>
+                      <a:headEnd type="none" w="med" len="med"/>
+                      <a:tailEnd type="none" w="med" len="med"/>
+                    </a:lnR>
+                    <a:lnT w="12700" cap="flat" cmpd="sng" algn="ctr">
+                      <a:solidFill>
+                        <a:srgbClr val="4F81BD"/>
+                      </a:solidFill>
+                      <a:prstDash val="solid"/>
+                      <a:round/>
+                      <a:headEnd type="none" w="med" len="med"/>
+                      <a:tailEnd type="none" w="med" len="med"/>
+                    </a:lnT>
+                    <a:lnB w="12700" cap="flat" cmpd="sng" algn="ctr">
+                      <a:solidFill>
+                        <a:srgbClr val="4F81BD"/>
+                      </a:solidFill>
+                      <a:prstDash val="solid"/>
+                      <a:round/>
+                      <a:headEnd type="none" w="med" len="med"/>
+                      <a:tailEnd type="none" w="med" len="med"/>
+                    </a:lnB>
+                  </a:tcPr>
+                </a:tc>
+              </a:tr>
+              <a:tr h="205740">
+                <a:tc>
+                  <a:txBody>
+                    <a:bodyPr/>
+                    <a:lstStyle/>
+                    <a:p>
+                      <a:pPr marL="0" marR="0" algn="ctr">
+                        <a:spcBef>
+                          <a:spcPts val="0"/>
+                        </a:spcBef>
+                        <a:spcAft>
+                          <a:spcPts val="0"/>
+                        </a:spcAft>
+                      </a:pPr>
+                      <a:r>
+                        <a:rPr lang="en-US" sz="1200" b="1">
+                          <a:solidFill>
+                            <a:schemeClr val="tx2"/>
+                          </a:solidFill>
+                          <a:latin typeface="Times New Roman"/>
+                          <a:ea typeface="Times New Roman"/>
+                        </a:rPr>
+                        <a:t>mysql-4.1.21.tar.gz</a:t>
+                      </a:r>
+                      <a:endParaRPr lang="en-US" sz="1200">
+                        <a:solidFill>
+                          <a:schemeClr val="tx2"/>
+                        </a:solidFill>
+                        <a:latin typeface="Times New Roman"/>
+                        <a:ea typeface="Times New Roman"/>
+                      </a:endParaRPr>
+                    </a:p>
+                  </a:txBody>
+                  <a:tcPr marL="68580" marR="68580" marT="0" marB="0">
+                    <a:lnL w="12700" cap="flat" cmpd="sng" algn="ctr">
+                      <a:solidFill>
+                        <a:srgbClr val="4F81BD"/>
+                      </a:solidFill>
+                      <a:prstDash val="solid"/>
+                      <a:round/>
+                      <a:headEnd type="none" w="med" len="med"/>
+                      <a:tailEnd type="none" w="med" len="med"/>
+                    </a:lnL>
+                    <a:lnR>
+                      <a:noFill/>
+                    </a:lnR>
+                    <a:lnT w="12700" cap="flat" cmpd="sng" algn="ctr">
+                      <a:solidFill>
+                        <a:srgbClr val="4F81BD"/>
+                      </a:solidFill>
+                      <a:prstDash val="solid"/>
+                      <a:round/>
+                      <a:headEnd type="none" w="med" len="med"/>
+                      <a:tailEnd type="none" w="med" len="med"/>
+                    </a:lnT>
+                    <a:lnB w="12700" cap="flat" cmpd="sng" algn="ctr">
+                      <a:solidFill>
+                        <a:srgbClr val="4F81BD"/>
+                      </a:solidFill>
+                      <a:prstDash val="solid"/>
+                      <a:round/>
+                      <a:headEnd type="none" w="med" len="med"/>
+                      <a:tailEnd type="none" w="med" len="med"/>
+                    </a:lnB>
+                  </a:tcPr>
+                </a:tc>
+                <a:tc>
+                  <a:txBody>
+                    <a:bodyPr/>
+                    <a:lstStyle/>
+                    <a:p>
+                      <a:pPr marL="0" marR="0" algn="ctr">
+                        <a:spcBef>
+                          <a:spcPts val="0"/>
+                        </a:spcBef>
+                        <a:spcAft>
+                          <a:spcPts val="0"/>
+                        </a:spcAft>
+                      </a:pPr>
+                      <a:r>
+                        <a:rPr lang="en-US" sz="1200" dirty="0">
+                          <a:solidFill>
+                            <a:schemeClr val="tx2"/>
+                          </a:solidFill>
+                          <a:latin typeface="Times New Roman"/>
+                          <a:ea typeface="Times New Roman"/>
+                        </a:rPr>
+                        <a:t>7/2006</a:t>
+                      </a:r>
+                    </a:p>
+                  </a:txBody>
+                  <a:tcPr marL="68580" marR="68580" marT="0" marB="0">
+                    <a:lnL>
+                      <a:noFill/>
+                    </a:lnL>
+                    <a:lnR>
+                      <a:noFill/>
+                    </a:lnR>
+                    <a:lnT w="12700" cap="flat" cmpd="sng" algn="ctr">
+                      <a:solidFill>
+                        <a:srgbClr val="4F81BD"/>
+                      </a:solidFill>
+                      <a:prstDash val="solid"/>
+                      <a:round/>
+                      <a:headEnd type="none" w="med" len="med"/>
+                      <a:tailEnd type="none" w="med" len="med"/>
+                    </a:lnT>
+                    <a:lnB w="12700" cap="flat" cmpd="sng" algn="ctr">
+                      <a:solidFill>
+                        <a:srgbClr val="4F81BD"/>
+                      </a:solidFill>
+                      <a:prstDash val="solid"/>
+                      <a:round/>
+                      <a:headEnd type="none" w="med" len="med"/>
+                      <a:tailEnd type="none" w="med" len="med"/>
+                    </a:lnB>
+                  </a:tcPr>
+                </a:tc>
+                <a:tc>
+                  <a:txBody>
+                    <a:bodyPr/>
+                    <a:lstStyle/>
+                    <a:p>
+                      <a:pPr marL="0" marR="0" algn="ctr">
+                        <a:spcBef>
+                          <a:spcPts val="0"/>
+                        </a:spcBef>
+                        <a:spcAft>
+                          <a:spcPts val="0"/>
+                        </a:spcAft>
+                      </a:pPr>
+                      <a:r>
+                        <a:rPr lang="en-US" sz="1200" u="sng" dirty="0">
+                          <a:solidFill>
+                            <a:schemeClr val="tx2"/>
+                          </a:solidFill>
+                          <a:latin typeface="Times New Roman"/>
+                          <a:ea typeface="Times New Roman"/>
+                          <a:hlinkClick r:id="rId6" action="ppaction://hlinkfile"/>
+                        </a:rPr>
+                        <a:t>Link</a:t>
+                      </a:r>
+                      <a:endParaRPr lang="en-US" sz="1200" dirty="0">
+                        <a:solidFill>
+                          <a:schemeClr val="tx2"/>
+                        </a:solidFill>
+                        <a:latin typeface="Times New Roman"/>
+                        <a:ea typeface="Times New Roman"/>
+                      </a:endParaRPr>
+                    </a:p>
+                  </a:txBody>
+                  <a:tcPr marL="68580" marR="68580" marT="0" marB="0">
+                    <a:lnL>
+                      <a:noFill/>
+                    </a:lnL>
+                    <a:lnR w="12700" cap="flat" cmpd="sng" algn="ctr">
+                      <a:solidFill>
+                        <a:srgbClr val="4F81BD"/>
+                      </a:solidFill>
+                      <a:prstDash val="solid"/>
+                      <a:round/>
+                      <a:headEnd type="none" w="med" len="med"/>
+                      <a:tailEnd type="none" w="med" len="med"/>
+                    </a:lnR>
+                    <a:lnT w="12700" cap="flat" cmpd="sng" algn="ctr">
+                      <a:solidFill>
+                        <a:srgbClr val="4F81BD"/>
+                      </a:solidFill>
+                      <a:prstDash val="solid"/>
+                      <a:round/>
+                      <a:headEnd type="none" w="med" len="med"/>
+                      <a:tailEnd type="none" w="med" len="med"/>
+                    </a:lnT>
+                    <a:lnB w="12700" cap="flat" cmpd="sng" algn="ctr">
+                      <a:solidFill>
+                        <a:srgbClr val="4F81BD"/>
+                      </a:solidFill>
+                      <a:prstDash val="solid"/>
+                      <a:round/>
+                      <a:headEnd type="none" w="med" len="med"/>
+                      <a:tailEnd type="none" w="med" len="med"/>
+                    </a:lnB>
+                  </a:tcPr>
+                </a:tc>
+              </a:tr>
+              <a:tr h="205740">
+                <a:tc>
+                  <a:txBody>
+                    <a:bodyPr/>
+                    <a:lstStyle/>
+                    <a:p>
+                      <a:pPr marL="0" marR="0" algn="ctr">
+                        <a:spcBef>
+                          <a:spcPts val="0"/>
+                        </a:spcBef>
+                        <a:spcAft>
+                          <a:spcPts val="0"/>
+                        </a:spcAft>
+                      </a:pPr>
+                      <a:r>
+                        <a:rPr lang="en-US" sz="1200" b="1">
+                          <a:solidFill>
+                            <a:schemeClr val="tx2"/>
+                          </a:solidFill>
+                          <a:latin typeface="Times New Roman"/>
+                          <a:ea typeface="Times New Roman"/>
+                        </a:rPr>
+                        <a:t>mysql-4.1.22.tar.gz</a:t>
+                      </a:r>
+                      <a:endParaRPr lang="en-US" sz="1200">
+                        <a:solidFill>
+                          <a:schemeClr val="tx2"/>
+                        </a:solidFill>
+                        <a:latin typeface="Times New Roman"/>
+                        <a:ea typeface="Times New Roman"/>
+                      </a:endParaRPr>
+                    </a:p>
+                  </a:txBody>
+                  <a:tcPr marL="68580" marR="68580" marT="0" marB="0">
+                    <a:lnL w="12700" cap="flat" cmpd="sng" algn="ctr">
+                      <a:solidFill>
+                        <a:srgbClr val="4F81BD"/>
+                      </a:solidFill>
+                      <a:prstDash val="solid"/>
+                      <a:round/>
+                      <a:headEnd type="none" w="med" len="med"/>
+                      <a:tailEnd type="none" w="med" len="med"/>
+                    </a:lnL>
+                    <a:lnR>
+                      <a:noFill/>
+                    </a:lnR>
+                    <a:lnT w="12700" cap="flat" cmpd="sng" algn="ctr">
+                      <a:solidFill>
+                        <a:srgbClr val="4F81BD"/>
+                      </a:solidFill>
+                      <a:prstDash val="solid"/>
+                      <a:round/>
+                      <a:headEnd type="none" w="med" len="med"/>
+                      <a:tailEnd type="none" w="med" len="med"/>
+                    </a:lnT>
+                    <a:lnB w="12700" cap="flat" cmpd="sng" algn="ctr">
+                      <a:solidFill>
+                        <a:srgbClr val="4F81BD"/>
+                      </a:solidFill>
+                      <a:prstDash val="solid"/>
+                      <a:round/>
+                      <a:headEnd type="none" w="med" len="med"/>
+                      <a:tailEnd type="none" w="med" len="med"/>
+                    </a:lnB>
+                  </a:tcPr>
+                </a:tc>
+                <a:tc>
+                  <a:txBody>
+                    <a:bodyPr/>
+                    <a:lstStyle/>
+                    <a:p>
+                      <a:pPr marL="0" marR="0" algn="ctr">
+                        <a:spcBef>
+                          <a:spcPts val="0"/>
+                        </a:spcBef>
+                        <a:spcAft>
+                          <a:spcPts val="0"/>
+                        </a:spcAft>
+                      </a:pPr>
+                      <a:r>
+                        <a:rPr lang="en-US" sz="1200" dirty="0">
+                          <a:solidFill>
+                            <a:schemeClr val="tx2"/>
+                          </a:solidFill>
+                          <a:latin typeface="Times New Roman"/>
+                          <a:ea typeface="Times New Roman"/>
+                        </a:rPr>
+                        <a:t>11/2006</a:t>
+                      </a:r>
+                    </a:p>
+                  </a:txBody>
+                  <a:tcPr marL="68580" marR="68580" marT="0" marB="0">
+                    <a:lnL>
+                      <a:noFill/>
+                    </a:lnL>
+                    <a:lnR>
+                      <a:noFill/>
+                    </a:lnR>
+                    <a:lnT w="12700" cap="flat" cmpd="sng" algn="ctr">
+                      <a:solidFill>
+                        <a:srgbClr val="4F81BD"/>
+                      </a:solidFill>
+                      <a:prstDash val="solid"/>
+                      <a:round/>
+                      <a:headEnd type="none" w="med" len="med"/>
+                      <a:tailEnd type="none" w="med" len="med"/>
+                    </a:lnT>
+                    <a:lnB w="12700" cap="flat" cmpd="sng" algn="ctr">
+                      <a:solidFill>
+                        <a:srgbClr val="4F81BD"/>
+                      </a:solidFill>
+                      <a:prstDash val="solid"/>
+                      <a:round/>
+                      <a:headEnd type="none" w="med" len="med"/>
+                      <a:tailEnd type="none" w="med" len="med"/>
+                    </a:lnB>
+                  </a:tcPr>
+                </a:tc>
+                <a:tc>
+                  <a:txBody>
+                    <a:bodyPr/>
+                    <a:lstStyle/>
+                    <a:p>
+                      <a:pPr marL="0" marR="0" algn="ctr">
+                        <a:spcBef>
+                          <a:spcPts val="0"/>
+                        </a:spcBef>
+                        <a:spcAft>
+                          <a:spcPts val="0"/>
+                        </a:spcAft>
+                      </a:pPr>
+                      <a:r>
+                        <a:rPr lang="en-US" sz="1200" u="sng" dirty="0">
+                          <a:solidFill>
+                            <a:schemeClr val="tx2"/>
+                          </a:solidFill>
+                          <a:latin typeface="Times New Roman"/>
+                          <a:ea typeface="Times New Roman"/>
+                          <a:hlinkClick r:id="rId7" action="ppaction://hlinkfile"/>
+                        </a:rPr>
+                        <a:t>Link</a:t>
+                      </a:r>
+                      <a:endParaRPr lang="en-US" sz="1200" dirty="0">
+                        <a:solidFill>
+                          <a:schemeClr val="tx2"/>
+                        </a:solidFill>
+                        <a:latin typeface="Times New Roman"/>
+                        <a:ea typeface="Times New Roman"/>
+                      </a:endParaRPr>
+                    </a:p>
+                  </a:txBody>
+                  <a:tcPr marL="68580" marR="68580" marT="0" marB="0">
+                    <a:lnL>
+                      <a:noFill/>
+                    </a:lnL>
+                    <a:lnR w="12700" cap="flat" cmpd="sng" algn="ctr">
+                      <a:solidFill>
+                        <a:srgbClr val="4F81BD"/>
+                      </a:solidFill>
+                      <a:prstDash val="solid"/>
+                      <a:round/>
+                      <a:headEnd type="none" w="med" len="med"/>
+                      <a:tailEnd type="none" w="med" len="med"/>
+                    </a:lnR>
+                    <a:lnT w="12700" cap="flat" cmpd="sng" algn="ctr">
+                      <a:solidFill>
+                        <a:srgbClr val="4F81BD"/>
+                      </a:solidFill>
+                      <a:prstDash val="solid"/>
+                      <a:round/>
+                      <a:headEnd type="none" w="med" len="med"/>
+                      <a:tailEnd type="none" w="med" len="med"/>
+                    </a:lnT>
+                    <a:lnB w="12700" cap="flat" cmpd="sng" algn="ctr">
+                      <a:solidFill>
+                        <a:srgbClr val="4F81BD"/>
+                      </a:solidFill>
+                      <a:prstDash val="solid"/>
+                      <a:round/>
+                      <a:headEnd type="none" w="med" len="med"/>
+                      <a:tailEnd type="none" w="med" len="med"/>
+                    </a:lnB>
+                  </a:tcPr>
+                </a:tc>
+              </a:tr>
+              <a:tr h="205740">
+                <a:tc>
+                  <a:txBody>
+                    <a:bodyPr/>
+                    <a:lstStyle/>
+                    <a:p>
+                      <a:pPr marL="0" marR="0" algn="ctr">
+                        <a:spcBef>
+                          <a:spcPts val="0"/>
+                        </a:spcBef>
+                        <a:spcAft>
+                          <a:spcPts val="0"/>
+                        </a:spcAft>
+                      </a:pPr>
+                      <a:r>
+                        <a:rPr lang="en-US" sz="1200" b="1">
+                          <a:solidFill>
+                            <a:schemeClr val="tx2"/>
+                          </a:solidFill>
+                          <a:latin typeface="Times New Roman"/>
+                          <a:ea typeface="Times New Roman"/>
+                        </a:rPr>
+                        <a:t>mysql-5.2.0-falcon-alpha.tar.gz</a:t>
+                      </a:r>
+                      <a:endParaRPr lang="en-US" sz="1200">
+                        <a:solidFill>
+                          <a:schemeClr val="tx2"/>
+                        </a:solidFill>
+                        <a:latin typeface="Times New Roman"/>
+                        <a:ea typeface="Times New Roman"/>
+                      </a:endParaRPr>
+                    </a:p>
+                  </a:txBody>
+                  <a:tcPr marL="68580" marR="68580" marT="0" marB="0">
+                    <a:lnL w="12700" cap="flat" cmpd="sng" algn="ctr">
+                      <a:solidFill>
+                        <a:srgbClr val="4F81BD"/>
+                      </a:solidFill>
+                      <a:prstDash val="solid"/>
+                      <a:round/>
+                      <a:headEnd type="none" w="med" len="med"/>
+                      <a:tailEnd type="none" w="med" len="med"/>
+                    </a:lnL>
+                    <a:lnR>
+                      <a:noFill/>
+                    </a:lnR>
+                    <a:lnT w="12700" cap="flat" cmpd="sng" algn="ctr">
+                      <a:solidFill>
+                        <a:srgbClr val="4F81BD"/>
+                      </a:solidFill>
+                      <a:prstDash val="solid"/>
+                      <a:round/>
+                      <a:headEnd type="none" w="med" len="med"/>
+                      <a:tailEnd type="none" w="med" len="med"/>
+                    </a:lnT>
+                    <a:lnB w="12700" cap="flat" cmpd="sng" algn="ctr">
+                      <a:solidFill>
+                        <a:srgbClr val="4F81BD"/>
+                      </a:solidFill>
+                      <a:prstDash val="solid"/>
+                      <a:round/>
+                      <a:headEnd type="none" w="med" len="med"/>
+                      <a:tailEnd type="none" w="med" len="med"/>
+                    </a:lnB>
+                  </a:tcPr>
+                </a:tc>
+                <a:tc>
+                  <a:txBody>
+                    <a:bodyPr/>
+                    <a:lstStyle/>
+                    <a:p>
+                      <a:pPr marL="0" marR="0" algn="ctr">
+                        <a:spcBef>
+                          <a:spcPts val="0"/>
+                        </a:spcBef>
+                        <a:spcAft>
+                          <a:spcPts val="0"/>
+                        </a:spcAft>
+                      </a:pPr>
+                      <a:r>
+                        <a:rPr lang="en-US" sz="1200" dirty="0">
+                          <a:solidFill>
+                            <a:schemeClr val="tx2"/>
+                          </a:solidFill>
+                          <a:latin typeface="Times New Roman"/>
+                          <a:ea typeface="Times New Roman"/>
+                        </a:rPr>
+                        <a:t>1/2007</a:t>
+                      </a:r>
+                    </a:p>
+                  </a:txBody>
+                  <a:tcPr marL="68580" marR="68580" marT="0" marB="0">
+                    <a:lnL>
+                      <a:noFill/>
+                    </a:lnL>
+                    <a:lnR>
+                      <a:noFill/>
+                    </a:lnR>
+                    <a:lnT w="12700" cap="flat" cmpd="sng" algn="ctr">
+                      <a:solidFill>
+                        <a:srgbClr val="4F81BD"/>
+                      </a:solidFill>
+                      <a:prstDash val="solid"/>
+                      <a:round/>
+                      <a:headEnd type="none" w="med" len="med"/>
+                      <a:tailEnd type="none" w="med" len="med"/>
+                    </a:lnT>
+                    <a:lnB w="12700" cap="flat" cmpd="sng" algn="ctr">
+                      <a:solidFill>
+                        <a:srgbClr val="4F81BD"/>
+                      </a:solidFill>
+                      <a:prstDash val="solid"/>
+                      <a:round/>
+                      <a:headEnd type="none" w="med" len="med"/>
+                      <a:tailEnd type="none" w="med" len="med"/>
+                    </a:lnB>
+                  </a:tcPr>
+                </a:tc>
+                <a:tc>
+                  <a:txBody>
+                    <a:bodyPr/>
+                    <a:lstStyle/>
+                    <a:p>
+                      <a:pPr marL="0" marR="0" algn="ctr">
+                        <a:spcBef>
+                          <a:spcPts val="0"/>
+                        </a:spcBef>
+                        <a:spcAft>
+                          <a:spcPts val="0"/>
+                        </a:spcAft>
+                      </a:pPr>
+                      <a:r>
+                        <a:rPr lang="en-US" sz="1200" u="sng" dirty="0">
+                          <a:solidFill>
+                            <a:schemeClr val="tx2"/>
+                          </a:solidFill>
+                          <a:latin typeface="Times New Roman"/>
+                          <a:ea typeface="Times New Roman"/>
+                          <a:hlinkClick r:id="rId8" action="ppaction://hlinkfile"/>
+                        </a:rPr>
+                        <a:t>Link</a:t>
+                      </a:r>
+                      <a:endParaRPr lang="en-US" sz="1200" dirty="0">
+                        <a:solidFill>
+                          <a:schemeClr val="tx2"/>
+                        </a:solidFill>
+                        <a:latin typeface="Times New Roman"/>
+                        <a:ea typeface="Times New Roman"/>
+                      </a:endParaRPr>
+                    </a:p>
+                  </a:txBody>
+                  <a:tcPr marL="68580" marR="68580" marT="0" marB="0">
+                    <a:lnL>
+                      <a:noFill/>
+                    </a:lnL>
+                    <a:lnR w="12700" cap="flat" cmpd="sng" algn="ctr">
+                      <a:solidFill>
+                        <a:srgbClr val="4F81BD"/>
+                      </a:solidFill>
+                      <a:prstDash val="solid"/>
+                      <a:round/>
+                      <a:headEnd type="none" w="med" len="med"/>
+                      <a:tailEnd type="none" w="med" len="med"/>
+                    </a:lnR>
+                    <a:lnT w="12700" cap="flat" cmpd="sng" algn="ctr">
+                      <a:solidFill>
+                        <a:srgbClr val="4F81BD"/>
+                      </a:solidFill>
+                      <a:prstDash val="solid"/>
+                      <a:round/>
+                      <a:headEnd type="none" w="med" len="med"/>
+                      <a:tailEnd type="none" w="med" len="med"/>
+                    </a:lnT>
+                    <a:lnB w="12700" cap="flat" cmpd="sng" algn="ctr">
+                      <a:solidFill>
+                        <a:srgbClr val="4F81BD"/>
+                      </a:solidFill>
+                      <a:prstDash val="solid"/>
+                      <a:round/>
+                      <a:headEnd type="none" w="med" len="med"/>
+                      <a:tailEnd type="none" w="med" len="med"/>
+                    </a:lnB>
+                  </a:tcPr>
+                </a:tc>
+              </a:tr>
+              <a:tr h="205740">
+                <a:tc>
+                  <a:txBody>
+                    <a:bodyPr/>
+                    <a:lstStyle/>
+                    <a:p>
+                      <a:pPr marL="0" marR="0" algn="ctr">
+                        <a:spcBef>
+                          <a:spcPts val="0"/>
+                        </a:spcBef>
+                        <a:spcAft>
+                          <a:spcPts val="0"/>
+                        </a:spcAft>
+                      </a:pPr>
+                      <a:r>
+                        <a:rPr lang="en-US" sz="1200" b="1">
+                          <a:solidFill>
+                            <a:schemeClr val="tx2"/>
+                          </a:solidFill>
+                          <a:latin typeface="Times New Roman"/>
+                          <a:ea typeface="Times New Roman"/>
+                        </a:rPr>
+                        <a:t>mysql-5.2.3-falcon-alpha.tar.gz</a:t>
+                      </a:r>
+                      <a:endParaRPr lang="en-US" sz="1200">
+                        <a:solidFill>
+                          <a:schemeClr val="tx2"/>
+                        </a:solidFill>
+                        <a:latin typeface="Times New Roman"/>
+                        <a:ea typeface="Times New Roman"/>
+                      </a:endParaRPr>
+                    </a:p>
+                  </a:txBody>
+                  <a:tcPr marL="68580" marR="68580" marT="0" marB="0">
+                    <a:lnL w="12700" cap="flat" cmpd="sng" algn="ctr">
+                      <a:solidFill>
+                        <a:srgbClr val="4F81BD"/>
+                      </a:solidFill>
+                      <a:prstDash val="solid"/>
+                      <a:round/>
+                      <a:headEnd type="none" w="med" len="med"/>
+                      <a:tailEnd type="none" w="med" len="med"/>
+                    </a:lnL>
+                    <a:lnR>
+                      <a:noFill/>
+                    </a:lnR>
+                    <a:lnT w="12700" cap="flat" cmpd="sng" algn="ctr">
+                      <a:solidFill>
+                        <a:srgbClr val="4F81BD"/>
+                      </a:solidFill>
+                      <a:prstDash val="solid"/>
+                      <a:round/>
+                      <a:headEnd type="none" w="med" len="med"/>
+                      <a:tailEnd type="none" w="med" len="med"/>
+                    </a:lnT>
+                    <a:lnB w="12700" cap="flat" cmpd="sng" algn="ctr">
+                      <a:solidFill>
+                        <a:srgbClr val="4F81BD"/>
+                      </a:solidFill>
+                      <a:prstDash val="solid"/>
+                      <a:round/>
+                      <a:headEnd type="none" w="med" len="med"/>
+                      <a:tailEnd type="none" w="med" len="med"/>
+                    </a:lnB>
+                  </a:tcPr>
+                </a:tc>
+                <a:tc>
+                  <a:txBody>
+                    <a:bodyPr/>
+                    <a:lstStyle/>
+                    <a:p>
+                      <a:pPr marL="0" marR="0" algn="ctr">
+                        <a:spcBef>
+                          <a:spcPts val="0"/>
+                        </a:spcBef>
+                        <a:spcAft>
+                          <a:spcPts val="0"/>
+                        </a:spcAft>
+                      </a:pPr>
+                      <a:r>
+                        <a:rPr lang="en-US" sz="1200" dirty="0">
+                          <a:solidFill>
+                            <a:schemeClr val="tx2"/>
+                          </a:solidFill>
+                          <a:latin typeface="Times New Roman"/>
+                          <a:ea typeface="Times New Roman"/>
+                        </a:rPr>
+                        <a:t>2/2007</a:t>
+                      </a:r>
+                    </a:p>
+                  </a:txBody>
+                  <a:tcPr marL="68580" marR="68580" marT="0" marB="0">
+                    <a:lnL>
+                      <a:noFill/>
+                    </a:lnL>
+                    <a:lnR>
+                      <a:noFill/>
+                    </a:lnR>
+                    <a:lnT w="12700" cap="flat" cmpd="sng" algn="ctr">
+                      <a:solidFill>
+                        <a:srgbClr val="4F81BD"/>
+                      </a:solidFill>
+                      <a:prstDash val="solid"/>
+                      <a:round/>
+                      <a:headEnd type="none" w="med" len="med"/>
+                      <a:tailEnd type="none" w="med" len="med"/>
+                    </a:lnT>
+                    <a:lnB w="12700" cap="flat" cmpd="sng" algn="ctr">
+                      <a:solidFill>
+                        <a:srgbClr val="4F81BD"/>
+                      </a:solidFill>
+                      <a:prstDash val="solid"/>
+                      <a:round/>
+                      <a:headEnd type="none" w="med" len="med"/>
+                      <a:tailEnd type="none" w="med" len="med"/>
+                    </a:lnB>
+                  </a:tcPr>
+                </a:tc>
+                <a:tc>
+                  <a:txBody>
+                    <a:bodyPr/>
+                    <a:lstStyle/>
+                    <a:p>
+                      <a:pPr marL="0" marR="0" algn="ctr">
+                        <a:spcBef>
+                          <a:spcPts val="0"/>
+                        </a:spcBef>
+                        <a:spcAft>
+                          <a:spcPts val="0"/>
+                        </a:spcAft>
+                      </a:pPr>
+                      <a:r>
+                        <a:rPr lang="en-US" sz="1200" u="sng" dirty="0">
+                          <a:solidFill>
+                            <a:schemeClr val="tx2"/>
+                          </a:solidFill>
+                          <a:latin typeface="Times New Roman"/>
+                          <a:ea typeface="Times New Roman"/>
+                          <a:hlinkClick r:id="rId9" action="ppaction://hlinkfile"/>
+                        </a:rPr>
+                        <a:t>Link</a:t>
+                      </a:r>
+                      <a:endParaRPr lang="en-US" sz="1200" dirty="0">
+                        <a:solidFill>
+                          <a:schemeClr val="tx2"/>
+                        </a:solidFill>
+                        <a:latin typeface="Times New Roman"/>
+                        <a:ea typeface="Times New Roman"/>
+                      </a:endParaRPr>
+                    </a:p>
+                  </a:txBody>
+                  <a:tcPr marL="68580" marR="68580" marT="0" marB="0">
+                    <a:lnL>
+                      <a:noFill/>
+                    </a:lnL>
+                    <a:lnR w="12700" cap="flat" cmpd="sng" algn="ctr">
+                      <a:solidFill>
+                        <a:srgbClr val="4F81BD"/>
+                      </a:solidFill>
+                      <a:prstDash val="solid"/>
+                      <a:round/>
+                      <a:headEnd type="none" w="med" len="med"/>
+                      <a:tailEnd type="none" w="med" len="med"/>
+                    </a:lnR>
+                    <a:lnT w="12700" cap="flat" cmpd="sng" algn="ctr">
+                      <a:solidFill>
+                        <a:srgbClr val="4F81BD"/>
+                      </a:solidFill>
+                      <a:prstDash val="solid"/>
+                      <a:round/>
+                      <a:headEnd type="none" w="med" len="med"/>
+                      <a:tailEnd type="none" w="med" len="med"/>
+                    </a:lnT>
+                    <a:lnB w="12700" cap="flat" cmpd="sng" algn="ctr">
+                      <a:solidFill>
+                        <a:srgbClr val="4F81BD"/>
+                      </a:solidFill>
+                      <a:prstDash val="solid"/>
+                      <a:round/>
+                      <a:headEnd type="none" w="med" len="med"/>
+                      <a:tailEnd type="none" w="med" len="med"/>
+                    </a:lnB>
+                  </a:tcPr>
+                </a:tc>
+              </a:tr>
+              <a:tr h="205740">
+                <a:tc>
+                  <a:txBody>
+                    <a:bodyPr/>
+                    <a:lstStyle/>
+                    <a:p>
+                      <a:pPr marL="0" marR="0" algn="ctr">
+                        <a:spcBef>
+                          <a:spcPts val="0"/>
+                        </a:spcBef>
+                        <a:spcAft>
+                          <a:spcPts val="0"/>
+                        </a:spcAft>
+                      </a:pPr>
+                      <a:r>
+                        <a:rPr lang="en-US" sz="1200" b="1">
+                          <a:solidFill>
+                            <a:schemeClr val="tx2"/>
+                          </a:solidFill>
+                          <a:latin typeface="Times New Roman"/>
+                          <a:ea typeface="Times New Roman"/>
+                        </a:rPr>
+                        <a:t>mysql-6.0.0-alpha.tar.gz</a:t>
+                      </a:r>
+                      <a:endParaRPr lang="en-US" sz="1200">
+                        <a:solidFill>
+                          <a:schemeClr val="tx2"/>
+                        </a:solidFill>
+                        <a:latin typeface="Times New Roman"/>
+                        <a:ea typeface="Times New Roman"/>
+                      </a:endParaRPr>
+                    </a:p>
+                  </a:txBody>
+                  <a:tcPr marL="68580" marR="68580" marT="0" marB="0">
+                    <a:lnL w="12700" cap="flat" cmpd="sng" algn="ctr">
+                      <a:solidFill>
+                        <a:srgbClr val="4F81BD"/>
+                      </a:solidFill>
+                      <a:prstDash val="solid"/>
+                      <a:round/>
+                      <a:headEnd type="none" w="med" len="med"/>
+                      <a:tailEnd type="none" w="med" len="med"/>
+                    </a:lnL>
+                    <a:lnR>
+                      <a:noFill/>
+                    </a:lnR>
+                    <a:lnT w="12700" cap="flat" cmpd="sng" algn="ctr">
+                      <a:solidFill>
+                        <a:srgbClr val="4F81BD"/>
+                      </a:solidFill>
+                      <a:prstDash val="solid"/>
+                      <a:round/>
+                      <a:headEnd type="none" w="med" len="med"/>
+                      <a:tailEnd type="none" w="med" len="med"/>
+                    </a:lnT>
+                    <a:lnB w="12700" cap="flat" cmpd="sng" algn="ctr">
+                      <a:solidFill>
+                        <a:srgbClr val="4F81BD"/>
+                      </a:solidFill>
+                      <a:prstDash val="solid"/>
+                      <a:round/>
+                      <a:headEnd type="none" w="med" len="med"/>
+                      <a:tailEnd type="none" w="med" len="med"/>
+                    </a:lnB>
+                  </a:tcPr>
+                </a:tc>
+                <a:tc>
+                  <a:txBody>
+                    <a:bodyPr/>
+                    <a:lstStyle/>
+                    <a:p>
+                      <a:pPr marL="0" marR="0" algn="ctr">
+                        <a:spcBef>
+                          <a:spcPts val="0"/>
+                        </a:spcBef>
+                        <a:spcAft>
+                          <a:spcPts val="0"/>
+                        </a:spcAft>
+                      </a:pPr>
+                      <a:r>
+                        <a:rPr lang="en-US" sz="1200">
+                          <a:solidFill>
+                            <a:schemeClr val="tx2"/>
+                          </a:solidFill>
+                          <a:latin typeface="Times New Roman"/>
+                          <a:ea typeface="Times New Roman"/>
+                        </a:rPr>
+                        <a:t>4/2007</a:t>
+                      </a:r>
+                    </a:p>
+                  </a:txBody>
+                  <a:tcPr marL="68580" marR="68580" marT="0" marB="0">
+                    <a:lnL>
+                      <a:noFill/>
+                    </a:lnL>
+                    <a:lnR>
+                      <a:noFill/>
+                    </a:lnR>
+                    <a:lnT w="12700" cap="flat" cmpd="sng" algn="ctr">
+                      <a:solidFill>
+                        <a:srgbClr val="4F81BD"/>
+                      </a:solidFill>
+                      <a:prstDash val="solid"/>
+                      <a:round/>
+                      <a:headEnd type="none" w="med" len="med"/>
+                      <a:tailEnd type="none" w="med" len="med"/>
+                    </a:lnT>
+                    <a:lnB w="12700" cap="flat" cmpd="sng" algn="ctr">
+                      <a:solidFill>
+                        <a:srgbClr val="4F81BD"/>
+                      </a:solidFill>
+                      <a:prstDash val="solid"/>
+                      <a:round/>
+                      <a:headEnd type="none" w="med" len="med"/>
+                      <a:tailEnd type="none" w="med" len="med"/>
+                    </a:lnB>
+                  </a:tcPr>
+                </a:tc>
+                <a:tc>
+                  <a:txBody>
+                    <a:bodyPr/>
+                    <a:lstStyle/>
+                    <a:p>
+                      <a:pPr marL="0" marR="0" algn="ctr">
+                        <a:spcBef>
+                          <a:spcPts val="0"/>
+                        </a:spcBef>
+                        <a:spcAft>
+                          <a:spcPts val="0"/>
+                        </a:spcAft>
+                      </a:pPr>
+                      <a:r>
+                        <a:rPr lang="en-US" sz="1200" u="sng" dirty="0">
+                          <a:solidFill>
+                            <a:schemeClr val="tx2"/>
+                          </a:solidFill>
+                          <a:latin typeface="Times New Roman"/>
+                          <a:ea typeface="Times New Roman"/>
+                          <a:hlinkClick r:id="rId10" action="ppaction://hlinkfile"/>
+                        </a:rPr>
+                        <a:t>Link</a:t>
+                      </a:r>
+                      <a:endParaRPr lang="en-US" sz="1200" dirty="0">
+                        <a:solidFill>
+                          <a:schemeClr val="tx2"/>
+                        </a:solidFill>
+                        <a:latin typeface="Times New Roman"/>
+                        <a:ea typeface="Times New Roman"/>
+                      </a:endParaRPr>
+                    </a:p>
+                  </a:txBody>
+                  <a:tcPr marL="68580" marR="68580" marT="0" marB="0">
+                    <a:lnL>
+                      <a:noFill/>
+                    </a:lnL>
+                    <a:lnR w="12700" cap="flat" cmpd="sng" algn="ctr">
+                      <a:solidFill>
+                        <a:srgbClr val="4F81BD"/>
+                      </a:solidFill>
+                      <a:prstDash val="solid"/>
+                      <a:round/>
+                      <a:headEnd type="none" w="med" len="med"/>
+                      <a:tailEnd type="none" w="med" len="med"/>
+                    </a:lnR>
+                    <a:lnT w="12700" cap="flat" cmpd="sng" algn="ctr">
+                      <a:solidFill>
+                        <a:srgbClr val="4F81BD"/>
+                      </a:solidFill>
+                      <a:prstDash val="solid"/>
+                      <a:round/>
+                      <a:headEnd type="none" w="med" len="med"/>
+                      <a:tailEnd type="none" w="med" len="med"/>
+                    </a:lnT>
+                    <a:lnB w="12700" cap="flat" cmpd="sng" algn="ctr">
+                      <a:solidFill>
+                        <a:srgbClr val="4F81BD"/>
+                      </a:solidFill>
+                      <a:prstDash val="solid"/>
+                      <a:round/>
+                      <a:headEnd type="none" w="med" len="med"/>
+                      <a:tailEnd type="none" w="med" len="med"/>
+                    </a:lnB>
+                  </a:tcPr>
+                </a:tc>
+              </a:tr>
+              <a:tr h="205740">
+                <a:tc>
+                  <a:txBody>
+                    <a:bodyPr/>
+                    <a:lstStyle/>
+                    <a:p>
+                      <a:pPr marL="0" marR="0" algn="ctr">
+                        <a:spcBef>
+                          <a:spcPts val="0"/>
+                        </a:spcBef>
+                        <a:spcAft>
+                          <a:spcPts val="0"/>
+                        </a:spcAft>
+                      </a:pPr>
+                      <a:r>
+                        <a:rPr lang="en-US" sz="1200" b="1">
+                          <a:solidFill>
+                            <a:schemeClr val="tx2"/>
+                          </a:solidFill>
+                          <a:latin typeface="Times New Roman"/>
+                          <a:ea typeface="Times New Roman"/>
+                        </a:rPr>
+                        <a:t>mysql-5.0.45.tar.gz</a:t>
+                      </a:r>
+                      <a:endParaRPr lang="en-US" sz="1200">
+                        <a:solidFill>
+                          <a:schemeClr val="tx2"/>
+                        </a:solidFill>
+                        <a:latin typeface="Times New Roman"/>
+                        <a:ea typeface="Times New Roman"/>
+                      </a:endParaRPr>
+                    </a:p>
+                  </a:txBody>
+                  <a:tcPr marL="68580" marR="68580" marT="0" marB="0">
+                    <a:lnL w="12700" cap="flat" cmpd="sng" algn="ctr">
+                      <a:solidFill>
+                        <a:srgbClr val="4F81BD"/>
+                      </a:solidFill>
+                      <a:prstDash val="solid"/>
+                      <a:round/>
+                      <a:headEnd type="none" w="med" len="med"/>
+                      <a:tailEnd type="none" w="med" len="med"/>
+                    </a:lnL>
+                    <a:lnR>
+                      <a:noFill/>
+                    </a:lnR>
+                    <a:lnT w="12700" cap="flat" cmpd="sng" algn="ctr">
+                      <a:solidFill>
+                        <a:srgbClr val="4F81BD"/>
+                      </a:solidFill>
+                      <a:prstDash val="solid"/>
+                      <a:round/>
+                      <a:headEnd type="none" w="med" len="med"/>
+                      <a:tailEnd type="none" w="med" len="med"/>
+                    </a:lnT>
+                    <a:lnB w="12700" cap="flat" cmpd="sng" algn="ctr">
+                      <a:solidFill>
+                        <a:srgbClr val="4F81BD"/>
+                      </a:solidFill>
+                      <a:prstDash val="solid"/>
+                      <a:round/>
+                      <a:headEnd type="none" w="med" len="med"/>
+                      <a:tailEnd type="none" w="med" len="med"/>
+                    </a:lnB>
+                  </a:tcPr>
+                </a:tc>
+                <a:tc>
+                  <a:txBody>
+                    <a:bodyPr/>
+                    <a:lstStyle/>
+                    <a:p>
+                      <a:pPr marL="0" marR="0" algn="ctr">
+                        <a:spcBef>
+                          <a:spcPts val="0"/>
+                        </a:spcBef>
+                        <a:spcAft>
+                          <a:spcPts val="0"/>
+                        </a:spcAft>
+                      </a:pPr>
+                      <a:r>
+                        <a:rPr lang="en-US" sz="1200">
+                          <a:solidFill>
+                            <a:schemeClr val="tx2"/>
+                          </a:solidFill>
+                          <a:latin typeface="Times New Roman"/>
+                          <a:ea typeface="Times New Roman"/>
+                        </a:rPr>
+                        <a:t>7/2007</a:t>
+                      </a:r>
+                    </a:p>
+                  </a:txBody>
+                  <a:tcPr marL="68580" marR="68580" marT="0" marB="0">
+                    <a:lnL>
+                      <a:noFill/>
+                    </a:lnL>
+                    <a:lnR>
+                      <a:noFill/>
+                    </a:lnR>
+                    <a:lnT w="12700" cap="flat" cmpd="sng" algn="ctr">
+                      <a:solidFill>
+                        <a:srgbClr val="4F81BD"/>
+                      </a:solidFill>
+                      <a:prstDash val="solid"/>
+                      <a:round/>
+                      <a:headEnd type="none" w="med" len="med"/>
+                      <a:tailEnd type="none" w="med" len="med"/>
+                    </a:lnT>
+                    <a:lnB w="12700" cap="flat" cmpd="sng" algn="ctr">
+                      <a:solidFill>
+                        <a:srgbClr val="4F81BD"/>
+                      </a:solidFill>
+                      <a:prstDash val="solid"/>
+                      <a:round/>
+                      <a:headEnd type="none" w="med" len="med"/>
+                      <a:tailEnd type="none" w="med" len="med"/>
+                    </a:lnB>
+                  </a:tcPr>
+                </a:tc>
+                <a:tc>
+                  <a:txBody>
+                    <a:bodyPr/>
+                    <a:lstStyle/>
+                    <a:p>
+                      <a:pPr marL="0" marR="0" algn="ctr">
+                        <a:spcBef>
+                          <a:spcPts val="0"/>
+                        </a:spcBef>
+                        <a:spcAft>
+                          <a:spcPts val="0"/>
+                        </a:spcAft>
+                      </a:pPr>
+                      <a:r>
+                        <a:rPr lang="en-US" sz="1200" u="sng" dirty="0">
+                          <a:solidFill>
+                            <a:schemeClr val="tx2"/>
+                          </a:solidFill>
+                          <a:latin typeface="Times New Roman"/>
+                          <a:ea typeface="Times New Roman"/>
+                          <a:hlinkClick r:id="rId11" action="ppaction://hlinkfile"/>
+                        </a:rPr>
+                        <a:t>Link</a:t>
+                      </a:r>
+                      <a:endParaRPr lang="en-US" sz="1200" dirty="0">
+                        <a:solidFill>
+                          <a:schemeClr val="tx2"/>
+                        </a:solidFill>
+                        <a:latin typeface="Times New Roman"/>
+                        <a:ea typeface="Times New Roman"/>
+                      </a:endParaRPr>
+                    </a:p>
+                  </a:txBody>
+                  <a:tcPr marL="68580" marR="68580" marT="0" marB="0">
+                    <a:lnL>
+                      <a:noFill/>
+                    </a:lnL>
+                    <a:lnR w="12700" cap="flat" cmpd="sng" algn="ctr">
+                      <a:solidFill>
+                        <a:srgbClr val="4F81BD"/>
+                      </a:solidFill>
+                      <a:prstDash val="solid"/>
+                      <a:round/>
+                      <a:headEnd type="none" w="med" len="med"/>
+                      <a:tailEnd type="none" w="med" len="med"/>
+                    </a:lnR>
+                    <a:lnT w="12700" cap="flat" cmpd="sng" algn="ctr">
+                      <a:solidFill>
+                        <a:srgbClr val="4F81BD"/>
+                      </a:solidFill>
+                      <a:prstDash val="solid"/>
+                      <a:round/>
+                      <a:headEnd type="none" w="med" len="med"/>
+                      <a:tailEnd type="none" w="med" len="med"/>
+                    </a:lnT>
+                    <a:lnB w="12700" cap="flat" cmpd="sng" algn="ctr">
+                      <a:solidFill>
+                        <a:srgbClr val="4F81BD"/>
+                      </a:solidFill>
+                      <a:prstDash val="solid"/>
+                      <a:round/>
+                      <a:headEnd type="none" w="med" len="med"/>
+                      <a:tailEnd type="none" w="med" len="med"/>
+                    </a:lnB>
+                  </a:tcPr>
+                </a:tc>
+              </a:tr>
+              <a:tr h="205740">
+                <a:tc>
+                  <a:txBody>
+                    <a:bodyPr/>
+                    <a:lstStyle/>
+                    <a:p>
+                      <a:pPr marL="0" marR="0" algn="ctr">
+                        <a:spcBef>
+                          <a:spcPts val="0"/>
+                        </a:spcBef>
+                        <a:spcAft>
+                          <a:spcPts val="0"/>
+                        </a:spcAft>
+                      </a:pPr>
+                      <a:r>
+                        <a:rPr lang="en-US" sz="1200" b="1">
+                          <a:solidFill>
+                            <a:schemeClr val="tx2"/>
+                          </a:solidFill>
+                          <a:latin typeface="Times New Roman"/>
+                          <a:ea typeface="Times New Roman"/>
+                        </a:rPr>
+                        <a:t>mysql-5.1.22-rc.tar.gz</a:t>
+                      </a:r>
+                      <a:endParaRPr lang="en-US" sz="1200">
+                        <a:solidFill>
+                          <a:schemeClr val="tx2"/>
+                        </a:solidFill>
+                        <a:latin typeface="Times New Roman"/>
+                        <a:ea typeface="Times New Roman"/>
+                      </a:endParaRPr>
+                    </a:p>
+                  </a:txBody>
+                  <a:tcPr marL="68580" marR="68580" marT="0" marB="0">
+                    <a:lnL w="12700" cap="flat" cmpd="sng" algn="ctr">
+                      <a:solidFill>
+                        <a:srgbClr val="4F81BD"/>
+                      </a:solidFill>
+                      <a:prstDash val="solid"/>
+                      <a:round/>
+                      <a:headEnd type="none" w="med" len="med"/>
+                      <a:tailEnd type="none" w="med" len="med"/>
+                    </a:lnL>
+                    <a:lnR>
+                      <a:noFill/>
+                    </a:lnR>
+                    <a:lnT w="12700" cap="flat" cmpd="sng" algn="ctr">
+                      <a:solidFill>
+                        <a:srgbClr val="4F81BD"/>
+                      </a:solidFill>
+                      <a:prstDash val="solid"/>
+                      <a:round/>
+                      <a:headEnd type="none" w="med" len="med"/>
+                      <a:tailEnd type="none" w="med" len="med"/>
+                    </a:lnT>
+                    <a:lnB w="12700" cap="flat" cmpd="sng" algn="ctr">
+                      <a:solidFill>
+                        <a:srgbClr val="4F81BD"/>
+                      </a:solidFill>
+                      <a:prstDash val="solid"/>
+                      <a:round/>
+                      <a:headEnd type="none" w="med" len="med"/>
+                      <a:tailEnd type="none" w="med" len="med"/>
+                    </a:lnB>
+                  </a:tcPr>
+                </a:tc>
+                <a:tc>
+                  <a:txBody>
+                    <a:bodyPr/>
+                    <a:lstStyle/>
+                    <a:p>
+                      <a:pPr marL="0" marR="0" algn="ctr">
+                        <a:spcBef>
+                          <a:spcPts val="0"/>
+                        </a:spcBef>
+                        <a:spcAft>
+                          <a:spcPts val="0"/>
+                        </a:spcAft>
+                      </a:pPr>
+                      <a:r>
+                        <a:rPr lang="en-US" sz="1200">
+                          <a:solidFill>
+                            <a:schemeClr val="tx2"/>
+                          </a:solidFill>
+                          <a:latin typeface="Times New Roman"/>
+                          <a:ea typeface="Times New Roman"/>
+                        </a:rPr>
+                        <a:t>9/2007</a:t>
+                      </a:r>
+                    </a:p>
+                  </a:txBody>
+                  <a:tcPr marL="68580" marR="68580" marT="0" marB="0">
+                    <a:lnL>
+                      <a:noFill/>
+                    </a:lnL>
+                    <a:lnR>
+                      <a:noFill/>
+                    </a:lnR>
+                    <a:lnT w="12700" cap="flat" cmpd="sng" algn="ctr">
+                      <a:solidFill>
+                        <a:srgbClr val="4F81BD"/>
+                      </a:solidFill>
+                      <a:prstDash val="solid"/>
+                      <a:round/>
+                      <a:headEnd type="none" w="med" len="med"/>
+                      <a:tailEnd type="none" w="med" len="med"/>
+                    </a:lnT>
+                    <a:lnB w="12700" cap="flat" cmpd="sng" algn="ctr">
+                      <a:solidFill>
+                        <a:srgbClr val="4F81BD"/>
+                      </a:solidFill>
+                      <a:prstDash val="solid"/>
+                      <a:round/>
+                      <a:headEnd type="none" w="med" len="med"/>
+                      <a:tailEnd type="none" w="med" len="med"/>
+                    </a:lnB>
+                  </a:tcPr>
+                </a:tc>
+                <a:tc>
+                  <a:txBody>
+                    <a:bodyPr/>
+                    <a:lstStyle/>
+                    <a:p>
+                      <a:pPr marL="0" marR="0" algn="ctr">
+                        <a:spcBef>
+                          <a:spcPts val="0"/>
+                        </a:spcBef>
+                        <a:spcAft>
+                          <a:spcPts val="0"/>
+                        </a:spcAft>
+                      </a:pPr>
+                      <a:r>
+                        <a:rPr lang="en-US" sz="1200" u="sng" dirty="0">
+                          <a:solidFill>
+                            <a:schemeClr val="tx2"/>
+                          </a:solidFill>
+                          <a:latin typeface="Times New Roman"/>
+                          <a:ea typeface="Times New Roman"/>
+                          <a:hlinkClick r:id="rId12" action="ppaction://hlinkfile"/>
+                        </a:rPr>
+                        <a:t>Link</a:t>
+                      </a:r>
+                      <a:endParaRPr lang="en-US" sz="1200" dirty="0">
+                        <a:solidFill>
+                          <a:schemeClr val="tx2"/>
+                        </a:solidFill>
+                        <a:latin typeface="Times New Roman"/>
+                        <a:ea typeface="Times New Roman"/>
+                      </a:endParaRPr>
+                    </a:p>
+                  </a:txBody>
+                  <a:tcPr marL="68580" marR="68580" marT="0" marB="0">
+                    <a:lnL>
+                      <a:noFill/>
+                    </a:lnL>
+                    <a:lnR w="12700" cap="flat" cmpd="sng" algn="ctr">
+                      <a:solidFill>
+                        <a:srgbClr val="4F81BD"/>
+                      </a:solidFill>
+                      <a:prstDash val="solid"/>
+                      <a:round/>
+                      <a:headEnd type="none" w="med" len="med"/>
+                      <a:tailEnd type="none" w="med" len="med"/>
+                    </a:lnR>
+                    <a:lnT w="12700" cap="flat" cmpd="sng" algn="ctr">
+                      <a:solidFill>
+                        <a:srgbClr val="4F81BD"/>
+                      </a:solidFill>
+                      <a:prstDash val="solid"/>
+                      <a:round/>
+                      <a:headEnd type="none" w="med" len="med"/>
+                      <a:tailEnd type="none" w="med" len="med"/>
+                    </a:lnT>
+                    <a:lnB w="12700" cap="flat" cmpd="sng" algn="ctr">
+                      <a:solidFill>
+                        <a:srgbClr val="4F81BD"/>
+                      </a:solidFill>
+                      <a:prstDash val="solid"/>
+                      <a:round/>
+                      <a:headEnd type="none" w="med" len="med"/>
+                      <a:tailEnd type="none" w="med" len="med"/>
+                    </a:lnB>
+                  </a:tcPr>
+                </a:tc>
+              </a:tr>
+              <a:tr h="205740">
+                <a:tc>
+                  <a:txBody>
+                    <a:bodyPr/>
+                    <a:lstStyle/>
+                    <a:p>
+                      <a:pPr marL="0" marR="0" algn="ctr">
+                        <a:spcBef>
+                          <a:spcPts val="0"/>
+                        </a:spcBef>
+                        <a:spcAft>
+                          <a:spcPts val="0"/>
+                        </a:spcAft>
+                      </a:pPr>
+                      <a:r>
+                        <a:rPr lang="en-US" sz="1200" b="1">
+                          <a:solidFill>
+                            <a:schemeClr val="tx2"/>
+                          </a:solidFill>
+                          <a:latin typeface="Times New Roman"/>
+                          <a:ea typeface="Times New Roman"/>
+                        </a:rPr>
+                        <a:t>mysql-6.0.2-alpha.tar.gz</a:t>
+                      </a:r>
+                      <a:endParaRPr lang="en-US" sz="1200">
+                        <a:solidFill>
+                          <a:schemeClr val="tx2"/>
+                        </a:solidFill>
+                        <a:latin typeface="Times New Roman"/>
+                        <a:ea typeface="Times New Roman"/>
+                      </a:endParaRPr>
+                    </a:p>
+                  </a:txBody>
+                  <a:tcPr marL="68580" marR="68580" marT="0" marB="0">
+                    <a:lnL w="12700" cap="flat" cmpd="sng" algn="ctr">
+                      <a:solidFill>
+                        <a:srgbClr val="4F81BD"/>
+                      </a:solidFill>
+                      <a:prstDash val="solid"/>
+                      <a:round/>
+                      <a:headEnd type="none" w="med" len="med"/>
+                      <a:tailEnd type="none" w="med" len="med"/>
+                    </a:lnL>
+                    <a:lnR>
+                      <a:noFill/>
+                    </a:lnR>
+                    <a:lnT w="12700" cap="flat" cmpd="sng" algn="ctr">
+                      <a:solidFill>
+                        <a:srgbClr val="4F81BD"/>
+                      </a:solidFill>
+                      <a:prstDash val="solid"/>
+                      <a:round/>
+                      <a:headEnd type="none" w="med" len="med"/>
+                      <a:tailEnd type="none" w="med" len="med"/>
+                    </a:lnT>
+                    <a:lnB w="12700" cap="flat" cmpd="sng" algn="ctr">
+                      <a:solidFill>
+                        <a:srgbClr val="4F81BD"/>
+                      </a:solidFill>
+                      <a:prstDash val="solid"/>
+                      <a:round/>
+                      <a:headEnd type="none" w="med" len="med"/>
+                      <a:tailEnd type="none" w="med" len="med"/>
+                    </a:lnB>
+                  </a:tcPr>
+                </a:tc>
+                <a:tc>
+                  <a:txBody>
+                    <a:bodyPr/>
+                    <a:lstStyle/>
+                    <a:p>
+                      <a:pPr marL="0" marR="0" algn="ctr">
+                        <a:spcBef>
+                          <a:spcPts val="0"/>
+                        </a:spcBef>
+                        <a:spcAft>
+                          <a:spcPts val="0"/>
+                        </a:spcAft>
+                      </a:pPr>
+                      <a:r>
+                        <a:rPr lang="en-US" sz="1200">
+                          <a:solidFill>
+                            <a:schemeClr val="tx2"/>
+                          </a:solidFill>
+                          <a:latin typeface="Times New Roman"/>
+                          <a:ea typeface="Times New Roman"/>
+                        </a:rPr>
+                        <a:t>9/2007</a:t>
+                      </a:r>
+                    </a:p>
+                  </a:txBody>
+                  <a:tcPr marL="68580" marR="68580" marT="0" marB="0">
+                    <a:lnL>
+                      <a:noFill/>
+                    </a:lnL>
+                    <a:lnR>
+                      <a:noFill/>
+                    </a:lnR>
+                    <a:lnT w="12700" cap="flat" cmpd="sng" algn="ctr">
+                      <a:solidFill>
+                        <a:srgbClr val="4F81BD"/>
+                      </a:solidFill>
+                      <a:prstDash val="solid"/>
+                      <a:round/>
+                      <a:headEnd type="none" w="med" len="med"/>
+                      <a:tailEnd type="none" w="med" len="med"/>
+                    </a:lnT>
+                    <a:lnB w="12700" cap="flat" cmpd="sng" algn="ctr">
+                      <a:solidFill>
+                        <a:srgbClr val="4F81BD"/>
+                      </a:solidFill>
+                      <a:prstDash val="solid"/>
+                      <a:round/>
+                      <a:headEnd type="none" w="med" len="med"/>
+                      <a:tailEnd type="none" w="med" len="med"/>
+                    </a:lnB>
+                  </a:tcPr>
+                </a:tc>
+                <a:tc>
+                  <a:txBody>
+                    <a:bodyPr/>
+                    <a:lstStyle/>
+                    <a:p>
+                      <a:pPr marL="0" marR="0" algn="ctr">
+                        <a:spcBef>
+                          <a:spcPts val="0"/>
+                        </a:spcBef>
+                        <a:spcAft>
+                          <a:spcPts val="0"/>
+                        </a:spcAft>
+                      </a:pPr>
+                      <a:r>
+                        <a:rPr lang="en-US" sz="1200" u="sng" dirty="0">
+                          <a:solidFill>
+                            <a:schemeClr val="tx2"/>
+                          </a:solidFill>
+                          <a:latin typeface="Times New Roman"/>
+                          <a:ea typeface="Times New Roman"/>
+                          <a:hlinkClick r:id="rId12" action="ppaction://hlinkfile"/>
+                        </a:rPr>
+                        <a:t>Link</a:t>
+                      </a:r>
+                      <a:endParaRPr lang="en-US" sz="1200" dirty="0">
+                        <a:solidFill>
+                          <a:schemeClr val="tx2"/>
+                        </a:solidFill>
+                        <a:latin typeface="Times New Roman"/>
+                        <a:ea typeface="Times New Roman"/>
+                      </a:endParaRPr>
+                    </a:p>
+                  </a:txBody>
+                  <a:tcPr marL="68580" marR="68580" marT="0" marB="0">
+                    <a:lnL>
+                      <a:noFill/>
+                    </a:lnL>
+                    <a:lnR w="12700" cap="flat" cmpd="sng" algn="ctr">
+                      <a:solidFill>
+                        <a:srgbClr val="4F81BD"/>
+                      </a:solidFill>
+                      <a:prstDash val="solid"/>
+                      <a:round/>
+                      <a:headEnd type="none" w="med" len="med"/>
+                      <a:tailEnd type="none" w="med" len="med"/>
+                    </a:lnR>
+                    <a:lnT w="12700" cap="flat" cmpd="sng" algn="ctr">
+                      <a:solidFill>
+                        <a:srgbClr val="4F81BD"/>
+                      </a:solidFill>
+                      <a:prstDash val="solid"/>
+                      <a:round/>
+                      <a:headEnd type="none" w="med" len="med"/>
+                      <a:tailEnd type="none" w="med" len="med"/>
+                    </a:lnT>
+                    <a:lnB w="12700" cap="flat" cmpd="sng" algn="ctr">
+                      <a:solidFill>
+                        <a:srgbClr val="4F81BD"/>
+                      </a:solidFill>
+                      <a:prstDash val="solid"/>
+                      <a:round/>
+                      <a:headEnd type="none" w="med" len="med"/>
+                      <a:tailEnd type="none" w="med" len="med"/>
+                    </a:lnB>
+                  </a:tcPr>
+                </a:tc>
+              </a:tr>
+              <a:tr h="205740">
+                <a:tc>
+                  <a:txBody>
+                    <a:bodyPr/>
+                    <a:lstStyle/>
+                    <a:p>
+                      <a:pPr marL="0" marR="0" algn="ctr">
+                        <a:spcBef>
+                          <a:spcPts val="0"/>
+                        </a:spcBef>
+                        <a:spcAft>
+                          <a:spcPts val="0"/>
+                        </a:spcAft>
+                      </a:pPr>
+                      <a:r>
+                        <a:rPr lang="en-US" sz="1200" b="1">
+                          <a:solidFill>
+                            <a:schemeClr val="tx2"/>
+                          </a:solidFill>
+                          <a:latin typeface="Times New Roman"/>
+                          <a:ea typeface="Times New Roman"/>
+                        </a:rPr>
+                        <a:t>mysql-6.0.3-alpha.tar.gz</a:t>
+                      </a:r>
+                      <a:endParaRPr lang="en-US" sz="1200">
+                        <a:solidFill>
+                          <a:schemeClr val="tx2"/>
+                        </a:solidFill>
+                        <a:latin typeface="Times New Roman"/>
+                        <a:ea typeface="Times New Roman"/>
+                      </a:endParaRPr>
+                    </a:p>
+                  </a:txBody>
+                  <a:tcPr marL="68580" marR="68580" marT="0" marB="0">
+                    <a:lnL w="12700" cap="flat" cmpd="sng" algn="ctr">
+                      <a:solidFill>
+                        <a:srgbClr val="4F81BD"/>
+                      </a:solidFill>
+                      <a:prstDash val="solid"/>
+                      <a:round/>
+                      <a:headEnd type="none" w="med" len="med"/>
+                      <a:tailEnd type="none" w="med" len="med"/>
+                    </a:lnL>
+                    <a:lnR>
+                      <a:noFill/>
+                    </a:lnR>
+                    <a:lnT w="12700" cap="flat" cmpd="sng" algn="ctr">
+                      <a:solidFill>
+                        <a:srgbClr val="4F81BD"/>
+                      </a:solidFill>
+                      <a:prstDash val="solid"/>
+                      <a:round/>
+                      <a:headEnd type="none" w="med" len="med"/>
+                      <a:tailEnd type="none" w="med" len="med"/>
+                    </a:lnT>
+                    <a:lnB w="12700" cap="flat" cmpd="sng" algn="ctr">
+                      <a:solidFill>
+                        <a:srgbClr val="4F81BD"/>
+                      </a:solidFill>
+                      <a:prstDash val="solid"/>
+                      <a:round/>
+                      <a:headEnd type="none" w="med" len="med"/>
+                      <a:tailEnd type="none" w="med" len="med"/>
+                    </a:lnB>
+                  </a:tcPr>
+                </a:tc>
+                <a:tc>
+                  <a:txBody>
+                    <a:bodyPr/>
+                    <a:lstStyle/>
+                    <a:p>
+                      <a:pPr marL="0" marR="0" algn="ctr">
+                        <a:spcBef>
+                          <a:spcPts val="0"/>
+                        </a:spcBef>
+                        <a:spcAft>
+                          <a:spcPts val="0"/>
+                        </a:spcAft>
+                      </a:pPr>
+                      <a:r>
+                        <a:rPr lang="en-US" sz="1200">
+                          <a:solidFill>
+                            <a:schemeClr val="tx2"/>
+                          </a:solidFill>
+                          <a:latin typeface="Times New Roman"/>
+                          <a:ea typeface="Times New Roman"/>
+                        </a:rPr>
+                        <a:t>11/2007</a:t>
+                      </a:r>
+                    </a:p>
+                  </a:txBody>
+                  <a:tcPr marL="68580" marR="68580" marT="0" marB="0">
+                    <a:lnL>
+                      <a:noFill/>
+                    </a:lnL>
+                    <a:lnR>
+                      <a:noFill/>
+                    </a:lnR>
+                    <a:lnT w="12700" cap="flat" cmpd="sng" algn="ctr">
+                      <a:solidFill>
+                        <a:srgbClr val="4F81BD"/>
+                      </a:solidFill>
+                      <a:prstDash val="solid"/>
+                      <a:round/>
+                      <a:headEnd type="none" w="med" len="med"/>
+                      <a:tailEnd type="none" w="med" len="med"/>
+                    </a:lnT>
+                    <a:lnB w="12700" cap="flat" cmpd="sng" algn="ctr">
+                      <a:solidFill>
+                        <a:srgbClr val="4F81BD"/>
+                      </a:solidFill>
+                      <a:prstDash val="solid"/>
+                      <a:round/>
+                      <a:headEnd type="none" w="med" len="med"/>
+                      <a:tailEnd type="none" w="med" len="med"/>
+                    </a:lnB>
+                  </a:tcPr>
+                </a:tc>
+                <a:tc>
+                  <a:txBody>
+                    <a:bodyPr/>
+                    <a:lstStyle/>
+                    <a:p>
+                      <a:pPr marL="0" marR="0" algn="ctr">
+                        <a:spcBef>
+                          <a:spcPts val="0"/>
+                        </a:spcBef>
+                        <a:spcAft>
+                          <a:spcPts val="0"/>
+                        </a:spcAft>
+                      </a:pPr>
+                      <a:r>
+                        <a:rPr lang="en-US" sz="1200" u="sng" dirty="0">
+                          <a:solidFill>
+                            <a:schemeClr val="tx2"/>
+                          </a:solidFill>
+                          <a:latin typeface="Times New Roman"/>
+                          <a:ea typeface="Times New Roman"/>
+                          <a:hlinkClick r:id="rId13" action="ppaction://hlinkfile"/>
+                        </a:rPr>
+                        <a:t>Link</a:t>
+                      </a:r>
+                      <a:endParaRPr lang="en-US" sz="1200" dirty="0">
+                        <a:solidFill>
+                          <a:schemeClr val="tx2"/>
+                        </a:solidFill>
+                        <a:latin typeface="Times New Roman"/>
+                        <a:ea typeface="Times New Roman"/>
+                      </a:endParaRPr>
+                    </a:p>
+                  </a:txBody>
+                  <a:tcPr marL="68580" marR="68580" marT="0" marB="0">
+                    <a:lnL>
+                      <a:noFill/>
+                    </a:lnL>
+                    <a:lnR w="12700" cap="flat" cmpd="sng" algn="ctr">
+                      <a:solidFill>
+                        <a:srgbClr val="4F81BD"/>
+                      </a:solidFill>
+                      <a:prstDash val="solid"/>
+                      <a:round/>
+                      <a:headEnd type="none" w="med" len="med"/>
+                      <a:tailEnd type="none" w="med" len="med"/>
+                    </a:lnR>
+                    <a:lnT w="12700" cap="flat" cmpd="sng" algn="ctr">
+                      <a:solidFill>
+                        <a:srgbClr val="4F81BD"/>
+                      </a:solidFill>
+                      <a:prstDash val="solid"/>
+                      <a:round/>
+                      <a:headEnd type="none" w="med" len="med"/>
+                      <a:tailEnd type="none" w="med" len="med"/>
+                    </a:lnT>
+                    <a:lnB w="12700" cap="flat" cmpd="sng" algn="ctr">
+                      <a:solidFill>
+                        <a:srgbClr val="4F81BD"/>
+                      </a:solidFill>
+                      <a:prstDash val="solid"/>
+                      <a:round/>
+                      <a:headEnd type="none" w="med" len="med"/>
+                      <a:tailEnd type="none" w="med" len="med"/>
+                    </a:lnB>
+                  </a:tcPr>
+                </a:tc>
+              </a:tr>
+              <a:tr h="205740">
+                <a:tc>
+                  <a:txBody>
+                    <a:bodyPr/>
+                    <a:lstStyle/>
+                    <a:p>
+                      <a:pPr marL="0" marR="0" algn="ctr">
+                        <a:spcBef>
+                          <a:spcPts val="0"/>
+                        </a:spcBef>
+                        <a:spcAft>
+                          <a:spcPts val="0"/>
+                        </a:spcAft>
+                      </a:pPr>
+                      <a:r>
+                        <a:rPr lang="en-US" sz="1200" b="1">
+                          <a:solidFill>
+                            <a:schemeClr val="tx2"/>
+                          </a:solidFill>
+                          <a:latin typeface="Times New Roman"/>
+                          <a:ea typeface="Times New Roman"/>
+                        </a:rPr>
+                        <a:t>mysql-5.1.23-rc.tar.gz</a:t>
+                      </a:r>
+                      <a:endParaRPr lang="en-US" sz="1200">
+                        <a:solidFill>
+                          <a:schemeClr val="tx2"/>
+                        </a:solidFill>
+                        <a:latin typeface="Times New Roman"/>
+                        <a:ea typeface="Times New Roman"/>
+                      </a:endParaRPr>
+                    </a:p>
+                  </a:txBody>
+                  <a:tcPr marL="68580" marR="68580" marT="0" marB="0">
+                    <a:lnL w="12700" cap="flat" cmpd="sng" algn="ctr">
+                      <a:solidFill>
+                        <a:srgbClr val="4F81BD"/>
+                      </a:solidFill>
+                      <a:prstDash val="solid"/>
+                      <a:round/>
+                      <a:headEnd type="none" w="med" len="med"/>
+                      <a:tailEnd type="none" w="med" len="med"/>
+                    </a:lnL>
+                    <a:lnR>
+                      <a:noFill/>
+                    </a:lnR>
+                    <a:lnT w="12700" cap="flat" cmpd="sng" algn="ctr">
+                      <a:solidFill>
+                        <a:srgbClr val="4F81BD"/>
+                      </a:solidFill>
+                      <a:prstDash val="solid"/>
+                      <a:round/>
+                      <a:headEnd type="none" w="med" len="med"/>
+                      <a:tailEnd type="none" w="med" len="med"/>
+                    </a:lnT>
+                    <a:lnB w="12700" cap="flat" cmpd="sng" algn="ctr">
+                      <a:solidFill>
+                        <a:srgbClr val="4F81BD"/>
+                      </a:solidFill>
+                      <a:prstDash val="solid"/>
+                      <a:round/>
+                      <a:headEnd type="none" w="med" len="med"/>
+                      <a:tailEnd type="none" w="med" len="med"/>
+                    </a:lnB>
+                  </a:tcPr>
+                </a:tc>
+                <a:tc>
+                  <a:txBody>
+                    <a:bodyPr/>
+                    <a:lstStyle/>
+                    <a:p>
+                      <a:pPr marL="0" marR="0" algn="ctr">
+                        <a:spcBef>
+                          <a:spcPts val="0"/>
+                        </a:spcBef>
+                        <a:spcAft>
+                          <a:spcPts val="0"/>
+                        </a:spcAft>
+                      </a:pPr>
+                      <a:r>
+                        <a:rPr lang="en-US" sz="1200">
+                          <a:solidFill>
+                            <a:schemeClr val="tx2"/>
+                          </a:solidFill>
+                          <a:latin typeface="Times New Roman"/>
+                          <a:ea typeface="Times New Roman"/>
+                        </a:rPr>
+                        <a:t>1/2008</a:t>
+                      </a:r>
+                    </a:p>
+                  </a:txBody>
+                  <a:tcPr marL="68580" marR="68580" marT="0" marB="0">
+                    <a:lnL>
+                      <a:noFill/>
+                    </a:lnL>
+                    <a:lnR>
+                      <a:noFill/>
+                    </a:lnR>
+                    <a:lnT w="12700" cap="flat" cmpd="sng" algn="ctr">
+                      <a:solidFill>
+                        <a:srgbClr val="4F81BD"/>
+                      </a:solidFill>
+                      <a:prstDash val="solid"/>
+                      <a:round/>
+                      <a:headEnd type="none" w="med" len="med"/>
+                      <a:tailEnd type="none" w="med" len="med"/>
+                    </a:lnT>
+                    <a:lnB w="12700" cap="flat" cmpd="sng" algn="ctr">
+                      <a:solidFill>
+                        <a:srgbClr val="4F81BD"/>
+                      </a:solidFill>
+                      <a:prstDash val="solid"/>
+                      <a:round/>
+                      <a:headEnd type="none" w="med" len="med"/>
+                      <a:tailEnd type="none" w="med" len="med"/>
+                    </a:lnB>
+                  </a:tcPr>
+                </a:tc>
+                <a:tc>
+                  <a:txBody>
+                    <a:bodyPr/>
+                    <a:lstStyle/>
+                    <a:p>
+                      <a:pPr marL="0" marR="0" algn="ctr">
+                        <a:spcBef>
+                          <a:spcPts val="0"/>
+                        </a:spcBef>
+                        <a:spcAft>
+                          <a:spcPts val="0"/>
+                        </a:spcAft>
+                      </a:pPr>
+                      <a:r>
+                        <a:rPr lang="en-US" sz="1200" u="sng" dirty="0">
+                          <a:solidFill>
+                            <a:schemeClr val="tx2"/>
+                          </a:solidFill>
+                          <a:latin typeface="Times New Roman"/>
+                          <a:ea typeface="Times New Roman"/>
+                          <a:hlinkClick r:id="rId14" action="ppaction://hlinkfile"/>
+                        </a:rPr>
+                        <a:t>Link</a:t>
+                      </a:r>
+                      <a:endParaRPr lang="en-US" sz="1200" dirty="0">
+                        <a:solidFill>
+                          <a:schemeClr val="tx2"/>
+                        </a:solidFill>
+                        <a:latin typeface="Times New Roman"/>
+                        <a:ea typeface="Times New Roman"/>
+                      </a:endParaRPr>
+                    </a:p>
+                  </a:txBody>
+                  <a:tcPr marL="68580" marR="68580" marT="0" marB="0">
+                    <a:lnL>
+                      <a:noFill/>
+                    </a:lnL>
+                    <a:lnR w="12700" cap="flat" cmpd="sng" algn="ctr">
+                      <a:solidFill>
+                        <a:srgbClr val="4F81BD"/>
+                      </a:solidFill>
+                      <a:prstDash val="solid"/>
+                      <a:round/>
+                      <a:headEnd type="none" w="med" len="med"/>
+                      <a:tailEnd type="none" w="med" len="med"/>
+                    </a:lnR>
+                    <a:lnT w="12700" cap="flat" cmpd="sng" algn="ctr">
+                      <a:solidFill>
+                        <a:srgbClr val="4F81BD"/>
+                      </a:solidFill>
+                      <a:prstDash val="solid"/>
+                      <a:round/>
+                      <a:headEnd type="none" w="med" len="med"/>
+                      <a:tailEnd type="none" w="med" len="med"/>
+                    </a:lnT>
+                    <a:lnB w="12700" cap="flat" cmpd="sng" algn="ctr">
+                      <a:solidFill>
+                        <a:srgbClr val="4F81BD"/>
+                      </a:solidFill>
+                      <a:prstDash val="solid"/>
+                      <a:round/>
+                      <a:headEnd type="none" w="med" len="med"/>
+                      <a:tailEnd type="none" w="med" len="med"/>
+                    </a:lnB>
+                  </a:tcPr>
+                </a:tc>
+              </a:tr>
+              <a:tr h="205740">
+                <a:tc>
+                  <a:txBody>
+                    <a:bodyPr/>
+                    <a:lstStyle/>
+                    <a:p>
+                      <a:pPr marL="0" marR="0" algn="ctr">
+                        <a:spcBef>
+                          <a:spcPts val="0"/>
+                        </a:spcBef>
+                        <a:spcAft>
+                          <a:spcPts val="0"/>
+                        </a:spcAft>
+                      </a:pPr>
+                      <a:r>
+                        <a:rPr lang="en-US" sz="1200" b="1">
+                          <a:solidFill>
+                            <a:schemeClr val="tx2"/>
+                          </a:solidFill>
+                          <a:latin typeface="Times New Roman"/>
+                          <a:ea typeface="Times New Roman"/>
+                        </a:rPr>
+                        <a:t>mysql-6.0.4-alpha.tar.gz</a:t>
+                      </a:r>
+                      <a:endParaRPr lang="en-US" sz="1200">
+                        <a:solidFill>
+                          <a:schemeClr val="tx2"/>
+                        </a:solidFill>
+                        <a:latin typeface="Times New Roman"/>
+                        <a:ea typeface="Times New Roman"/>
+                      </a:endParaRPr>
+                    </a:p>
+                  </a:txBody>
+                  <a:tcPr marL="68580" marR="68580" marT="0" marB="0">
+                    <a:lnL w="12700" cap="flat" cmpd="sng" algn="ctr">
+                      <a:solidFill>
+                        <a:srgbClr val="4F81BD"/>
+                      </a:solidFill>
+                      <a:prstDash val="solid"/>
+                      <a:round/>
+                      <a:headEnd type="none" w="med" len="med"/>
+                      <a:tailEnd type="none" w="med" len="med"/>
+                    </a:lnL>
+                    <a:lnR>
+                      <a:noFill/>
+                    </a:lnR>
+                    <a:lnT w="12700" cap="flat" cmpd="sng" algn="ctr">
+                      <a:solidFill>
+                        <a:srgbClr val="4F81BD"/>
+                      </a:solidFill>
+                      <a:prstDash val="solid"/>
+                      <a:round/>
+                      <a:headEnd type="none" w="med" len="med"/>
+                      <a:tailEnd type="none" w="med" len="med"/>
+                    </a:lnT>
+                    <a:lnB w="12700" cap="flat" cmpd="sng" algn="ctr">
+                      <a:solidFill>
+                        <a:srgbClr val="4F81BD"/>
+                      </a:solidFill>
+                      <a:prstDash val="solid"/>
+                      <a:round/>
+                      <a:headEnd type="none" w="med" len="med"/>
+                      <a:tailEnd type="none" w="med" len="med"/>
+                    </a:lnB>
+                  </a:tcPr>
+                </a:tc>
+                <a:tc>
+                  <a:txBody>
+                    <a:bodyPr/>
+                    <a:lstStyle/>
+                    <a:p>
+                      <a:pPr marL="0" marR="0" algn="ctr">
+                        <a:spcBef>
+                          <a:spcPts val="0"/>
+                        </a:spcBef>
+                        <a:spcAft>
+                          <a:spcPts val="0"/>
+                        </a:spcAft>
+                      </a:pPr>
+                      <a:r>
+                        <a:rPr lang="en-US" sz="1200">
+                          <a:solidFill>
+                            <a:schemeClr val="tx2"/>
+                          </a:solidFill>
+                          <a:latin typeface="Times New Roman"/>
+                          <a:ea typeface="Times New Roman"/>
+                        </a:rPr>
+                        <a:t>3/2008</a:t>
+                      </a:r>
+                    </a:p>
+                  </a:txBody>
+                  <a:tcPr marL="68580" marR="68580" marT="0" marB="0">
+                    <a:lnL>
+                      <a:noFill/>
+                    </a:lnL>
+                    <a:lnR>
+                      <a:noFill/>
+                    </a:lnR>
+                    <a:lnT w="12700" cap="flat" cmpd="sng" algn="ctr">
+                      <a:solidFill>
+                        <a:srgbClr val="4F81BD"/>
+                      </a:solidFill>
+                      <a:prstDash val="solid"/>
+                      <a:round/>
+                      <a:headEnd type="none" w="med" len="med"/>
+                      <a:tailEnd type="none" w="med" len="med"/>
+                    </a:lnT>
+                    <a:lnB w="12700" cap="flat" cmpd="sng" algn="ctr">
+                      <a:solidFill>
+                        <a:srgbClr val="4F81BD"/>
+                      </a:solidFill>
+                      <a:prstDash val="solid"/>
+                      <a:round/>
+                      <a:headEnd type="none" w="med" len="med"/>
+                      <a:tailEnd type="none" w="med" len="med"/>
+                    </a:lnB>
+                  </a:tcPr>
+                </a:tc>
+                <a:tc>
+                  <a:txBody>
+                    <a:bodyPr/>
+                    <a:lstStyle/>
+                    <a:p>
+                      <a:pPr marL="0" marR="0" algn="ctr">
+                        <a:spcBef>
+                          <a:spcPts val="0"/>
+                        </a:spcBef>
+                        <a:spcAft>
+                          <a:spcPts val="0"/>
+                        </a:spcAft>
+                      </a:pPr>
+                      <a:r>
+                        <a:rPr lang="en-US" sz="1200" u="sng" dirty="0">
+                          <a:solidFill>
+                            <a:schemeClr val="tx2"/>
+                          </a:solidFill>
+                          <a:latin typeface="Times New Roman"/>
+                          <a:ea typeface="Times New Roman"/>
+                          <a:hlinkClick r:id="rId15" action="ppaction://hlinkfile"/>
+                        </a:rPr>
+                        <a:t>Link</a:t>
+                      </a:r>
+                      <a:endParaRPr lang="en-US" sz="1200" dirty="0">
+                        <a:solidFill>
+                          <a:schemeClr val="tx2"/>
+                        </a:solidFill>
+                        <a:latin typeface="Times New Roman"/>
+                        <a:ea typeface="Times New Roman"/>
+                      </a:endParaRPr>
+                    </a:p>
+                  </a:txBody>
+                  <a:tcPr marL="68580" marR="68580" marT="0" marB="0">
+                    <a:lnL>
+                      <a:noFill/>
+                    </a:lnL>
+                    <a:lnR w="12700" cap="flat" cmpd="sng" algn="ctr">
+                      <a:solidFill>
+                        <a:srgbClr val="4F81BD"/>
+                      </a:solidFill>
+                      <a:prstDash val="solid"/>
+                      <a:round/>
+                      <a:headEnd type="none" w="med" len="med"/>
+                      <a:tailEnd type="none" w="med" len="med"/>
+                    </a:lnR>
+                    <a:lnT w="12700" cap="flat" cmpd="sng" algn="ctr">
+                      <a:solidFill>
+                        <a:srgbClr val="4F81BD"/>
+                      </a:solidFill>
+                      <a:prstDash val="solid"/>
+                      <a:round/>
+                      <a:headEnd type="none" w="med" len="med"/>
+                      <a:tailEnd type="none" w="med" len="med"/>
+                    </a:lnT>
+                    <a:lnB w="12700" cap="flat" cmpd="sng" algn="ctr">
+                      <a:solidFill>
+                        <a:srgbClr val="4F81BD"/>
+                      </a:solidFill>
+                      <a:prstDash val="solid"/>
+                      <a:round/>
+                      <a:headEnd type="none" w="med" len="med"/>
+                      <a:tailEnd type="none" w="med" len="med"/>
+                    </a:lnB>
+                  </a:tcPr>
+                </a:tc>
+              </a:tr>
+            </a:tbl>
+          </a:graphicData>
+        </a:graphic>
+      </p:graphicFrame>
     </p:spTree>
   </p:cSld>
   <p:clrMapOvr>
@@ -11509,51 +14713,34 @@
           <a:lstStyle/>
           <a:p>
             <a:r>
-              <a:rPr lang="en-US" dirty="0" smtClean="0"/>
-              <a:t>The first column </a:t>
-            </a:r>
-            <a:r>
-              <a:rPr lang="en-US" dirty="0" smtClean="0"/>
-              <a:t>represents </a:t>
-            </a:r>
-            <a:r>
-              <a:rPr lang="en-US" dirty="0" smtClean="0"/>
-              <a:t>the specific name of the release.</a:t>
-            </a:r>
-          </a:p>
-          <a:p>
-            <a:r>
-              <a:rPr lang="en-US" dirty="0" smtClean="0"/>
+              <a:rPr lang="en-US" sz="2800" dirty="0" smtClean="0"/>
+              <a:t>The first column represents the specific name of the release.</a:t>
+            </a:r>
+          </a:p>
+          <a:p>
+            <a:r>
+              <a:rPr lang="en-US" sz="2800" dirty="0" smtClean="0"/>
               <a:t>The second column shows the date for each of those releases.</a:t>
             </a:r>
           </a:p>
           <a:p>
             <a:r>
-              <a:rPr lang="en-US" dirty="0" smtClean="0"/>
+              <a:rPr lang="en-US" sz="2800" dirty="0" smtClean="0"/>
               <a:t>The third column displays the results of the categorical analysis of the core/periphery structure of the </a:t>
             </a:r>
             <a:r>
-              <a:rPr lang="en-US" dirty="0" err="1" smtClean="0"/>
+              <a:rPr lang="en-US" sz="2800" dirty="0" err="1" smtClean="0"/>
               <a:t>MySQL</a:t>
             </a:r>
             <a:r>
-              <a:rPr lang="en-US" dirty="0" smtClean="0"/>
-              <a:t> communication structure as a snapshot at that date associated with each release.</a:t>
-            </a:r>
-          </a:p>
-          <a:p>
-            <a:r>
-              <a:rPr lang="en-US" dirty="0" smtClean="0"/>
-              <a:t>The fourth column is the results of a continuous analysis of the core and periphery structure of the MySQL communication structure as a snapshot at that date associated with each </a:t>
-            </a:r>
-            <a:r>
-              <a:rPr lang="en-US" dirty="0" smtClean="0"/>
-              <a:t>release.</a:t>
-            </a:r>
-            <a:endParaRPr lang="en-US" dirty="0" smtClean="0"/>
-          </a:p>
-          <a:p>
-            <a:endParaRPr lang="en-US" dirty="0"/>
+              <a:rPr lang="en-US" sz="2800" dirty="0" smtClean="0"/>
+              <a:t> communication structure as a snapshot at that date associated with each release</a:t>
+            </a:r>
+            <a:r>
+              <a:rPr lang="en-US" sz="2800" dirty="0" smtClean="0"/>
+              <a:t>.</a:t>
+            </a:r>
+            <a:endParaRPr lang="en-US" sz="2800" dirty="0" smtClean="0"/>
           </a:p>
         </p:txBody>
       </p:sp>
@@ -11622,38 +14809,3537 @@
           <a:p>
             <a:r>
               <a:rPr lang="en-US" dirty="0" smtClean="0"/>
-              <a:t>Here is an image of the social network for 9/2003:</a:t>
-            </a:r>
+              <a:t>Below is the social network diagram for each of the given releases:</a:t>
+            </a:r>
+            <a:endParaRPr lang="en-US" dirty="0" smtClean="0"/>
           </a:p>
           <a:p>
             <a:endParaRPr lang="en-US" dirty="0"/>
           </a:p>
         </p:txBody>
       </p:sp>
-      <p:pic>
-        <p:nvPicPr>
-          <p:cNvPr id="5" name="Picture 4" descr="SN 2006-11-01.jpg"/>
-          <p:cNvPicPr>
-            <a:picLocks noChangeAspect="1"/>
-          </p:cNvPicPr>
+      <p:graphicFrame>
+        <p:nvGraphicFramePr>
+          <p:cNvPr id="9" name="Table 8"/>
+          <p:cNvGraphicFramePr>
+            <a:graphicFrameLocks noGrp="1"/>
+          </p:cNvGraphicFramePr>
           <p:nvPr/>
-        </p:nvPicPr>
-        <p:blipFill>
-          <a:blip r:embed="rId3"/>
-          <a:stretch>
-            <a:fillRect/>
-          </a:stretch>
-        </p:blipFill>
-        <p:spPr>
-          <a:xfrm>
-            <a:off x="990600" y="1828800"/>
-            <a:ext cx="7010400" cy="4269074"/>
-          </a:xfrm>
-          <a:prstGeom prst="rect">
-            <a:avLst/>
-          </a:prstGeom>
-        </p:spPr>
-      </p:pic>
+        </p:nvGraphicFramePr>
+        <p:xfrm>
+          <a:off x="1981200" y="2438400"/>
+          <a:ext cx="5410201" cy="3474720"/>
+        </p:xfrm>
+        <a:graphic>
+          <a:graphicData uri="http://schemas.openxmlformats.org/drawingml/2006/table">
+            <a:tbl>
+              <a:tblPr/>
+              <a:tblGrid>
+                <a:gridCol w="2728913"/>
+                <a:gridCol w="1357313"/>
+                <a:gridCol w="1323975"/>
+              </a:tblGrid>
+              <a:tr h="30480">
+                <a:tc>
+                  <a:txBody>
+                    <a:bodyPr/>
+                    <a:lstStyle/>
+                    <a:p>
+                      <a:pPr marL="0" marR="0" algn="ctr">
+                        <a:spcBef>
+                          <a:spcPts val="0"/>
+                        </a:spcBef>
+                        <a:spcAft>
+                          <a:spcPts val="0"/>
+                        </a:spcAft>
+                      </a:pPr>
+                      <a:r>
+                        <a:rPr lang="en-US" sz="1200" b="1" dirty="0">
+                          <a:solidFill>
+                            <a:srgbClr val="FFFFFF"/>
+                          </a:solidFill>
+                          <a:latin typeface="Times New Roman"/>
+                          <a:ea typeface="Times New Roman"/>
+                        </a:rPr>
+                        <a:t>Release Name</a:t>
+                      </a:r>
+                      <a:endParaRPr lang="en-US" sz="1200" dirty="0">
+                        <a:latin typeface="Times New Roman"/>
+                        <a:ea typeface="Times New Roman"/>
+                      </a:endParaRPr>
+                    </a:p>
+                  </a:txBody>
+                  <a:tcPr marL="68580" marR="68580" marT="0" marB="0">
+                    <a:lnL w="12700" cap="flat" cmpd="sng" algn="ctr">
+                      <a:solidFill>
+                        <a:srgbClr val="4F81BD"/>
+                      </a:solidFill>
+                      <a:prstDash val="solid"/>
+                      <a:round/>
+                      <a:headEnd type="none" w="med" len="med"/>
+                      <a:tailEnd type="none" w="med" len="med"/>
+                    </a:lnL>
+                    <a:lnR>
+                      <a:noFill/>
+                    </a:lnR>
+                    <a:lnT w="12700" cap="flat" cmpd="sng" algn="ctr">
+                      <a:solidFill>
+                        <a:srgbClr val="4F81BD"/>
+                      </a:solidFill>
+                      <a:prstDash val="solid"/>
+                      <a:round/>
+                      <a:headEnd type="none" w="med" len="med"/>
+                      <a:tailEnd type="none" w="med" len="med"/>
+                    </a:lnT>
+                    <a:lnB w="12700" cap="flat" cmpd="sng" algn="ctr">
+                      <a:solidFill>
+                        <a:srgbClr val="4F81BD"/>
+                      </a:solidFill>
+                      <a:prstDash val="solid"/>
+                      <a:round/>
+                      <a:headEnd type="none" w="med" len="med"/>
+                      <a:tailEnd type="none" w="med" len="med"/>
+                    </a:lnB>
+                    <a:solidFill>
+                      <a:srgbClr val="4F81BD"/>
+                    </a:solidFill>
+                  </a:tcPr>
+                </a:tc>
+                <a:tc>
+                  <a:txBody>
+                    <a:bodyPr/>
+                    <a:lstStyle/>
+                    <a:p>
+                      <a:pPr marL="0" marR="0" algn="ctr">
+                        <a:spcBef>
+                          <a:spcPts val="0"/>
+                        </a:spcBef>
+                        <a:spcAft>
+                          <a:spcPts val="0"/>
+                        </a:spcAft>
+                      </a:pPr>
+                      <a:r>
+                        <a:rPr lang="en-US" sz="1200" b="1">
+                          <a:solidFill>
+                            <a:srgbClr val="FFFFFF"/>
+                          </a:solidFill>
+                          <a:latin typeface="Times New Roman"/>
+                          <a:ea typeface="Times New Roman"/>
+                        </a:rPr>
+                        <a:t>Release Date</a:t>
+                      </a:r>
+                      <a:endParaRPr lang="en-US" sz="1200">
+                        <a:latin typeface="Times New Roman"/>
+                        <a:ea typeface="Times New Roman"/>
+                      </a:endParaRPr>
+                    </a:p>
+                  </a:txBody>
+                  <a:tcPr marL="68580" marR="68580" marT="0" marB="0">
+                    <a:lnL>
+                      <a:noFill/>
+                    </a:lnL>
+                    <a:lnR>
+                      <a:noFill/>
+                    </a:lnR>
+                    <a:lnT w="12700" cap="flat" cmpd="sng" algn="ctr">
+                      <a:solidFill>
+                        <a:srgbClr val="4F81BD"/>
+                      </a:solidFill>
+                      <a:prstDash val="solid"/>
+                      <a:round/>
+                      <a:headEnd type="none" w="med" len="med"/>
+                      <a:tailEnd type="none" w="med" len="med"/>
+                    </a:lnT>
+                    <a:lnB w="12700" cap="flat" cmpd="sng" algn="ctr">
+                      <a:solidFill>
+                        <a:srgbClr val="4F81BD"/>
+                      </a:solidFill>
+                      <a:prstDash val="solid"/>
+                      <a:round/>
+                      <a:headEnd type="none" w="med" len="med"/>
+                      <a:tailEnd type="none" w="med" len="med"/>
+                    </a:lnB>
+                    <a:solidFill>
+                      <a:srgbClr val="4F81BD"/>
+                    </a:solidFill>
+                  </a:tcPr>
+                </a:tc>
+                <a:tc>
+                  <a:txBody>
+                    <a:bodyPr/>
+                    <a:lstStyle/>
+                    <a:p>
+                      <a:pPr marL="0" marR="0" algn="ctr">
+                        <a:spcBef>
+                          <a:spcPts val="0"/>
+                        </a:spcBef>
+                        <a:spcAft>
+                          <a:spcPts val="0"/>
+                        </a:spcAft>
+                      </a:pPr>
+                      <a:r>
+                        <a:rPr lang="en-US" sz="1200" b="1">
+                          <a:solidFill>
+                            <a:srgbClr val="FFFFFF"/>
+                          </a:solidFill>
+                          <a:latin typeface="Times New Roman"/>
+                          <a:ea typeface="Times New Roman"/>
+                        </a:rPr>
+                        <a:t>Social Network</a:t>
+                      </a:r>
+                      <a:endParaRPr lang="en-US" sz="1200">
+                        <a:latin typeface="Times New Roman"/>
+                        <a:ea typeface="Times New Roman"/>
+                      </a:endParaRPr>
+                    </a:p>
+                  </a:txBody>
+                  <a:tcPr marL="68580" marR="68580" marT="0" marB="0">
+                    <a:lnL>
+                      <a:noFill/>
+                    </a:lnL>
+                    <a:lnR w="12700" cap="flat" cmpd="sng" algn="ctr">
+                      <a:solidFill>
+                        <a:srgbClr val="4F81BD"/>
+                      </a:solidFill>
+                      <a:prstDash val="solid"/>
+                      <a:round/>
+                      <a:headEnd type="none" w="med" len="med"/>
+                      <a:tailEnd type="none" w="med" len="med"/>
+                    </a:lnR>
+                    <a:lnT w="12700" cap="flat" cmpd="sng" algn="ctr">
+                      <a:solidFill>
+                        <a:srgbClr val="4F81BD"/>
+                      </a:solidFill>
+                      <a:prstDash val="solid"/>
+                      <a:round/>
+                      <a:headEnd type="none" w="med" len="med"/>
+                      <a:tailEnd type="none" w="med" len="med"/>
+                    </a:lnT>
+                    <a:lnB w="12700" cap="flat" cmpd="sng" algn="ctr">
+                      <a:solidFill>
+                        <a:srgbClr val="4F81BD"/>
+                      </a:solidFill>
+                      <a:prstDash val="solid"/>
+                      <a:round/>
+                      <a:headEnd type="none" w="med" len="med"/>
+                      <a:tailEnd type="none" w="med" len="med"/>
+                    </a:lnB>
+                    <a:solidFill>
+                      <a:srgbClr val="4F81BD"/>
+                    </a:solidFill>
+                  </a:tcPr>
+                </a:tc>
+              </a:tr>
+              <a:tr h="0">
+                <a:tc>
+                  <a:txBody>
+                    <a:bodyPr/>
+                    <a:lstStyle/>
+                    <a:p>
+                      <a:pPr marL="0" marR="0" algn="ctr">
+                        <a:spcBef>
+                          <a:spcPts val="0"/>
+                        </a:spcBef>
+                        <a:spcAft>
+                          <a:spcPts val="0"/>
+                        </a:spcAft>
+                      </a:pPr>
+                      <a:r>
+                        <a:rPr lang="en-US" sz="1200" b="1">
+                          <a:solidFill>
+                            <a:schemeClr val="tx2"/>
+                          </a:solidFill>
+                          <a:latin typeface="Times New Roman"/>
+                          <a:ea typeface="Times New Roman"/>
+                        </a:rPr>
+                        <a:t>mysql-3.20.32a.tar.gz</a:t>
+                      </a:r>
+                      <a:endParaRPr lang="en-US" sz="1200">
+                        <a:solidFill>
+                          <a:schemeClr val="tx2"/>
+                        </a:solidFill>
+                        <a:latin typeface="Times New Roman"/>
+                        <a:ea typeface="Times New Roman"/>
+                      </a:endParaRPr>
+                    </a:p>
+                  </a:txBody>
+                  <a:tcPr marL="68580" marR="68580" marT="0" marB="0">
+                    <a:lnL w="12700" cap="flat" cmpd="sng" algn="ctr">
+                      <a:solidFill>
+                        <a:srgbClr val="4F81BD"/>
+                      </a:solidFill>
+                      <a:prstDash val="solid"/>
+                      <a:round/>
+                      <a:headEnd type="none" w="med" len="med"/>
+                      <a:tailEnd type="none" w="med" len="med"/>
+                    </a:lnL>
+                    <a:lnR>
+                      <a:noFill/>
+                    </a:lnR>
+                    <a:lnT w="12700" cap="flat" cmpd="sng" algn="ctr">
+                      <a:solidFill>
+                        <a:srgbClr val="4F81BD"/>
+                      </a:solidFill>
+                      <a:prstDash val="solid"/>
+                      <a:round/>
+                      <a:headEnd type="none" w="med" len="med"/>
+                      <a:tailEnd type="none" w="med" len="med"/>
+                    </a:lnT>
+                    <a:lnB w="12700" cap="flat" cmpd="sng" algn="ctr">
+                      <a:solidFill>
+                        <a:srgbClr val="4F81BD"/>
+                      </a:solidFill>
+                      <a:prstDash val="solid"/>
+                      <a:round/>
+                      <a:headEnd type="none" w="med" len="med"/>
+                      <a:tailEnd type="none" w="med" len="med"/>
+                    </a:lnB>
+                  </a:tcPr>
+                </a:tc>
+                <a:tc>
+                  <a:txBody>
+                    <a:bodyPr/>
+                    <a:lstStyle/>
+                    <a:p>
+                      <a:pPr marL="0" marR="0" algn="ctr">
+                        <a:spcBef>
+                          <a:spcPts val="0"/>
+                        </a:spcBef>
+                        <a:spcAft>
+                          <a:spcPts val="0"/>
+                        </a:spcAft>
+                      </a:pPr>
+                      <a:r>
+                        <a:rPr lang="en-US" sz="1200">
+                          <a:solidFill>
+                            <a:schemeClr val="tx2"/>
+                          </a:solidFill>
+                          <a:latin typeface="Times New Roman"/>
+                          <a:ea typeface="Times New Roman"/>
+                        </a:rPr>
+                        <a:t>N/A</a:t>
+                      </a:r>
+                    </a:p>
+                  </a:txBody>
+                  <a:tcPr marL="68580" marR="68580" marT="0" marB="0">
+                    <a:lnL>
+                      <a:noFill/>
+                    </a:lnL>
+                    <a:lnR>
+                      <a:noFill/>
+                    </a:lnR>
+                    <a:lnT w="12700" cap="flat" cmpd="sng" algn="ctr">
+                      <a:solidFill>
+                        <a:srgbClr val="4F81BD"/>
+                      </a:solidFill>
+                      <a:prstDash val="solid"/>
+                      <a:round/>
+                      <a:headEnd type="none" w="med" len="med"/>
+                      <a:tailEnd type="none" w="med" len="med"/>
+                    </a:lnT>
+                    <a:lnB w="12700" cap="flat" cmpd="sng" algn="ctr">
+                      <a:solidFill>
+                        <a:srgbClr val="4F81BD"/>
+                      </a:solidFill>
+                      <a:prstDash val="solid"/>
+                      <a:round/>
+                      <a:headEnd type="none" w="med" len="med"/>
+                      <a:tailEnd type="none" w="med" len="med"/>
+                    </a:lnB>
+                  </a:tcPr>
+                </a:tc>
+                <a:tc>
+                  <a:txBody>
+                    <a:bodyPr/>
+                    <a:lstStyle/>
+                    <a:p>
+                      <a:pPr marL="0" marR="0" algn="ctr">
+                        <a:spcBef>
+                          <a:spcPts val="0"/>
+                        </a:spcBef>
+                        <a:spcAft>
+                          <a:spcPts val="0"/>
+                        </a:spcAft>
+                      </a:pPr>
+                      <a:r>
+                        <a:rPr lang="en-US" sz="1200">
+                          <a:solidFill>
+                            <a:schemeClr val="tx2"/>
+                          </a:solidFill>
+                          <a:latin typeface="Times New Roman"/>
+                          <a:ea typeface="Times New Roman"/>
+                        </a:rPr>
+                        <a:t>No Data</a:t>
+                      </a:r>
+                    </a:p>
+                  </a:txBody>
+                  <a:tcPr marL="68580" marR="68580" marT="0" marB="0">
+                    <a:lnL>
+                      <a:noFill/>
+                    </a:lnL>
+                    <a:lnR w="12700" cap="flat" cmpd="sng" algn="ctr">
+                      <a:solidFill>
+                        <a:srgbClr val="4F81BD"/>
+                      </a:solidFill>
+                      <a:prstDash val="solid"/>
+                      <a:round/>
+                      <a:headEnd type="none" w="med" len="med"/>
+                      <a:tailEnd type="none" w="med" len="med"/>
+                    </a:lnR>
+                    <a:lnT w="12700" cap="flat" cmpd="sng" algn="ctr">
+                      <a:solidFill>
+                        <a:srgbClr val="4F81BD"/>
+                      </a:solidFill>
+                      <a:prstDash val="solid"/>
+                      <a:round/>
+                      <a:headEnd type="none" w="med" len="med"/>
+                      <a:tailEnd type="none" w="med" len="med"/>
+                    </a:lnT>
+                    <a:lnB w="12700" cap="flat" cmpd="sng" algn="ctr">
+                      <a:solidFill>
+                        <a:srgbClr val="4F81BD"/>
+                      </a:solidFill>
+                      <a:prstDash val="solid"/>
+                      <a:round/>
+                      <a:headEnd type="none" w="med" len="med"/>
+                      <a:tailEnd type="none" w="med" len="med"/>
+                    </a:lnB>
+                  </a:tcPr>
+                </a:tc>
+              </a:tr>
+              <a:tr h="0">
+                <a:tc>
+                  <a:txBody>
+                    <a:bodyPr/>
+                    <a:lstStyle/>
+                    <a:p>
+                      <a:pPr marL="0" marR="0" algn="ctr">
+                        <a:spcBef>
+                          <a:spcPts val="0"/>
+                        </a:spcBef>
+                        <a:spcAft>
+                          <a:spcPts val="0"/>
+                        </a:spcAft>
+                      </a:pPr>
+                      <a:r>
+                        <a:rPr lang="en-US" sz="1200" b="1">
+                          <a:solidFill>
+                            <a:schemeClr val="tx2"/>
+                          </a:solidFill>
+                          <a:latin typeface="Times New Roman"/>
+                          <a:ea typeface="Times New Roman"/>
+                        </a:rPr>
+                        <a:t>mysql-3.21.33b.tar.gz</a:t>
+                      </a:r>
+                      <a:endParaRPr lang="en-US" sz="1200">
+                        <a:solidFill>
+                          <a:schemeClr val="tx2"/>
+                        </a:solidFill>
+                        <a:latin typeface="Times New Roman"/>
+                        <a:ea typeface="Times New Roman"/>
+                      </a:endParaRPr>
+                    </a:p>
+                  </a:txBody>
+                  <a:tcPr marL="68580" marR="68580" marT="0" marB="0">
+                    <a:lnL w="12700" cap="flat" cmpd="sng" algn="ctr">
+                      <a:solidFill>
+                        <a:srgbClr val="4F81BD"/>
+                      </a:solidFill>
+                      <a:prstDash val="solid"/>
+                      <a:round/>
+                      <a:headEnd type="none" w="med" len="med"/>
+                      <a:tailEnd type="none" w="med" len="med"/>
+                    </a:lnL>
+                    <a:lnR>
+                      <a:noFill/>
+                    </a:lnR>
+                    <a:lnT w="12700" cap="flat" cmpd="sng" algn="ctr">
+                      <a:solidFill>
+                        <a:srgbClr val="4F81BD"/>
+                      </a:solidFill>
+                      <a:prstDash val="solid"/>
+                      <a:round/>
+                      <a:headEnd type="none" w="med" len="med"/>
+                      <a:tailEnd type="none" w="med" len="med"/>
+                    </a:lnT>
+                    <a:lnB w="12700" cap="flat" cmpd="sng" algn="ctr">
+                      <a:solidFill>
+                        <a:srgbClr val="4F81BD"/>
+                      </a:solidFill>
+                      <a:prstDash val="solid"/>
+                      <a:round/>
+                      <a:headEnd type="none" w="med" len="med"/>
+                      <a:tailEnd type="none" w="med" len="med"/>
+                    </a:lnB>
+                  </a:tcPr>
+                </a:tc>
+                <a:tc>
+                  <a:txBody>
+                    <a:bodyPr/>
+                    <a:lstStyle/>
+                    <a:p>
+                      <a:pPr marL="0" marR="0" algn="ctr">
+                        <a:spcBef>
+                          <a:spcPts val="0"/>
+                        </a:spcBef>
+                        <a:spcAft>
+                          <a:spcPts val="0"/>
+                        </a:spcAft>
+                      </a:pPr>
+                      <a:r>
+                        <a:rPr lang="en-US" sz="1200">
+                          <a:solidFill>
+                            <a:schemeClr val="tx2"/>
+                          </a:solidFill>
+                          <a:latin typeface="Times New Roman"/>
+                          <a:ea typeface="Times New Roman"/>
+                        </a:rPr>
+                        <a:t>6/1998</a:t>
+                      </a:r>
+                    </a:p>
+                  </a:txBody>
+                  <a:tcPr marL="68580" marR="68580" marT="0" marB="0">
+                    <a:lnL>
+                      <a:noFill/>
+                    </a:lnL>
+                    <a:lnR>
+                      <a:noFill/>
+                    </a:lnR>
+                    <a:lnT w="12700" cap="flat" cmpd="sng" algn="ctr">
+                      <a:solidFill>
+                        <a:srgbClr val="4F81BD"/>
+                      </a:solidFill>
+                      <a:prstDash val="solid"/>
+                      <a:round/>
+                      <a:headEnd type="none" w="med" len="med"/>
+                      <a:tailEnd type="none" w="med" len="med"/>
+                    </a:lnT>
+                    <a:lnB w="12700" cap="flat" cmpd="sng" algn="ctr">
+                      <a:solidFill>
+                        <a:srgbClr val="4F81BD"/>
+                      </a:solidFill>
+                      <a:prstDash val="solid"/>
+                      <a:round/>
+                      <a:headEnd type="none" w="med" len="med"/>
+                      <a:tailEnd type="none" w="med" len="med"/>
+                    </a:lnB>
+                  </a:tcPr>
+                </a:tc>
+                <a:tc>
+                  <a:txBody>
+                    <a:bodyPr/>
+                    <a:lstStyle/>
+                    <a:p>
+                      <a:pPr marL="0" marR="0" algn="ctr">
+                        <a:spcBef>
+                          <a:spcPts val="0"/>
+                        </a:spcBef>
+                        <a:spcAft>
+                          <a:spcPts val="0"/>
+                        </a:spcAft>
+                      </a:pPr>
+                      <a:r>
+                        <a:rPr lang="en-US" sz="1200">
+                          <a:solidFill>
+                            <a:schemeClr val="tx2"/>
+                          </a:solidFill>
+                          <a:latin typeface="Times New Roman"/>
+                          <a:ea typeface="Times New Roman"/>
+                        </a:rPr>
+                        <a:t>No Data</a:t>
+                      </a:r>
+                    </a:p>
+                  </a:txBody>
+                  <a:tcPr marL="68580" marR="68580" marT="0" marB="0">
+                    <a:lnL>
+                      <a:noFill/>
+                    </a:lnL>
+                    <a:lnR w="12700" cap="flat" cmpd="sng" algn="ctr">
+                      <a:solidFill>
+                        <a:srgbClr val="4F81BD"/>
+                      </a:solidFill>
+                      <a:prstDash val="solid"/>
+                      <a:round/>
+                      <a:headEnd type="none" w="med" len="med"/>
+                      <a:tailEnd type="none" w="med" len="med"/>
+                    </a:lnR>
+                    <a:lnT w="12700" cap="flat" cmpd="sng" algn="ctr">
+                      <a:solidFill>
+                        <a:srgbClr val="4F81BD"/>
+                      </a:solidFill>
+                      <a:prstDash val="solid"/>
+                      <a:round/>
+                      <a:headEnd type="none" w="med" len="med"/>
+                      <a:tailEnd type="none" w="med" len="med"/>
+                    </a:lnT>
+                    <a:lnB w="12700" cap="flat" cmpd="sng" algn="ctr">
+                      <a:solidFill>
+                        <a:srgbClr val="4F81BD"/>
+                      </a:solidFill>
+                      <a:prstDash val="solid"/>
+                      <a:round/>
+                      <a:headEnd type="none" w="med" len="med"/>
+                      <a:tailEnd type="none" w="med" len="med"/>
+                    </a:lnB>
+                  </a:tcPr>
+                </a:tc>
+              </a:tr>
+              <a:tr h="0">
+                <a:tc>
+                  <a:txBody>
+                    <a:bodyPr/>
+                    <a:lstStyle/>
+                    <a:p>
+                      <a:pPr marL="0" marR="0" algn="ctr">
+                        <a:spcBef>
+                          <a:spcPts val="0"/>
+                        </a:spcBef>
+                        <a:spcAft>
+                          <a:spcPts val="0"/>
+                        </a:spcAft>
+                      </a:pPr>
+                      <a:r>
+                        <a:rPr lang="en-US" sz="1200" b="1" dirty="0">
+                          <a:solidFill>
+                            <a:schemeClr val="tx2"/>
+                          </a:solidFill>
+                          <a:latin typeface="Times New Roman"/>
+                          <a:ea typeface="Times New Roman"/>
+                        </a:rPr>
+                        <a:t>mysql-3.22.32.tar.gz</a:t>
+                      </a:r>
+                      <a:endParaRPr lang="en-US" sz="1200" dirty="0">
+                        <a:solidFill>
+                          <a:schemeClr val="tx2"/>
+                        </a:solidFill>
+                        <a:latin typeface="Times New Roman"/>
+                        <a:ea typeface="Times New Roman"/>
+                      </a:endParaRPr>
+                    </a:p>
+                  </a:txBody>
+                  <a:tcPr marL="68580" marR="68580" marT="0" marB="0">
+                    <a:lnL w="12700" cap="flat" cmpd="sng" algn="ctr">
+                      <a:solidFill>
+                        <a:srgbClr val="4F81BD"/>
+                      </a:solidFill>
+                      <a:prstDash val="solid"/>
+                      <a:round/>
+                      <a:headEnd type="none" w="med" len="med"/>
+                      <a:tailEnd type="none" w="med" len="med"/>
+                    </a:lnL>
+                    <a:lnR>
+                      <a:noFill/>
+                    </a:lnR>
+                    <a:lnT w="12700" cap="flat" cmpd="sng" algn="ctr">
+                      <a:solidFill>
+                        <a:srgbClr val="4F81BD"/>
+                      </a:solidFill>
+                      <a:prstDash val="solid"/>
+                      <a:round/>
+                      <a:headEnd type="none" w="med" len="med"/>
+                      <a:tailEnd type="none" w="med" len="med"/>
+                    </a:lnT>
+                    <a:lnB w="12700" cap="flat" cmpd="sng" algn="ctr">
+                      <a:solidFill>
+                        <a:srgbClr val="4F81BD"/>
+                      </a:solidFill>
+                      <a:prstDash val="solid"/>
+                      <a:round/>
+                      <a:headEnd type="none" w="med" len="med"/>
+                      <a:tailEnd type="none" w="med" len="med"/>
+                    </a:lnB>
+                  </a:tcPr>
+                </a:tc>
+                <a:tc>
+                  <a:txBody>
+                    <a:bodyPr/>
+                    <a:lstStyle/>
+                    <a:p>
+                      <a:pPr marL="0" marR="0" algn="ctr">
+                        <a:spcBef>
+                          <a:spcPts val="0"/>
+                        </a:spcBef>
+                        <a:spcAft>
+                          <a:spcPts val="0"/>
+                        </a:spcAft>
+                      </a:pPr>
+                      <a:r>
+                        <a:rPr lang="en-US" sz="1200">
+                          <a:solidFill>
+                            <a:schemeClr val="tx2"/>
+                          </a:solidFill>
+                          <a:latin typeface="Times New Roman"/>
+                          <a:ea typeface="Times New Roman"/>
+                        </a:rPr>
+                        <a:t>2/2000</a:t>
+                      </a:r>
+                    </a:p>
+                  </a:txBody>
+                  <a:tcPr marL="68580" marR="68580" marT="0" marB="0">
+                    <a:lnL>
+                      <a:noFill/>
+                    </a:lnL>
+                    <a:lnR>
+                      <a:noFill/>
+                    </a:lnR>
+                    <a:lnT w="12700" cap="flat" cmpd="sng" algn="ctr">
+                      <a:solidFill>
+                        <a:srgbClr val="4F81BD"/>
+                      </a:solidFill>
+                      <a:prstDash val="solid"/>
+                      <a:round/>
+                      <a:headEnd type="none" w="med" len="med"/>
+                      <a:tailEnd type="none" w="med" len="med"/>
+                    </a:lnT>
+                    <a:lnB w="12700" cap="flat" cmpd="sng" algn="ctr">
+                      <a:solidFill>
+                        <a:srgbClr val="4F81BD"/>
+                      </a:solidFill>
+                      <a:prstDash val="solid"/>
+                      <a:round/>
+                      <a:headEnd type="none" w="med" len="med"/>
+                      <a:tailEnd type="none" w="med" len="med"/>
+                    </a:lnB>
+                  </a:tcPr>
+                </a:tc>
+                <a:tc>
+                  <a:txBody>
+                    <a:bodyPr/>
+                    <a:lstStyle/>
+                    <a:p>
+                      <a:pPr marL="0" marR="0" algn="ctr">
+                        <a:spcBef>
+                          <a:spcPts val="0"/>
+                        </a:spcBef>
+                        <a:spcAft>
+                          <a:spcPts val="0"/>
+                        </a:spcAft>
+                      </a:pPr>
+                      <a:r>
+                        <a:rPr lang="en-US" sz="1200">
+                          <a:solidFill>
+                            <a:schemeClr val="tx2"/>
+                          </a:solidFill>
+                          <a:latin typeface="Times New Roman"/>
+                          <a:ea typeface="Times New Roman"/>
+                        </a:rPr>
+                        <a:t>No Data</a:t>
+                      </a:r>
+                    </a:p>
+                  </a:txBody>
+                  <a:tcPr marL="68580" marR="68580" marT="0" marB="0">
+                    <a:lnL>
+                      <a:noFill/>
+                    </a:lnL>
+                    <a:lnR w="12700" cap="flat" cmpd="sng" algn="ctr">
+                      <a:solidFill>
+                        <a:srgbClr val="4F81BD"/>
+                      </a:solidFill>
+                      <a:prstDash val="solid"/>
+                      <a:round/>
+                      <a:headEnd type="none" w="med" len="med"/>
+                      <a:tailEnd type="none" w="med" len="med"/>
+                    </a:lnR>
+                    <a:lnT w="12700" cap="flat" cmpd="sng" algn="ctr">
+                      <a:solidFill>
+                        <a:srgbClr val="4F81BD"/>
+                      </a:solidFill>
+                      <a:prstDash val="solid"/>
+                      <a:round/>
+                      <a:headEnd type="none" w="med" len="med"/>
+                      <a:tailEnd type="none" w="med" len="med"/>
+                    </a:lnT>
+                    <a:lnB w="12700" cap="flat" cmpd="sng" algn="ctr">
+                      <a:solidFill>
+                        <a:srgbClr val="4F81BD"/>
+                      </a:solidFill>
+                      <a:prstDash val="solid"/>
+                      <a:round/>
+                      <a:headEnd type="none" w="med" len="med"/>
+                      <a:tailEnd type="none" w="med" len="med"/>
+                    </a:lnB>
+                  </a:tcPr>
+                </a:tc>
+              </a:tr>
+              <a:tr h="0">
+                <a:tc>
+                  <a:txBody>
+                    <a:bodyPr/>
+                    <a:lstStyle/>
+                    <a:p>
+                      <a:pPr marL="0" marR="0" algn="ctr">
+                        <a:spcBef>
+                          <a:spcPts val="0"/>
+                        </a:spcBef>
+                        <a:spcAft>
+                          <a:spcPts val="0"/>
+                        </a:spcAft>
+                      </a:pPr>
+                      <a:r>
+                        <a:rPr lang="en-US" sz="1200" b="1">
+                          <a:solidFill>
+                            <a:schemeClr val="tx2"/>
+                          </a:solidFill>
+                          <a:latin typeface="Times New Roman"/>
+                          <a:ea typeface="Times New Roman"/>
+                        </a:rPr>
+                        <a:t>mysql-3.23.57.tar.gz</a:t>
+                      </a:r>
+                      <a:endParaRPr lang="en-US" sz="1200">
+                        <a:solidFill>
+                          <a:schemeClr val="tx2"/>
+                        </a:solidFill>
+                        <a:latin typeface="Times New Roman"/>
+                        <a:ea typeface="Times New Roman"/>
+                      </a:endParaRPr>
+                    </a:p>
+                  </a:txBody>
+                  <a:tcPr marL="68580" marR="68580" marT="0" marB="0">
+                    <a:lnL w="12700" cap="flat" cmpd="sng" algn="ctr">
+                      <a:solidFill>
+                        <a:srgbClr val="4F81BD"/>
+                      </a:solidFill>
+                      <a:prstDash val="solid"/>
+                      <a:round/>
+                      <a:headEnd type="none" w="med" len="med"/>
+                      <a:tailEnd type="none" w="med" len="med"/>
+                    </a:lnL>
+                    <a:lnR>
+                      <a:noFill/>
+                    </a:lnR>
+                    <a:lnT w="12700" cap="flat" cmpd="sng" algn="ctr">
+                      <a:solidFill>
+                        <a:srgbClr val="4F81BD"/>
+                      </a:solidFill>
+                      <a:prstDash val="solid"/>
+                      <a:round/>
+                      <a:headEnd type="none" w="med" len="med"/>
+                      <a:tailEnd type="none" w="med" len="med"/>
+                    </a:lnT>
+                    <a:lnB w="12700" cap="flat" cmpd="sng" algn="ctr">
+                      <a:solidFill>
+                        <a:srgbClr val="4F81BD"/>
+                      </a:solidFill>
+                      <a:prstDash val="solid"/>
+                      <a:round/>
+                      <a:headEnd type="none" w="med" len="med"/>
+                      <a:tailEnd type="none" w="med" len="med"/>
+                    </a:lnB>
+                  </a:tcPr>
+                </a:tc>
+                <a:tc>
+                  <a:txBody>
+                    <a:bodyPr/>
+                    <a:lstStyle/>
+                    <a:p>
+                      <a:pPr marL="0" marR="0" algn="ctr">
+                        <a:spcBef>
+                          <a:spcPts val="0"/>
+                        </a:spcBef>
+                        <a:spcAft>
+                          <a:spcPts val="0"/>
+                        </a:spcAft>
+                      </a:pPr>
+                      <a:r>
+                        <a:rPr lang="en-US" sz="1200">
+                          <a:solidFill>
+                            <a:schemeClr val="tx2"/>
+                          </a:solidFill>
+                          <a:latin typeface="Times New Roman"/>
+                          <a:ea typeface="Times New Roman"/>
+                        </a:rPr>
+                        <a:t>6/2003</a:t>
+                      </a:r>
+                    </a:p>
+                  </a:txBody>
+                  <a:tcPr marL="68580" marR="68580" marT="0" marB="0">
+                    <a:lnL>
+                      <a:noFill/>
+                    </a:lnL>
+                    <a:lnR>
+                      <a:noFill/>
+                    </a:lnR>
+                    <a:lnT w="12700" cap="flat" cmpd="sng" algn="ctr">
+                      <a:solidFill>
+                        <a:srgbClr val="4F81BD"/>
+                      </a:solidFill>
+                      <a:prstDash val="solid"/>
+                      <a:round/>
+                      <a:headEnd type="none" w="med" len="med"/>
+                      <a:tailEnd type="none" w="med" len="med"/>
+                    </a:lnT>
+                    <a:lnB w="12700" cap="flat" cmpd="sng" algn="ctr">
+                      <a:solidFill>
+                        <a:srgbClr val="4F81BD"/>
+                      </a:solidFill>
+                      <a:prstDash val="solid"/>
+                      <a:round/>
+                      <a:headEnd type="none" w="med" len="med"/>
+                      <a:tailEnd type="none" w="med" len="med"/>
+                    </a:lnB>
+                  </a:tcPr>
+                </a:tc>
+                <a:tc>
+                  <a:txBody>
+                    <a:bodyPr/>
+                    <a:lstStyle/>
+                    <a:p>
+                      <a:pPr marL="0" marR="0" algn="ctr">
+                        <a:spcBef>
+                          <a:spcPts val="0"/>
+                        </a:spcBef>
+                        <a:spcAft>
+                          <a:spcPts val="0"/>
+                        </a:spcAft>
+                      </a:pPr>
+                      <a:r>
+                        <a:rPr lang="en-US" sz="1200" u="sng" dirty="0">
+                          <a:solidFill>
+                            <a:schemeClr val="tx2"/>
+                          </a:solidFill>
+                          <a:latin typeface="Times New Roman"/>
+                          <a:ea typeface="Times New Roman"/>
+                          <a:hlinkClick r:id="rId3" action="ppaction://hlinkfile"/>
+                        </a:rPr>
+                        <a:t>Link</a:t>
+                      </a:r>
+                      <a:endParaRPr lang="en-US" sz="1200" dirty="0">
+                        <a:solidFill>
+                          <a:schemeClr val="tx2"/>
+                        </a:solidFill>
+                        <a:latin typeface="Times New Roman"/>
+                        <a:ea typeface="Times New Roman"/>
+                      </a:endParaRPr>
+                    </a:p>
+                  </a:txBody>
+                  <a:tcPr marL="68580" marR="68580" marT="0" marB="0">
+                    <a:lnL>
+                      <a:noFill/>
+                    </a:lnL>
+                    <a:lnR w="12700" cap="flat" cmpd="sng" algn="ctr">
+                      <a:solidFill>
+                        <a:srgbClr val="4F81BD"/>
+                      </a:solidFill>
+                      <a:prstDash val="solid"/>
+                      <a:round/>
+                      <a:headEnd type="none" w="med" len="med"/>
+                      <a:tailEnd type="none" w="med" len="med"/>
+                    </a:lnR>
+                    <a:lnT w="12700" cap="flat" cmpd="sng" algn="ctr">
+                      <a:solidFill>
+                        <a:srgbClr val="4F81BD"/>
+                      </a:solidFill>
+                      <a:prstDash val="solid"/>
+                      <a:round/>
+                      <a:headEnd type="none" w="med" len="med"/>
+                      <a:tailEnd type="none" w="med" len="med"/>
+                    </a:lnT>
+                    <a:lnB w="12700" cap="flat" cmpd="sng" algn="ctr">
+                      <a:solidFill>
+                        <a:srgbClr val="4F81BD"/>
+                      </a:solidFill>
+                      <a:prstDash val="solid"/>
+                      <a:round/>
+                      <a:headEnd type="none" w="med" len="med"/>
+                      <a:tailEnd type="none" w="med" len="med"/>
+                    </a:lnB>
+                  </a:tcPr>
+                </a:tc>
+              </a:tr>
+              <a:tr h="0">
+                <a:tc>
+                  <a:txBody>
+                    <a:bodyPr/>
+                    <a:lstStyle/>
+                    <a:p>
+                      <a:pPr marL="0" marR="0" algn="ctr">
+                        <a:spcBef>
+                          <a:spcPts val="0"/>
+                        </a:spcBef>
+                        <a:spcAft>
+                          <a:spcPts val="0"/>
+                        </a:spcAft>
+                      </a:pPr>
+                      <a:r>
+                        <a:rPr lang="en-US" sz="1200" b="1">
+                          <a:solidFill>
+                            <a:schemeClr val="tx2"/>
+                          </a:solidFill>
+                          <a:latin typeface="Times New Roman"/>
+                          <a:ea typeface="Times New Roman"/>
+                        </a:rPr>
+                        <a:t>mysql-3.23.58.tar.gz</a:t>
+                      </a:r>
+                      <a:endParaRPr lang="en-US" sz="1200">
+                        <a:solidFill>
+                          <a:schemeClr val="tx2"/>
+                        </a:solidFill>
+                        <a:latin typeface="Times New Roman"/>
+                        <a:ea typeface="Times New Roman"/>
+                      </a:endParaRPr>
+                    </a:p>
+                  </a:txBody>
+                  <a:tcPr marL="68580" marR="68580" marT="0" marB="0">
+                    <a:lnL w="12700" cap="flat" cmpd="sng" algn="ctr">
+                      <a:solidFill>
+                        <a:srgbClr val="4F81BD"/>
+                      </a:solidFill>
+                      <a:prstDash val="solid"/>
+                      <a:round/>
+                      <a:headEnd type="none" w="med" len="med"/>
+                      <a:tailEnd type="none" w="med" len="med"/>
+                    </a:lnL>
+                    <a:lnR>
+                      <a:noFill/>
+                    </a:lnR>
+                    <a:lnT w="12700" cap="flat" cmpd="sng" algn="ctr">
+                      <a:solidFill>
+                        <a:srgbClr val="4F81BD"/>
+                      </a:solidFill>
+                      <a:prstDash val="solid"/>
+                      <a:round/>
+                      <a:headEnd type="none" w="med" len="med"/>
+                      <a:tailEnd type="none" w="med" len="med"/>
+                    </a:lnT>
+                    <a:lnB w="12700" cap="flat" cmpd="sng" algn="ctr">
+                      <a:solidFill>
+                        <a:srgbClr val="4F81BD"/>
+                      </a:solidFill>
+                      <a:prstDash val="solid"/>
+                      <a:round/>
+                      <a:headEnd type="none" w="med" len="med"/>
+                      <a:tailEnd type="none" w="med" len="med"/>
+                    </a:lnB>
+                  </a:tcPr>
+                </a:tc>
+                <a:tc>
+                  <a:txBody>
+                    <a:bodyPr/>
+                    <a:lstStyle/>
+                    <a:p>
+                      <a:pPr marL="0" marR="0" algn="ctr">
+                        <a:spcBef>
+                          <a:spcPts val="0"/>
+                        </a:spcBef>
+                        <a:spcAft>
+                          <a:spcPts val="0"/>
+                        </a:spcAft>
+                      </a:pPr>
+                      <a:r>
+                        <a:rPr lang="en-US" sz="1200">
+                          <a:solidFill>
+                            <a:schemeClr val="tx2"/>
+                          </a:solidFill>
+                          <a:latin typeface="Times New Roman"/>
+                          <a:ea typeface="Times New Roman"/>
+                        </a:rPr>
+                        <a:t>9/2003</a:t>
+                      </a:r>
+                    </a:p>
+                  </a:txBody>
+                  <a:tcPr marL="68580" marR="68580" marT="0" marB="0">
+                    <a:lnL>
+                      <a:noFill/>
+                    </a:lnL>
+                    <a:lnR>
+                      <a:noFill/>
+                    </a:lnR>
+                    <a:lnT w="12700" cap="flat" cmpd="sng" algn="ctr">
+                      <a:solidFill>
+                        <a:srgbClr val="4F81BD"/>
+                      </a:solidFill>
+                      <a:prstDash val="solid"/>
+                      <a:round/>
+                      <a:headEnd type="none" w="med" len="med"/>
+                      <a:tailEnd type="none" w="med" len="med"/>
+                    </a:lnT>
+                    <a:lnB w="12700" cap="flat" cmpd="sng" algn="ctr">
+                      <a:solidFill>
+                        <a:srgbClr val="4F81BD"/>
+                      </a:solidFill>
+                      <a:prstDash val="solid"/>
+                      <a:round/>
+                      <a:headEnd type="none" w="med" len="med"/>
+                      <a:tailEnd type="none" w="med" len="med"/>
+                    </a:lnB>
+                  </a:tcPr>
+                </a:tc>
+                <a:tc>
+                  <a:txBody>
+                    <a:bodyPr/>
+                    <a:lstStyle/>
+                    <a:p>
+                      <a:pPr marL="0" marR="0" algn="ctr">
+                        <a:spcBef>
+                          <a:spcPts val="0"/>
+                        </a:spcBef>
+                        <a:spcAft>
+                          <a:spcPts val="0"/>
+                        </a:spcAft>
+                      </a:pPr>
+                      <a:r>
+                        <a:rPr lang="en-US" sz="1200" u="sng" dirty="0">
+                          <a:solidFill>
+                            <a:schemeClr val="tx2"/>
+                          </a:solidFill>
+                          <a:latin typeface="Times New Roman"/>
+                          <a:ea typeface="Times New Roman"/>
+                          <a:hlinkClick r:id="rId4" action="ppaction://hlinkfile"/>
+                        </a:rPr>
+                        <a:t>*Link*</a:t>
+                      </a:r>
+                      <a:endParaRPr lang="en-US" sz="1200" dirty="0">
+                        <a:solidFill>
+                          <a:schemeClr val="tx2"/>
+                        </a:solidFill>
+                        <a:latin typeface="Times New Roman"/>
+                        <a:ea typeface="Times New Roman"/>
+                      </a:endParaRPr>
+                    </a:p>
+                  </a:txBody>
+                  <a:tcPr marL="68580" marR="68580" marT="0" marB="0">
+                    <a:lnL>
+                      <a:noFill/>
+                    </a:lnL>
+                    <a:lnR w="12700" cap="flat" cmpd="sng" algn="ctr">
+                      <a:solidFill>
+                        <a:srgbClr val="4F81BD"/>
+                      </a:solidFill>
+                      <a:prstDash val="solid"/>
+                      <a:round/>
+                      <a:headEnd type="none" w="med" len="med"/>
+                      <a:tailEnd type="none" w="med" len="med"/>
+                    </a:lnR>
+                    <a:lnT w="12700" cap="flat" cmpd="sng" algn="ctr">
+                      <a:solidFill>
+                        <a:srgbClr val="4F81BD"/>
+                      </a:solidFill>
+                      <a:prstDash val="solid"/>
+                      <a:round/>
+                      <a:headEnd type="none" w="med" len="med"/>
+                      <a:tailEnd type="none" w="med" len="med"/>
+                    </a:lnT>
+                    <a:lnB w="12700" cap="flat" cmpd="sng" algn="ctr">
+                      <a:solidFill>
+                        <a:srgbClr val="4F81BD"/>
+                      </a:solidFill>
+                      <a:prstDash val="solid"/>
+                      <a:round/>
+                      <a:headEnd type="none" w="med" len="med"/>
+                      <a:tailEnd type="none" w="med" len="med"/>
+                    </a:lnB>
+                  </a:tcPr>
+                </a:tc>
+              </a:tr>
+              <a:tr h="0">
+                <a:tc>
+                  <a:txBody>
+                    <a:bodyPr/>
+                    <a:lstStyle/>
+                    <a:p>
+                      <a:pPr marL="0" marR="0" algn="ctr">
+                        <a:spcBef>
+                          <a:spcPts val="0"/>
+                        </a:spcBef>
+                        <a:spcAft>
+                          <a:spcPts val="0"/>
+                        </a:spcAft>
+                      </a:pPr>
+                      <a:r>
+                        <a:rPr lang="en-US" sz="1200" b="1">
+                          <a:solidFill>
+                            <a:schemeClr val="tx2"/>
+                          </a:solidFill>
+                          <a:latin typeface="Times New Roman"/>
+                          <a:ea typeface="Times New Roman"/>
+                        </a:rPr>
+                        <a:t>mysql-4.0.26.tar.gz</a:t>
+                      </a:r>
+                      <a:endParaRPr lang="en-US" sz="1200">
+                        <a:solidFill>
+                          <a:schemeClr val="tx2"/>
+                        </a:solidFill>
+                        <a:latin typeface="Times New Roman"/>
+                        <a:ea typeface="Times New Roman"/>
+                      </a:endParaRPr>
+                    </a:p>
+                  </a:txBody>
+                  <a:tcPr marL="68580" marR="68580" marT="0" marB="0">
+                    <a:lnL w="12700" cap="flat" cmpd="sng" algn="ctr">
+                      <a:solidFill>
+                        <a:srgbClr val="4F81BD"/>
+                      </a:solidFill>
+                      <a:prstDash val="solid"/>
+                      <a:round/>
+                      <a:headEnd type="none" w="med" len="med"/>
+                      <a:tailEnd type="none" w="med" len="med"/>
+                    </a:lnL>
+                    <a:lnR>
+                      <a:noFill/>
+                    </a:lnR>
+                    <a:lnT w="12700" cap="flat" cmpd="sng" algn="ctr">
+                      <a:solidFill>
+                        <a:srgbClr val="4F81BD"/>
+                      </a:solidFill>
+                      <a:prstDash val="solid"/>
+                      <a:round/>
+                      <a:headEnd type="none" w="med" len="med"/>
+                      <a:tailEnd type="none" w="med" len="med"/>
+                    </a:lnT>
+                    <a:lnB w="12700" cap="flat" cmpd="sng" algn="ctr">
+                      <a:solidFill>
+                        <a:srgbClr val="4F81BD"/>
+                      </a:solidFill>
+                      <a:prstDash val="solid"/>
+                      <a:round/>
+                      <a:headEnd type="none" w="med" len="med"/>
+                      <a:tailEnd type="none" w="med" len="med"/>
+                    </a:lnB>
+                  </a:tcPr>
+                </a:tc>
+                <a:tc>
+                  <a:txBody>
+                    <a:bodyPr/>
+                    <a:lstStyle/>
+                    <a:p>
+                      <a:pPr marL="0" marR="0" algn="ctr">
+                        <a:spcBef>
+                          <a:spcPts val="0"/>
+                        </a:spcBef>
+                        <a:spcAft>
+                          <a:spcPts val="0"/>
+                        </a:spcAft>
+                      </a:pPr>
+                      <a:r>
+                        <a:rPr lang="en-US" sz="1200">
+                          <a:solidFill>
+                            <a:schemeClr val="tx2"/>
+                          </a:solidFill>
+                          <a:latin typeface="Times New Roman"/>
+                          <a:ea typeface="Times New Roman"/>
+                        </a:rPr>
+                        <a:t>9/2005</a:t>
+                      </a:r>
+                    </a:p>
+                  </a:txBody>
+                  <a:tcPr marL="68580" marR="68580" marT="0" marB="0">
+                    <a:lnL>
+                      <a:noFill/>
+                    </a:lnL>
+                    <a:lnR>
+                      <a:noFill/>
+                    </a:lnR>
+                    <a:lnT w="12700" cap="flat" cmpd="sng" algn="ctr">
+                      <a:solidFill>
+                        <a:srgbClr val="4F81BD"/>
+                      </a:solidFill>
+                      <a:prstDash val="solid"/>
+                      <a:round/>
+                      <a:headEnd type="none" w="med" len="med"/>
+                      <a:tailEnd type="none" w="med" len="med"/>
+                    </a:lnT>
+                    <a:lnB w="12700" cap="flat" cmpd="sng" algn="ctr">
+                      <a:solidFill>
+                        <a:srgbClr val="4F81BD"/>
+                      </a:solidFill>
+                      <a:prstDash val="solid"/>
+                      <a:round/>
+                      <a:headEnd type="none" w="med" len="med"/>
+                      <a:tailEnd type="none" w="med" len="med"/>
+                    </a:lnB>
+                  </a:tcPr>
+                </a:tc>
+                <a:tc>
+                  <a:txBody>
+                    <a:bodyPr/>
+                    <a:lstStyle/>
+                    <a:p>
+                      <a:pPr marL="0" marR="0" algn="ctr">
+                        <a:spcBef>
+                          <a:spcPts val="0"/>
+                        </a:spcBef>
+                        <a:spcAft>
+                          <a:spcPts val="0"/>
+                        </a:spcAft>
+                      </a:pPr>
+                      <a:r>
+                        <a:rPr lang="en-US" sz="1200" u="sng" dirty="0">
+                          <a:solidFill>
+                            <a:schemeClr val="tx2"/>
+                          </a:solidFill>
+                          <a:latin typeface="Times New Roman"/>
+                          <a:ea typeface="Times New Roman"/>
+                          <a:hlinkClick r:id="rId5" action="ppaction://hlinkfile"/>
+                        </a:rPr>
+                        <a:t>Link</a:t>
+                      </a:r>
+                      <a:endParaRPr lang="en-US" sz="1200" dirty="0">
+                        <a:solidFill>
+                          <a:schemeClr val="tx2"/>
+                        </a:solidFill>
+                        <a:latin typeface="Times New Roman"/>
+                        <a:ea typeface="Times New Roman"/>
+                      </a:endParaRPr>
+                    </a:p>
+                  </a:txBody>
+                  <a:tcPr marL="68580" marR="68580" marT="0" marB="0">
+                    <a:lnL>
+                      <a:noFill/>
+                    </a:lnL>
+                    <a:lnR w="12700" cap="flat" cmpd="sng" algn="ctr">
+                      <a:solidFill>
+                        <a:srgbClr val="4F81BD"/>
+                      </a:solidFill>
+                      <a:prstDash val="solid"/>
+                      <a:round/>
+                      <a:headEnd type="none" w="med" len="med"/>
+                      <a:tailEnd type="none" w="med" len="med"/>
+                    </a:lnR>
+                    <a:lnT w="12700" cap="flat" cmpd="sng" algn="ctr">
+                      <a:solidFill>
+                        <a:srgbClr val="4F81BD"/>
+                      </a:solidFill>
+                      <a:prstDash val="solid"/>
+                      <a:round/>
+                      <a:headEnd type="none" w="med" len="med"/>
+                      <a:tailEnd type="none" w="med" len="med"/>
+                    </a:lnT>
+                    <a:lnB w="12700" cap="flat" cmpd="sng" algn="ctr">
+                      <a:solidFill>
+                        <a:srgbClr val="4F81BD"/>
+                      </a:solidFill>
+                      <a:prstDash val="solid"/>
+                      <a:round/>
+                      <a:headEnd type="none" w="med" len="med"/>
+                      <a:tailEnd type="none" w="med" len="med"/>
+                    </a:lnB>
+                  </a:tcPr>
+                </a:tc>
+              </a:tr>
+              <a:tr h="0">
+                <a:tc>
+                  <a:txBody>
+                    <a:bodyPr/>
+                    <a:lstStyle/>
+                    <a:p>
+                      <a:pPr marL="0" marR="0" algn="ctr">
+                        <a:spcBef>
+                          <a:spcPts val="0"/>
+                        </a:spcBef>
+                        <a:spcAft>
+                          <a:spcPts val="0"/>
+                        </a:spcAft>
+                      </a:pPr>
+                      <a:r>
+                        <a:rPr lang="en-US" sz="1200" b="1">
+                          <a:solidFill>
+                            <a:schemeClr val="tx2"/>
+                          </a:solidFill>
+                          <a:latin typeface="Times New Roman"/>
+                          <a:ea typeface="Times New Roman"/>
+                        </a:rPr>
+                        <a:t>mysql-4.0.27.tar.gz</a:t>
+                      </a:r>
+                      <a:endParaRPr lang="en-US" sz="1200">
+                        <a:solidFill>
+                          <a:schemeClr val="tx2"/>
+                        </a:solidFill>
+                        <a:latin typeface="Times New Roman"/>
+                        <a:ea typeface="Times New Roman"/>
+                      </a:endParaRPr>
+                    </a:p>
+                  </a:txBody>
+                  <a:tcPr marL="68580" marR="68580" marT="0" marB="0">
+                    <a:lnL w="12700" cap="flat" cmpd="sng" algn="ctr">
+                      <a:solidFill>
+                        <a:srgbClr val="4F81BD"/>
+                      </a:solidFill>
+                      <a:prstDash val="solid"/>
+                      <a:round/>
+                      <a:headEnd type="none" w="med" len="med"/>
+                      <a:tailEnd type="none" w="med" len="med"/>
+                    </a:lnL>
+                    <a:lnR>
+                      <a:noFill/>
+                    </a:lnR>
+                    <a:lnT w="12700" cap="flat" cmpd="sng" algn="ctr">
+                      <a:solidFill>
+                        <a:srgbClr val="4F81BD"/>
+                      </a:solidFill>
+                      <a:prstDash val="solid"/>
+                      <a:round/>
+                      <a:headEnd type="none" w="med" len="med"/>
+                      <a:tailEnd type="none" w="med" len="med"/>
+                    </a:lnT>
+                    <a:lnB w="12700" cap="flat" cmpd="sng" algn="ctr">
+                      <a:solidFill>
+                        <a:srgbClr val="4F81BD"/>
+                      </a:solidFill>
+                      <a:prstDash val="solid"/>
+                      <a:round/>
+                      <a:headEnd type="none" w="med" len="med"/>
+                      <a:tailEnd type="none" w="med" len="med"/>
+                    </a:lnB>
+                  </a:tcPr>
+                </a:tc>
+                <a:tc>
+                  <a:txBody>
+                    <a:bodyPr/>
+                    <a:lstStyle/>
+                    <a:p>
+                      <a:pPr marL="0" marR="0" algn="ctr">
+                        <a:spcBef>
+                          <a:spcPts val="0"/>
+                        </a:spcBef>
+                        <a:spcAft>
+                          <a:spcPts val="0"/>
+                        </a:spcAft>
+                      </a:pPr>
+                      <a:r>
+                        <a:rPr lang="en-US" sz="1200">
+                          <a:solidFill>
+                            <a:schemeClr val="tx2"/>
+                          </a:solidFill>
+                          <a:latin typeface="Times New Roman"/>
+                          <a:ea typeface="Times New Roman"/>
+                        </a:rPr>
+                        <a:t>5/2006</a:t>
+                      </a:r>
+                    </a:p>
+                  </a:txBody>
+                  <a:tcPr marL="68580" marR="68580" marT="0" marB="0">
+                    <a:lnL>
+                      <a:noFill/>
+                    </a:lnL>
+                    <a:lnR>
+                      <a:noFill/>
+                    </a:lnR>
+                    <a:lnT w="12700" cap="flat" cmpd="sng" algn="ctr">
+                      <a:solidFill>
+                        <a:srgbClr val="4F81BD"/>
+                      </a:solidFill>
+                      <a:prstDash val="solid"/>
+                      <a:round/>
+                      <a:headEnd type="none" w="med" len="med"/>
+                      <a:tailEnd type="none" w="med" len="med"/>
+                    </a:lnT>
+                    <a:lnB w="12700" cap="flat" cmpd="sng" algn="ctr">
+                      <a:solidFill>
+                        <a:srgbClr val="4F81BD"/>
+                      </a:solidFill>
+                      <a:prstDash val="solid"/>
+                      <a:round/>
+                      <a:headEnd type="none" w="med" len="med"/>
+                      <a:tailEnd type="none" w="med" len="med"/>
+                    </a:lnB>
+                  </a:tcPr>
+                </a:tc>
+                <a:tc>
+                  <a:txBody>
+                    <a:bodyPr/>
+                    <a:lstStyle/>
+                    <a:p>
+                      <a:pPr marL="0" marR="0" algn="ctr">
+                        <a:spcBef>
+                          <a:spcPts val="0"/>
+                        </a:spcBef>
+                        <a:spcAft>
+                          <a:spcPts val="0"/>
+                        </a:spcAft>
+                      </a:pPr>
+                      <a:r>
+                        <a:rPr lang="en-US" sz="1200" u="sng" dirty="0">
+                          <a:solidFill>
+                            <a:schemeClr val="tx2"/>
+                          </a:solidFill>
+                          <a:latin typeface="Times New Roman"/>
+                          <a:ea typeface="Times New Roman"/>
+                          <a:hlinkClick r:id="rId6" action="ppaction://hlinkfile"/>
+                        </a:rPr>
+                        <a:t>*Link*</a:t>
+                      </a:r>
+                      <a:endParaRPr lang="en-US" sz="1200" dirty="0">
+                        <a:solidFill>
+                          <a:schemeClr val="tx2"/>
+                        </a:solidFill>
+                        <a:latin typeface="Times New Roman"/>
+                        <a:ea typeface="Times New Roman"/>
+                      </a:endParaRPr>
+                    </a:p>
+                  </a:txBody>
+                  <a:tcPr marL="68580" marR="68580" marT="0" marB="0">
+                    <a:lnL>
+                      <a:noFill/>
+                    </a:lnL>
+                    <a:lnR w="12700" cap="flat" cmpd="sng" algn="ctr">
+                      <a:solidFill>
+                        <a:srgbClr val="4F81BD"/>
+                      </a:solidFill>
+                      <a:prstDash val="solid"/>
+                      <a:round/>
+                      <a:headEnd type="none" w="med" len="med"/>
+                      <a:tailEnd type="none" w="med" len="med"/>
+                    </a:lnR>
+                    <a:lnT w="12700" cap="flat" cmpd="sng" algn="ctr">
+                      <a:solidFill>
+                        <a:srgbClr val="4F81BD"/>
+                      </a:solidFill>
+                      <a:prstDash val="solid"/>
+                      <a:round/>
+                      <a:headEnd type="none" w="med" len="med"/>
+                      <a:tailEnd type="none" w="med" len="med"/>
+                    </a:lnT>
+                    <a:lnB w="12700" cap="flat" cmpd="sng" algn="ctr">
+                      <a:solidFill>
+                        <a:srgbClr val="4F81BD"/>
+                      </a:solidFill>
+                      <a:prstDash val="solid"/>
+                      <a:round/>
+                      <a:headEnd type="none" w="med" len="med"/>
+                      <a:tailEnd type="none" w="med" len="med"/>
+                    </a:lnB>
+                  </a:tcPr>
+                </a:tc>
+              </a:tr>
+              <a:tr h="0">
+                <a:tc>
+                  <a:txBody>
+                    <a:bodyPr/>
+                    <a:lstStyle/>
+                    <a:p>
+                      <a:pPr marL="0" marR="0" algn="ctr">
+                        <a:spcBef>
+                          <a:spcPts val="0"/>
+                        </a:spcBef>
+                        <a:spcAft>
+                          <a:spcPts val="0"/>
+                        </a:spcAft>
+                      </a:pPr>
+                      <a:r>
+                        <a:rPr lang="en-US" sz="1200" b="1">
+                          <a:solidFill>
+                            <a:schemeClr val="tx2"/>
+                          </a:solidFill>
+                          <a:latin typeface="Times New Roman"/>
+                          <a:ea typeface="Times New Roman"/>
+                        </a:rPr>
+                        <a:t>mysql-4.1.21.tar.gz</a:t>
+                      </a:r>
+                      <a:endParaRPr lang="en-US" sz="1200">
+                        <a:solidFill>
+                          <a:schemeClr val="tx2"/>
+                        </a:solidFill>
+                        <a:latin typeface="Times New Roman"/>
+                        <a:ea typeface="Times New Roman"/>
+                      </a:endParaRPr>
+                    </a:p>
+                  </a:txBody>
+                  <a:tcPr marL="68580" marR="68580" marT="0" marB="0">
+                    <a:lnL w="12700" cap="flat" cmpd="sng" algn="ctr">
+                      <a:solidFill>
+                        <a:srgbClr val="4F81BD"/>
+                      </a:solidFill>
+                      <a:prstDash val="solid"/>
+                      <a:round/>
+                      <a:headEnd type="none" w="med" len="med"/>
+                      <a:tailEnd type="none" w="med" len="med"/>
+                    </a:lnL>
+                    <a:lnR>
+                      <a:noFill/>
+                    </a:lnR>
+                    <a:lnT w="12700" cap="flat" cmpd="sng" algn="ctr">
+                      <a:solidFill>
+                        <a:srgbClr val="4F81BD"/>
+                      </a:solidFill>
+                      <a:prstDash val="solid"/>
+                      <a:round/>
+                      <a:headEnd type="none" w="med" len="med"/>
+                      <a:tailEnd type="none" w="med" len="med"/>
+                    </a:lnT>
+                    <a:lnB w="12700" cap="flat" cmpd="sng" algn="ctr">
+                      <a:solidFill>
+                        <a:srgbClr val="4F81BD"/>
+                      </a:solidFill>
+                      <a:prstDash val="solid"/>
+                      <a:round/>
+                      <a:headEnd type="none" w="med" len="med"/>
+                      <a:tailEnd type="none" w="med" len="med"/>
+                    </a:lnB>
+                  </a:tcPr>
+                </a:tc>
+                <a:tc>
+                  <a:txBody>
+                    <a:bodyPr/>
+                    <a:lstStyle/>
+                    <a:p>
+                      <a:pPr marL="0" marR="0" algn="ctr">
+                        <a:spcBef>
+                          <a:spcPts val="0"/>
+                        </a:spcBef>
+                        <a:spcAft>
+                          <a:spcPts val="0"/>
+                        </a:spcAft>
+                      </a:pPr>
+                      <a:r>
+                        <a:rPr lang="en-US" sz="1200">
+                          <a:solidFill>
+                            <a:schemeClr val="tx2"/>
+                          </a:solidFill>
+                          <a:latin typeface="Times New Roman"/>
+                          <a:ea typeface="Times New Roman"/>
+                        </a:rPr>
+                        <a:t>7/2006</a:t>
+                      </a:r>
+                    </a:p>
+                  </a:txBody>
+                  <a:tcPr marL="68580" marR="68580" marT="0" marB="0">
+                    <a:lnL>
+                      <a:noFill/>
+                    </a:lnL>
+                    <a:lnR>
+                      <a:noFill/>
+                    </a:lnR>
+                    <a:lnT w="12700" cap="flat" cmpd="sng" algn="ctr">
+                      <a:solidFill>
+                        <a:srgbClr val="4F81BD"/>
+                      </a:solidFill>
+                      <a:prstDash val="solid"/>
+                      <a:round/>
+                      <a:headEnd type="none" w="med" len="med"/>
+                      <a:tailEnd type="none" w="med" len="med"/>
+                    </a:lnT>
+                    <a:lnB w="12700" cap="flat" cmpd="sng" algn="ctr">
+                      <a:solidFill>
+                        <a:srgbClr val="4F81BD"/>
+                      </a:solidFill>
+                      <a:prstDash val="solid"/>
+                      <a:round/>
+                      <a:headEnd type="none" w="med" len="med"/>
+                      <a:tailEnd type="none" w="med" len="med"/>
+                    </a:lnB>
+                  </a:tcPr>
+                </a:tc>
+                <a:tc>
+                  <a:txBody>
+                    <a:bodyPr/>
+                    <a:lstStyle/>
+                    <a:p>
+                      <a:pPr marL="0" marR="0" algn="ctr">
+                        <a:spcBef>
+                          <a:spcPts val="0"/>
+                        </a:spcBef>
+                        <a:spcAft>
+                          <a:spcPts val="0"/>
+                        </a:spcAft>
+                      </a:pPr>
+                      <a:r>
+                        <a:rPr lang="en-US" sz="1200" u="sng" dirty="0">
+                          <a:solidFill>
+                            <a:schemeClr val="tx2"/>
+                          </a:solidFill>
+                          <a:latin typeface="Times New Roman"/>
+                          <a:ea typeface="Times New Roman"/>
+                          <a:hlinkClick r:id="rId7" action="ppaction://hlinkfile"/>
+                        </a:rPr>
+                        <a:t>Link</a:t>
+                      </a:r>
+                      <a:endParaRPr lang="en-US" sz="1200" dirty="0">
+                        <a:solidFill>
+                          <a:schemeClr val="tx2"/>
+                        </a:solidFill>
+                        <a:latin typeface="Times New Roman"/>
+                        <a:ea typeface="Times New Roman"/>
+                      </a:endParaRPr>
+                    </a:p>
+                  </a:txBody>
+                  <a:tcPr marL="68580" marR="68580" marT="0" marB="0">
+                    <a:lnL>
+                      <a:noFill/>
+                    </a:lnL>
+                    <a:lnR w="12700" cap="flat" cmpd="sng" algn="ctr">
+                      <a:solidFill>
+                        <a:srgbClr val="4F81BD"/>
+                      </a:solidFill>
+                      <a:prstDash val="solid"/>
+                      <a:round/>
+                      <a:headEnd type="none" w="med" len="med"/>
+                      <a:tailEnd type="none" w="med" len="med"/>
+                    </a:lnR>
+                    <a:lnT w="12700" cap="flat" cmpd="sng" algn="ctr">
+                      <a:solidFill>
+                        <a:srgbClr val="4F81BD"/>
+                      </a:solidFill>
+                      <a:prstDash val="solid"/>
+                      <a:round/>
+                      <a:headEnd type="none" w="med" len="med"/>
+                      <a:tailEnd type="none" w="med" len="med"/>
+                    </a:lnT>
+                    <a:lnB w="12700" cap="flat" cmpd="sng" algn="ctr">
+                      <a:solidFill>
+                        <a:srgbClr val="4F81BD"/>
+                      </a:solidFill>
+                      <a:prstDash val="solid"/>
+                      <a:round/>
+                      <a:headEnd type="none" w="med" len="med"/>
+                      <a:tailEnd type="none" w="med" len="med"/>
+                    </a:lnB>
+                  </a:tcPr>
+                </a:tc>
+              </a:tr>
+              <a:tr h="0">
+                <a:tc>
+                  <a:txBody>
+                    <a:bodyPr/>
+                    <a:lstStyle/>
+                    <a:p>
+                      <a:pPr marL="0" marR="0" algn="ctr">
+                        <a:spcBef>
+                          <a:spcPts val="0"/>
+                        </a:spcBef>
+                        <a:spcAft>
+                          <a:spcPts val="0"/>
+                        </a:spcAft>
+                      </a:pPr>
+                      <a:r>
+                        <a:rPr lang="en-US" sz="1200" b="1">
+                          <a:solidFill>
+                            <a:schemeClr val="tx2"/>
+                          </a:solidFill>
+                          <a:latin typeface="Times New Roman"/>
+                          <a:ea typeface="Times New Roman"/>
+                        </a:rPr>
+                        <a:t>mysql-4.1.22.tar.gz</a:t>
+                      </a:r>
+                      <a:endParaRPr lang="en-US" sz="1200">
+                        <a:solidFill>
+                          <a:schemeClr val="tx2"/>
+                        </a:solidFill>
+                        <a:latin typeface="Times New Roman"/>
+                        <a:ea typeface="Times New Roman"/>
+                      </a:endParaRPr>
+                    </a:p>
+                  </a:txBody>
+                  <a:tcPr marL="68580" marR="68580" marT="0" marB="0">
+                    <a:lnL w="12700" cap="flat" cmpd="sng" algn="ctr">
+                      <a:solidFill>
+                        <a:srgbClr val="4F81BD"/>
+                      </a:solidFill>
+                      <a:prstDash val="solid"/>
+                      <a:round/>
+                      <a:headEnd type="none" w="med" len="med"/>
+                      <a:tailEnd type="none" w="med" len="med"/>
+                    </a:lnL>
+                    <a:lnR>
+                      <a:noFill/>
+                    </a:lnR>
+                    <a:lnT w="12700" cap="flat" cmpd="sng" algn="ctr">
+                      <a:solidFill>
+                        <a:srgbClr val="4F81BD"/>
+                      </a:solidFill>
+                      <a:prstDash val="solid"/>
+                      <a:round/>
+                      <a:headEnd type="none" w="med" len="med"/>
+                      <a:tailEnd type="none" w="med" len="med"/>
+                    </a:lnT>
+                    <a:lnB w="12700" cap="flat" cmpd="sng" algn="ctr">
+                      <a:solidFill>
+                        <a:srgbClr val="4F81BD"/>
+                      </a:solidFill>
+                      <a:prstDash val="solid"/>
+                      <a:round/>
+                      <a:headEnd type="none" w="med" len="med"/>
+                      <a:tailEnd type="none" w="med" len="med"/>
+                    </a:lnB>
+                  </a:tcPr>
+                </a:tc>
+                <a:tc>
+                  <a:txBody>
+                    <a:bodyPr/>
+                    <a:lstStyle/>
+                    <a:p>
+                      <a:pPr marL="0" marR="0" algn="ctr">
+                        <a:spcBef>
+                          <a:spcPts val="0"/>
+                        </a:spcBef>
+                        <a:spcAft>
+                          <a:spcPts val="0"/>
+                        </a:spcAft>
+                      </a:pPr>
+                      <a:r>
+                        <a:rPr lang="en-US" sz="1200">
+                          <a:solidFill>
+                            <a:schemeClr val="tx2"/>
+                          </a:solidFill>
+                          <a:latin typeface="Times New Roman"/>
+                          <a:ea typeface="Times New Roman"/>
+                        </a:rPr>
+                        <a:t>11/2006</a:t>
+                      </a:r>
+                    </a:p>
+                  </a:txBody>
+                  <a:tcPr marL="68580" marR="68580" marT="0" marB="0">
+                    <a:lnL>
+                      <a:noFill/>
+                    </a:lnL>
+                    <a:lnR>
+                      <a:noFill/>
+                    </a:lnR>
+                    <a:lnT w="12700" cap="flat" cmpd="sng" algn="ctr">
+                      <a:solidFill>
+                        <a:srgbClr val="4F81BD"/>
+                      </a:solidFill>
+                      <a:prstDash val="solid"/>
+                      <a:round/>
+                      <a:headEnd type="none" w="med" len="med"/>
+                      <a:tailEnd type="none" w="med" len="med"/>
+                    </a:lnT>
+                    <a:lnB w="12700" cap="flat" cmpd="sng" algn="ctr">
+                      <a:solidFill>
+                        <a:srgbClr val="4F81BD"/>
+                      </a:solidFill>
+                      <a:prstDash val="solid"/>
+                      <a:round/>
+                      <a:headEnd type="none" w="med" len="med"/>
+                      <a:tailEnd type="none" w="med" len="med"/>
+                    </a:lnB>
+                  </a:tcPr>
+                </a:tc>
+                <a:tc>
+                  <a:txBody>
+                    <a:bodyPr/>
+                    <a:lstStyle/>
+                    <a:p>
+                      <a:pPr marL="0" marR="0" algn="ctr">
+                        <a:spcBef>
+                          <a:spcPts val="0"/>
+                        </a:spcBef>
+                        <a:spcAft>
+                          <a:spcPts val="0"/>
+                        </a:spcAft>
+                      </a:pPr>
+                      <a:r>
+                        <a:rPr lang="en-US" sz="1200" u="sng" dirty="0">
+                          <a:solidFill>
+                            <a:schemeClr val="tx2"/>
+                          </a:solidFill>
+                          <a:latin typeface="Times New Roman"/>
+                          <a:ea typeface="Times New Roman"/>
+                          <a:hlinkClick r:id="rId8" action="ppaction://hlinkfile"/>
+                        </a:rPr>
+                        <a:t>Link</a:t>
+                      </a:r>
+                      <a:endParaRPr lang="en-US" sz="1200" dirty="0">
+                        <a:solidFill>
+                          <a:schemeClr val="tx2"/>
+                        </a:solidFill>
+                        <a:latin typeface="Times New Roman"/>
+                        <a:ea typeface="Times New Roman"/>
+                      </a:endParaRPr>
+                    </a:p>
+                  </a:txBody>
+                  <a:tcPr marL="68580" marR="68580" marT="0" marB="0">
+                    <a:lnL>
+                      <a:noFill/>
+                    </a:lnL>
+                    <a:lnR w="12700" cap="flat" cmpd="sng" algn="ctr">
+                      <a:solidFill>
+                        <a:srgbClr val="4F81BD"/>
+                      </a:solidFill>
+                      <a:prstDash val="solid"/>
+                      <a:round/>
+                      <a:headEnd type="none" w="med" len="med"/>
+                      <a:tailEnd type="none" w="med" len="med"/>
+                    </a:lnR>
+                    <a:lnT w="12700" cap="flat" cmpd="sng" algn="ctr">
+                      <a:solidFill>
+                        <a:srgbClr val="4F81BD"/>
+                      </a:solidFill>
+                      <a:prstDash val="solid"/>
+                      <a:round/>
+                      <a:headEnd type="none" w="med" len="med"/>
+                      <a:tailEnd type="none" w="med" len="med"/>
+                    </a:lnT>
+                    <a:lnB w="12700" cap="flat" cmpd="sng" algn="ctr">
+                      <a:solidFill>
+                        <a:srgbClr val="4F81BD"/>
+                      </a:solidFill>
+                      <a:prstDash val="solid"/>
+                      <a:round/>
+                      <a:headEnd type="none" w="med" len="med"/>
+                      <a:tailEnd type="none" w="med" len="med"/>
+                    </a:lnB>
+                  </a:tcPr>
+                </a:tc>
+              </a:tr>
+              <a:tr h="0">
+                <a:tc>
+                  <a:txBody>
+                    <a:bodyPr/>
+                    <a:lstStyle/>
+                    <a:p>
+                      <a:pPr marL="0" marR="0" algn="ctr">
+                        <a:spcBef>
+                          <a:spcPts val="0"/>
+                        </a:spcBef>
+                        <a:spcAft>
+                          <a:spcPts val="0"/>
+                        </a:spcAft>
+                      </a:pPr>
+                      <a:r>
+                        <a:rPr lang="en-US" sz="1200" b="1">
+                          <a:solidFill>
+                            <a:schemeClr val="tx2"/>
+                          </a:solidFill>
+                          <a:latin typeface="Times New Roman"/>
+                          <a:ea typeface="Times New Roman"/>
+                        </a:rPr>
+                        <a:t>mysql-5.2.0-falcon-alpha.tar.gz</a:t>
+                      </a:r>
+                      <a:endParaRPr lang="en-US" sz="1200">
+                        <a:solidFill>
+                          <a:schemeClr val="tx2"/>
+                        </a:solidFill>
+                        <a:latin typeface="Times New Roman"/>
+                        <a:ea typeface="Times New Roman"/>
+                      </a:endParaRPr>
+                    </a:p>
+                  </a:txBody>
+                  <a:tcPr marL="68580" marR="68580" marT="0" marB="0">
+                    <a:lnL w="12700" cap="flat" cmpd="sng" algn="ctr">
+                      <a:solidFill>
+                        <a:srgbClr val="4F81BD"/>
+                      </a:solidFill>
+                      <a:prstDash val="solid"/>
+                      <a:round/>
+                      <a:headEnd type="none" w="med" len="med"/>
+                      <a:tailEnd type="none" w="med" len="med"/>
+                    </a:lnL>
+                    <a:lnR>
+                      <a:noFill/>
+                    </a:lnR>
+                    <a:lnT w="12700" cap="flat" cmpd="sng" algn="ctr">
+                      <a:solidFill>
+                        <a:srgbClr val="4F81BD"/>
+                      </a:solidFill>
+                      <a:prstDash val="solid"/>
+                      <a:round/>
+                      <a:headEnd type="none" w="med" len="med"/>
+                      <a:tailEnd type="none" w="med" len="med"/>
+                    </a:lnT>
+                    <a:lnB w="12700" cap="flat" cmpd="sng" algn="ctr">
+                      <a:solidFill>
+                        <a:srgbClr val="4F81BD"/>
+                      </a:solidFill>
+                      <a:prstDash val="solid"/>
+                      <a:round/>
+                      <a:headEnd type="none" w="med" len="med"/>
+                      <a:tailEnd type="none" w="med" len="med"/>
+                    </a:lnB>
+                  </a:tcPr>
+                </a:tc>
+                <a:tc>
+                  <a:txBody>
+                    <a:bodyPr/>
+                    <a:lstStyle/>
+                    <a:p>
+                      <a:pPr marL="0" marR="0" algn="ctr">
+                        <a:spcBef>
+                          <a:spcPts val="0"/>
+                        </a:spcBef>
+                        <a:spcAft>
+                          <a:spcPts val="0"/>
+                        </a:spcAft>
+                      </a:pPr>
+                      <a:r>
+                        <a:rPr lang="en-US" sz="1200">
+                          <a:solidFill>
+                            <a:schemeClr val="tx2"/>
+                          </a:solidFill>
+                          <a:latin typeface="Times New Roman"/>
+                          <a:ea typeface="Times New Roman"/>
+                        </a:rPr>
+                        <a:t>1/2007</a:t>
+                      </a:r>
+                    </a:p>
+                  </a:txBody>
+                  <a:tcPr marL="68580" marR="68580" marT="0" marB="0">
+                    <a:lnL>
+                      <a:noFill/>
+                    </a:lnL>
+                    <a:lnR>
+                      <a:noFill/>
+                    </a:lnR>
+                    <a:lnT w="12700" cap="flat" cmpd="sng" algn="ctr">
+                      <a:solidFill>
+                        <a:srgbClr val="4F81BD"/>
+                      </a:solidFill>
+                      <a:prstDash val="solid"/>
+                      <a:round/>
+                      <a:headEnd type="none" w="med" len="med"/>
+                      <a:tailEnd type="none" w="med" len="med"/>
+                    </a:lnT>
+                    <a:lnB w="12700" cap="flat" cmpd="sng" algn="ctr">
+                      <a:solidFill>
+                        <a:srgbClr val="4F81BD"/>
+                      </a:solidFill>
+                      <a:prstDash val="solid"/>
+                      <a:round/>
+                      <a:headEnd type="none" w="med" len="med"/>
+                      <a:tailEnd type="none" w="med" len="med"/>
+                    </a:lnB>
+                  </a:tcPr>
+                </a:tc>
+                <a:tc>
+                  <a:txBody>
+                    <a:bodyPr/>
+                    <a:lstStyle/>
+                    <a:p>
+                      <a:pPr marL="0" marR="0" algn="ctr">
+                        <a:spcBef>
+                          <a:spcPts val="0"/>
+                        </a:spcBef>
+                        <a:spcAft>
+                          <a:spcPts val="0"/>
+                        </a:spcAft>
+                      </a:pPr>
+                      <a:r>
+                        <a:rPr lang="en-US" sz="1200" u="sng" dirty="0">
+                          <a:solidFill>
+                            <a:schemeClr val="tx2"/>
+                          </a:solidFill>
+                          <a:latin typeface="Times New Roman"/>
+                          <a:ea typeface="Times New Roman"/>
+                          <a:hlinkClick r:id="rId9" action="ppaction://hlinkfile"/>
+                        </a:rPr>
+                        <a:t>Link</a:t>
+                      </a:r>
+                      <a:endParaRPr lang="en-US" sz="1200" dirty="0">
+                        <a:solidFill>
+                          <a:schemeClr val="tx2"/>
+                        </a:solidFill>
+                        <a:latin typeface="Times New Roman"/>
+                        <a:ea typeface="Times New Roman"/>
+                      </a:endParaRPr>
+                    </a:p>
+                  </a:txBody>
+                  <a:tcPr marL="68580" marR="68580" marT="0" marB="0">
+                    <a:lnL>
+                      <a:noFill/>
+                    </a:lnL>
+                    <a:lnR w="12700" cap="flat" cmpd="sng" algn="ctr">
+                      <a:solidFill>
+                        <a:srgbClr val="4F81BD"/>
+                      </a:solidFill>
+                      <a:prstDash val="solid"/>
+                      <a:round/>
+                      <a:headEnd type="none" w="med" len="med"/>
+                      <a:tailEnd type="none" w="med" len="med"/>
+                    </a:lnR>
+                    <a:lnT w="12700" cap="flat" cmpd="sng" algn="ctr">
+                      <a:solidFill>
+                        <a:srgbClr val="4F81BD"/>
+                      </a:solidFill>
+                      <a:prstDash val="solid"/>
+                      <a:round/>
+                      <a:headEnd type="none" w="med" len="med"/>
+                      <a:tailEnd type="none" w="med" len="med"/>
+                    </a:lnT>
+                    <a:lnB w="12700" cap="flat" cmpd="sng" algn="ctr">
+                      <a:solidFill>
+                        <a:srgbClr val="4F81BD"/>
+                      </a:solidFill>
+                      <a:prstDash val="solid"/>
+                      <a:round/>
+                      <a:headEnd type="none" w="med" len="med"/>
+                      <a:tailEnd type="none" w="med" len="med"/>
+                    </a:lnB>
+                  </a:tcPr>
+                </a:tc>
+              </a:tr>
+              <a:tr h="0">
+                <a:tc>
+                  <a:txBody>
+                    <a:bodyPr/>
+                    <a:lstStyle/>
+                    <a:p>
+                      <a:pPr marL="0" marR="0" algn="ctr">
+                        <a:spcBef>
+                          <a:spcPts val="0"/>
+                        </a:spcBef>
+                        <a:spcAft>
+                          <a:spcPts val="0"/>
+                        </a:spcAft>
+                      </a:pPr>
+                      <a:r>
+                        <a:rPr lang="en-US" sz="1200" b="1">
+                          <a:solidFill>
+                            <a:schemeClr val="tx2"/>
+                          </a:solidFill>
+                          <a:latin typeface="Times New Roman"/>
+                          <a:ea typeface="Times New Roman"/>
+                        </a:rPr>
+                        <a:t>mysql-5.2.3-falcon-alpha.tar.gz</a:t>
+                      </a:r>
+                      <a:endParaRPr lang="en-US" sz="1200">
+                        <a:solidFill>
+                          <a:schemeClr val="tx2"/>
+                        </a:solidFill>
+                        <a:latin typeface="Times New Roman"/>
+                        <a:ea typeface="Times New Roman"/>
+                      </a:endParaRPr>
+                    </a:p>
+                  </a:txBody>
+                  <a:tcPr marL="68580" marR="68580" marT="0" marB="0">
+                    <a:lnL w="12700" cap="flat" cmpd="sng" algn="ctr">
+                      <a:solidFill>
+                        <a:srgbClr val="4F81BD"/>
+                      </a:solidFill>
+                      <a:prstDash val="solid"/>
+                      <a:round/>
+                      <a:headEnd type="none" w="med" len="med"/>
+                      <a:tailEnd type="none" w="med" len="med"/>
+                    </a:lnL>
+                    <a:lnR>
+                      <a:noFill/>
+                    </a:lnR>
+                    <a:lnT w="12700" cap="flat" cmpd="sng" algn="ctr">
+                      <a:solidFill>
+                        <a:srgbClr val="4F81BD"/>
+                      </a:solidFill>
+                      <a:prstDash val="solid"/>
+                      <a:round/>
+                      <a:headEnd type="none" w="med" len="med"/>
+                      <a:tailEnd type="none" w="med" len="med"/>
+                    </a:lnT>
+                    <a:lnB w="12700" cap="flat" cmpd="sng" algn="ctr">
+                      <a:solidFill>
+                        <a:srgbClr val="4F81BD"/>
+                      </a:solidFill>
+                      <a:prstDash val="solid"/>
+                      <a:round/>
+                      <a:headEnd type="none" w="med" len="med"/>
+                      <a:tailEnd type="none" w="med" len="med"/>
+                    </a:lnB>
+                  </a:tcPr>
+                </a:tc>
+                <a:tc>
+                  <a:txBody>
+                    <a:bodyPr/>
+                    <a:lstStyle/>
+                    <a:p>
+                      <a:pPr marL="0" marR="0" algn="ctr">
+                        <a:spcBef>
+                          <a:spcPts val="0"/>
+                        </a:spcBef>
+                        <a:spcAft>
+                          <a:spcPts val="0"/>
+                        </a:spcAft>
+                      </a:pPr>
+                      <a:r>
+                        <a:rPr lang="en-US" sz="1200">
+                          <a:solidFill>
+                            <a:schemeClr val="tx2"/>
+                          </a:solidFill>
+                          <a:latin typeface="Times New Roman"/>
+                          <a:ea typeface="Times New Roman"/>
+                        </a:rPr>
+                        <a:t>2/2007</a:t>
+                      </a:r>
+                    </a:p>
+                  </a:txBody>
+                  <a:tcPr marL="68580" marR="68580" marT="0" marB="0">
+                    <a:lnL>
+                      <a:noFill/>
+                    </a:lnL>
+                    <a:lnR>
+                      <a:noFill/>
+                    </a:lnR>
+                    <a:lnT w="12700" cap="flat" cmpd="sng" algn="ctr">
+                      <a:solidFill>
+                        <a:srgbClr val="4F81BD"/>
+                      </a:solidFill>
+                      <a:prstDash val="solid"/>
+                      <a:round/>
+                      <a:headEnd type="none" w="med" len="med"/>
+                      <a:tailEnd type="none" w="med" len="med"/>
+                    </a:lnT>
+                    <a:lnB w="12700" cap="flat" cmpd="sng" algn="ctr">
+                      <a:solidFill>
+                        <a:srgbClr val="4F81BD"/>
+                      </a:solidFill>
+                      <a:prstDash val="solid"/>
+                      <a:round/>
+                      <a:headEnd type="none" w="med" len="med"/>
+                      <a:tailEnd type="none" w="med" len="med"/>
+                    </a:lnB>
+                  </a:tcPr>
+                </a:tc>
+                <a:tc>
+                  <a:txBody>
+                    <a:bodyPr/>
+                    <a:lstStyle/>
+                    <a:p>
+                      <a:pPr marL="0" marR="0" algn="ctr">
+                        <a:spcBef>
+                          <a:spcPts val="0"/>
+                        </a:spcBef>
+                        <a:spcAft>
+                          <a:spcPts val="0"/>
+                        </a:spcAft>
+                      </a:pPr>
+                      <a:r>
+                        <a:rPr lang="en-US" sz="1200" u="sng" dirty="0">
+                          <a:solidFill>
+                            <a:schemeClr val="tx2"/>
+                          </a:solidFill>
+                          <a:latin typeface="Times New Roman"/>
+                          <a:ea typeface="Times New Roman"/>
+                          <a:hlinkClick r:id="rId10" action="ppaction://hlinkfile"/>
+                        </a:rPr>
+                        <a:t>Link</a:t>
+                      </a:r>
+                      <a:endParaRPr lang="en-US" sz="1200" dirty="0">
+                        <a:solidFill>
+                          <a:schemeClr val="tx2"/>
+                        </a:solidFill>
+                        <a:latin typeface="Times New Roman"/>
+                        <a:ea typeface="Times New Roman"/>
+                      </a:endParaRPr>
+                    </a:p>
+                  </a:txBody>
+                  <a:tcPr marL="68580" marR="68580" marT="0" marB="0">
+                    <a:lnL>
+                      <a:noFill/>
+                    </a:lnL>
+                    <a:lnR w="12700" cap="flat" cmpd="sng" algn="ctr">
+                      <a:solidFill>
+                        <a:srgbClr val="4F81BD"/>
+                      </a:solidFill>
+                      <a:prstDash val="solid"/>
+                      <a:round/>
+                      <a:headEnd type="none" w="med" len="med"/>
+                      <a:tailEnd type="none" w="med" len="med"/>
+                    </a:lnR>
+                    <a:lnT w="12700" cap="flat" cmpd="sng" algn="ctr">
+                      <a:solidFill>
+                        <a:srgbClr val="4F81BD"/>
+                      </a:solidFill>
+                      <a:prstDash val="solid"/>
+                      <a:round/>
+                      <a:headEnd type="none" w="med" len="med"/>
+                      <a:tailEnd type="none" w="med" len="med"/>
+                    </a:lnT>
+                    <a:lnB w="12700" cap="flat" cmpd="sng" algn="ctr">
+                      <a:solidFill>
+                        <a:srgbClr val="4F81BD"/>
+                      </a:solidFill>
+                      <a:prstDash val="solid"/>
+                      <a:round/>
+                      <a:headEnd type="none" w="med" len="med"/>
+                      <a:tailEnd type="none" w="med" len="med"/>
+                    </a:lnB>
+                  </a:tcPr>
+                </a:tc>
+              </a:tr>
+              <a:tr h="0">
+                <a:tc>
+                  <a:txBody>
+                    <a:bodyPr/>
+                    <a:lstStyle/>
+                    <a:p>
+                      <a:pPr marL="0" marR="0" algn="ctr">
+                        <a:spcBef>
+                          <a:spcPts val="0"/>
+                        </a:spcBef>
+                        <a:spcAft>
+                          <a:spcPts val="0"/>
+                        </a:spcAft>
+                      </a:pPr>
+                      <a:r>
+                        <a:rPr lang="en-US" sz="1200" b="1">
+                          <a:solidFill>
+                            <a:schemeClr val="tx2"/>
+                          </a:solidFill>
+                          <a:latin typeface="Times New Roman"/>
+                          <a:ea typeface="Times New Roman"/>
+                        </a:rPr>
+                        <a:t>mysql-6.0.0-alpha.tar.gz</a:t>
+                      </a:r>
+                      <a:endParaRPr lang="en-US" sz="1200">
+                        <a:solidFill>
+                          <a:schemeClr val="tx2"/>
+                        </a:solidFill>
+                        <a:latin typeface="Times New Roman"/>
+                        <a:ea typeface="Times New Roman"/>
+                      </a:endParaRPr>
+                    </a:p>
+                  </a:txBody>
+                  <a:tcPr marL="68580" marR="68580" marT="0" marB="0">
+                    <a:lnL w="12700" cap="flat" cmpd="sng" algn="ctr">
+                      <a:solidFill>
+                        <a:srgbClr val="4F81BD"/>
+                      </a:solidFill>
+                      <a:prstDash val="solid"/>
+                      <a:round/>
+                      <a:headEnd type="none" w="med" len="med"/>
+                      <a:tailEnd type="none" w="med" len="med"/>
+                    </a:lnL>
+                    <a:lnR>
+                      <a:noFill/>
+                    </a:lnR>
+                    <a:lnT w="12700" cap="flat" cmpd="sng" algn="ctr">
+                      <a:solidFill>
+                        <a:srgbClr val="4F81BD"/>
+                      </a:solidFill>
+                      <a:prstDash val="solid"/>
+                      <a:round/>
+                      <a:headEnd type="none" w="med" len="med"/>
+                      <a:tailEnd type="none" w="med" len="med"/>
+                    </a:lnT>
+                    <a:lnB w="12700" cap="flat" cmpd="sng" algn="ctr">
+                      <a:solidFill>
+                        <a:srgbClr val="4F81BD"/>
+                      </a:solidFill>
+                      <a:prstDash val="solid"/>
+                      <a:round/>
+                      <a:headEnd type="none" w="med" len="med"/>
+                      <a:tailEnd type="none" w="med" len="med"/>
+                    </a:lnB>
+                  </a:tcPr>
+                </a:tc>
+                <a:tc>
+                  <a:txBody>
+                    <a:bodyPr/>
+                    <a:lstStyle/>
+                    <a:p>
+                      <a:pPr marL="0" marR="0" algn="ctr">
+                        <a:spcBef>
+                          <a:spcPts val="0"/>
+                        </a:spcBef>
+                        <a:spcAft>
+                          <a:spcPts val="0"/>
+                        </a:spcAft>
+                      </a:pPr>
+                      <a:r>
+                        <a:rPr lang="en-US" sz="1200">
+                          <a:solidFill>
+                            <a:schemeClr val="tx2"/>
+                          </a:solidFill>
+                          <a:latin typeface="Times New Roman"/>
+                          <a:ea typeface="Times New Roman"/>
+                        </a:rPr>
+                        <a:t>4/2007</a:t>
+                      </a:r>
+                    </a:p>
+                  </a:txBody>
+                  <a:tcPr marL="68580" marR="68580" marT="0" marB="0">
+                    <a:lnL>
+                      <a:noFill/>
+                    </a:lnL>
+                    <a:lnR>
+                      <a:noFill/>
+                    </a:lnR>
+                    <a:lnT w="12700" cap="flat" cmpd="sng" algn="ctr">
+                      <a:solidFill>
+                        <a:srgbClr val="4F81BD"/>
+                      </a:solidFill>
+                      <a:prstDash val="solid"/>
+                      <a:round/>
+                      <a:headEnd type="none" w="med" len="med"/>
+                      <a:tailEnd type="none" w="med" len="med"/>
+                    </a:lnT>
+                    <a:lnB w="12700" cap="flat" cmpd="sng" algn="ctr">
+                      <a:solidFill>
+                        <a:srgbClr val="4F81BD"/>
+                      </a:solidFill>
+                      <a:prstDash val="solid"/>
+                      <a:round/>
+                      <a:headEnd type="none" w="med" len="med"/>
+                      <a:tailEnd type="none" w="med" len="med"/>
+                    </a:lnB>
+                  </a:tcPr>
+                </a:tc>
+                <a:tc>
+                  <a:txBody>
+                    <a:bodyPr/>
+                    <a:lstStyle/>
+                    <a:p>
+                      <a:pPr marL="0" marR="0" algn="ctr">
+                        <a:spcBef>
+                          <a:spcPts val="0"/>
+                        </a:spcBef>
+                        <a:spcAft>
+                          <a:spcPts val="0"/>
+                        </a:spcAft>
+                      </a:pPr>
+                      <a:r>
+                        <a:rPr lang="en-US" sz="1200" u="sng" dirty="0">
+                          <a:solidFill>
+                            <a:schemeClr val="tx2"/>
+                          </a:solidFill>
+                          <a:latin typeface="Times New Roman"/>
+                          <a:ea typeface="Times New Roman"/>
+                          <a:hlinkClick r:id="rId11" action="ppaction://hlinkfile"/>
+                        </a:rPr>
+                        <a:t>Link</a:t>
+                      </a:r>
+                      <a:endParaRPr lang="en-US" sz="1200" dirty="0">
+                        <a:solidFill>
+                          <a:schemeClr val="tx2"/>
+                        </a:solidFill>
+                        <a:latin typeface="Times New Roman"/>
+                        <a:ea typeface="Times New Roman"/>
+                      </a:endParaRPr>
+                    </a:p>
+                  </a:txBody>
+                  <a:tcPr marL="68580" marR="68580" marT="0" marB="0">
+                    <a:lnL>
+                      <a:noFill/>
+                    </a:lnL>
+                    <a:lnR w="12700" cap="flat" cmpd="sng" algn="ctr">
+                      <a:solidFill>
+                        <a:srgbClr val="4F81BD"/>
+                      </a:solidFill>
+                      <a:prstDash val="solid"/>
+                      <a:round/>
+                      <a:headEnd type="none" w="med" len="med"/>
+                      <a:tailEnd type="none" w="med" len="med"/>
+                    </a:lnR>
+                    <a:lnT w="12700" cap="flat" cmpd="sng" algn="ctr">
+                      <a:solidFill>
+                        <a:srgbClr val="4F81BD"/>
+                      </a:solidFill>
+                      <a:prstDash val="solid"/>
+                      <a:round/>
+                      <a:headEnd type="none" w="med" len="med"/>
+                      <a:tailEnd type="none" w="med" len="med"/>
+                    </a:lnT>
+                    <a:lnB w="12700" cap="flat" cmpd="sng" algn="ctr">
+                      <a:solidFill>
+                        <a:srgbClr val="4F81BD"/>
+                      </a:solidFill>
+                      <a:prstDash val="solid"/>
+                      <a:round/>
+                      <a:headEnd type="none" w="med" len="med"/>
+                      <a:tailEnd type="none" w="med" len="med"/>
+                    </a:lnB>
+                  </a:tcPr>
+                </a:tc>
+              </a:tr>
+              <a:tr h="0">
+                <a:tc>
+                  <a:txBody>
+                    <a:bodyPr/>
+                    <a:lstStyle/>
+                    <a:p>
+                      <a:pPr marL="0" marR="0" algn="ctr">
+                        <a:spcBef>
+                          <a:spcPts val="0"/>
+                        </a:spcBef>
+                        <a:spcAft>
+                          <a:spcPts val="0"/>
+                        </a:spcAft>
+                      </a:pPr>
+                      <a:r>
+                        <a:rPr lang="en-US" sz="1200" b="1">
+                          <a:solidFill>
+                            <a:schemeClr val="tx2"/>
+                          </a:solidFill>
+                          <a:latin typeface="Times New Roman"/>
+                          <a:ea typeface="Times New Roman"/>
+                        </a:rPr>
+                        <a:t>mysql-5.0.45.tar.gz</a:t>
+                      </a:r>
+                      <a:endParaRPr lang="en-US" sz="1200">
+                        <a:solidFill>
+                          <a:schemeClr val="tx2"/>
+                        </a:solidFill>
+                        <a:latin typeface="Times New Roman"/>
+                        <a:ea typeface="Times New Roman"/>
+                      </a:endParaRPr>
+                    </a:p>
+                  </a:txBody>
+                  <a:tcPr marL="68580" marR="68580" marT="0" marB="0">
+                    <a:lnL w="12700" cap="flat" cmpd="sng" algn="ctr">
+                      <a:solidFill>
+                        <a:srgbClr val="4F81BD"/>
+                      </a:solidFill>
+                      <a:prstDash val="solid"/>
+                      <a:round/>
+                      <a:headEnd type="none" w="med" len="med"/>
+                      <a:tailEnd type="none" w="med" len="med"/>
+                    </a:lnL>
+                    <a:lnR>
+                      <a:noFill/>
+                    </a:lnR>
+                    <a:lnT w="12700" cap="flat" cmpd="sng" algn="ctr">
+                      <a:solidFill>
+                        <a:srgbClr val="4F81BD"/>
+                      </a:solidFill>
+                      <a:prstDash val="solid"/>
+                      <a:round/>
+                      <a:headEnd type="none" w="med" len="med"/>
+                      <a:tailEnd type="none" w="med" len="med"/>
+                    </a:lnT>
+                    <a:lnB w="12700" cap="flat" cmpd="sng" algn="ctr">
+                      <a:solidFill>
+                        <a:srgbClr val="4F81BD"/>
+                      </a:solidFill>
+                      <a:prstDash val="solid"/>
+                      <a:round/>
+                      <a:headEnd type="none" w="med" len="med"/>
+                      <a:tailEnd type="none" w="med" len="med"/>
+                    </a:lnB>
+                  </a:tcPr>
+                </a:tc>
+                <a:tc>
+                  <a:txBody>
+                    <a:bodyPr/>
+                    <a:lstStyle/>
+                    <a:p>
+                      <a:pPr marL="0" marR="0" algn="ctr">
+                        <a:spcBef>
+                          <a:spcPts val="0"/>
+                        </a:spcBef>
+                        <a:spcAft>
+                          <a:spcPts val="0"/>
+                        </a:spcAft>
+                      </a:pPr>
+                      <a:r>
+                        <a:rPr lang="en-US" sz="1200">
+                          <a:solidFill>
+                            <a:schemeClr val="tx2"/>
+                          </a:solidFill>
+                          <a:latin typeface="Times New Roman"/>
+                          <a:ea typeface="Times New Roman"/>
+                        </a:rPr>
+                        <a:t>7/2007</a:t>
+                      </a:r>
+                    </a:p>
+                  </a:txBody>
+                  <a:tcPr marL="68580" marR="68580" marT="0" marB="0">
+                    <a:lnL>
+                      <a:noFill/>
+                    </a:lnL>
+                    <a:lnR>
+                      <a:noFill/>
+                    </a:lnR>
+                    <a:lnT w="12700" cap="flat" cmpd="sng" algn="ctr">
+                      <a:solidFill>
+                        <a:srgbClr val="4F81BD"/>
+                      </a:solidFill>
+                      <a:prstDash val="solid"/>
+                      <a:round/>
+                      <a:headEnd type="none" w="med" len="med"/>
+                      <a:tailEnd type="none" w="med" len="med"/>
+                    </a:lnT>
+                    <a:lnB w="12700" cap="flat" cmpd="sng" algn="ctr">
+                      <a:solidFill>
+                        <a:srgbClr val="4F81BD"/>
+                      </a:solidFill>
+                      <a:prstDash val="solid"/>
+                      <a:round/>
+                      <a:headEnd type="none" w="med" len="med"/>
+                      <a:tailEnd type="none" w="med" len="med"/>
+                    </a:lnB>
+                  </a:tcPr>
+                </a:tc>
+                <a:tc>
+                  <a:txBody>
+                    <a:bodyPr/>
+                    <a:lstStyle/>
+                    <a:p>
+                      <a:pPr marL="0" marR="0" algn="ctr">
+                        <a:spcBef>
+                          <a:spcPts val="0"/>
+                        </a:spcBef>
+                        <a:spcAft>
+                          <a:spcPts val="0"/>
+                        </a:spcAft>
+                      </a:pPr>
+                      <a:r>
+                        <a:rPr lang="en-US" sz="1200" u="sng" dirty="0">
+                          <a:solidFill>
+                            <a:schemeClr val="tx2"/>
+                          </a:solidFill>
+                          <a:latin typeface="Times New Roman"/>
+                          <a:ea typeface="Times New Roman"/>
+                          <a:hlinkClick r:id="rId12" action="ppaction://hlinkfile"/>
+                        </a:rPr>
+                        <a:t>Link</a:t>
+                      </a:r>
+                      <a:endParaRPr lang="en-US" sz="1200" dirty="0">
+                        <a:solidFill>
+                          <a:schemeClr val="tx2"/>
+                        </a:solidFill>
+                        <a:latin typeface="Times New Roman"/>
+                        <a:ea typeface="Times New Roman"/>
+                      </a:endParaRPr>
+                    </a:p>
+                  </a:txBody>
+                  <a:tcPr marL="68580" marR="68580" marT="0" marB="0">
+                    <a:lnL>
+                      <a:noFill/>
+                    </a:lnL>
+                    <a:lnR w="12700" cap="flat" cmpd="sng" algn="ctr">
+                      <a:solidFill>
+                        <a:srgbClr val="4F81BD"/>
+                      </a:solidFill>
+                      <a:prstDash val="solid"/>
+                      <a:round/>
+                      <a:headEnd type="none" w="med" len="med"/>
+                      <a:tailEnd type="none" w="med" len="med"/>
+                    </a:lnR>
+                    <a:lnT w="12700" cap="flat" cmpd="sng" algn="ctr">
+                      <a:solidFill>
+                        <a:srgbClr val="4F81BD"/>
+                      </a:solidFill>
+                      <a:prstDash val="solid"/>
+                      <a:round/>
+                      <a:headEnd type="none" w="med" len="med"/>
+                      <a:tailEnd type="none" w="med" len="med"/>
+                    </a:lnT>
+                    <a:lnB w="12700" cap="flat" cmpd="sng" algn="ctr">
+                      <a:solidFill>
+                        <a:srgbClr val="4F81BD"/>
+                      </a:solidFill>
+                      <a:prstDash val="solid"/>
+                      <a:round/>
+                      <a:headEnd type="none" w="med" len="med"/>
+                      <a:tailEnd type="none" w="med" len="med"/>
+                    </a:lnB>
+                  </a:tcPr>
+                </a:tc>
+              </a:tr>
+              <a:tr h="0">
+                <a:tc>
+                  <a:txBody>
+                    <a:bodyPr/>
+                    <a:lstStyle/>
+                    <a:p>
+                      <a:pPr marL="0" marR="0" algn="ctr">
+                        <a:spcBef>
+                          <a:spcPts val="0"/>
+                        </a:spcBef>
+                        <a:spcAft>
+                          <a:spcPts val="0"/>
+                        </a:spcAft>
+                      </a:pPr>
+                      <a:r>
+                        <a:rPr lang="en-US" sz="1200" b="1">
+                          <a:solidFill>
+                            <a:schemeClr val="tx2"/>
+                          </a:solidFill>
+                          <a:latin typeface="Times New Roman"/>
+                          <a:ea typeface="Times New Roman"/>
+                        </a:rPr>
+                        <a:t>mysql-5.1.22-rc.tar.gz</a:t>
+                      </a:r>
+                      <a:endParaRPr lang="en-US" sz="1200">
+                        <a:solidFill>
+                          <a:schemeClr val="tx2"/>
+                        </a:solidFill>
+                        <a:latin typeface="Times New Roman"/>
+                        <a:ea typeface="Times New Roman"/>
+                      </a:endParaRPr>
+                    </a:p>
+                  </a:txBody>
+                  <a:tcPr marL="68580" marR="68580" marT="0" marB="0">
+                    <a:lnL w="12700" cap="flat" cmpd="sng" algn="ctr">
+                      <a:solidFill>
+                        <a:srgbClr val="4F81BD"/>
+                      </a:solidFill>
+                      <a:prstDash val="solid"/>
+                      <a:round/>
+                      <a:headEnd type="none" w="med" len="med"/>
+                      <a:tailEnd type="none" w="med" len="med"/>
+                    </a:lnL>
+                    <a:lnR>
+                      <a:noFill/>
+                    </a:lnR>
+                    <a:lnT w="12700" cap="flat" cmpd="sng" algn="ctr">
+                      <a:solidFill>
+                        <a:srgbClr val="4F81BD"/>
+                      </a:solidFill>
+                      <a:prstDash val="solid"/>
+                      <a:round/>
+                      <a:headEnd type="none" w="med" len="med"/>
+                      <a:tailEnd type="none" w="med" len="med"/>
+                    </a:lnT>
+                    <a:lnB w="12700" cap="flat" cmpd="sng" algn="ctr">
+                      <a:solidFill>
+                        <a:srgbClr val="4F81BD"/>
+                      </a:solidFill>
+                      <a:prstDash val="solid"/>
+                      <a:round/>
+                      <a:headEnd type="none" w="med" len="med"/>
+                      <a:tailEnd type="none" w="med" len="med"/>
+                    </a:lnB>
+                  </a:tcPr>
+                </a:tc>
+                <a:tc>
+                  <a:txBody>
+                    <a:bodyPr/>
+                    <a:lstStyle/>
+                    <a:p>
+                      <a:pPr marL="0" marR="0" algn="ctr">
+                        <a:spcBef>
+                          <a:spcPts val="0"/>
+                        </a:spcBef>
+                        <a:spcAft>
+                          <a:spcPts val="0"/>
+                        </a:spcAft>
+                      </a:pPr>
+                      <a:r>
+                        <a:rPr lang="en-US" sz="1200">
+                          <a:solidFill>
+                            <a:schemeClr val="tx2"/>
+                          </a:solidFill>
+                          <a:latin typeface="Times New Roman"/>
+                          <a:ea typeface="Times New Roman"/>
+                        </a:rPr>
+                        <a:t>9/2007</a:t>
+                      </a:r>
+                    </a:p>
+                  </a:txBody>
+                  <a:tcPr marL="68580" marR="68580" marT="0" marB="0">
+                    <a:lnL>
+                      <a:noFill/>
+                    </a:lnL>
+                    <a:lnR>
+                      <a:noFill/>
+                    </a:lnR>
+                    <a:lnT w="12700" cap="flat" cmpd="sng" algn="ctr">
+                      <a:solidFill>
+                        <a:srgbClr val="4F81BD"/>
+                      </a:solidFill>
+                      <a:prstDash val="solid"/>
+                      <a:round/>
+                      <a:headEnd type="none" w="med" len="med"/>
+                      <a:tailEnd type="none" w="med" len="med"/>
+                    </a:lnT>
+                    <a:lnB w="12700" cap="flat" cmpd="sng" algn="ctr">
+                      <a:solidFill>
+                        <a:srgbClr val="4F81BD"/>
+                      </a:solidFill>
+                      <a:prstDash val="solid"/>
+                      <a:round/>
+                      <a:headEnd type="none" w="med" len="med"/>
+                      <a:tailEnd type="none" w="med" len="med"/>
+                    </a:lnB>
+                  </a:tcPr>
+                </a:tc>
+                <a:tc>
+                  <a:txBody>
+                    <a:bodyPr/>
+                    <a:lstStyle/>
+                    <a:p>
+                      <a:pPr marL="0" marR="0" algn="ctr">
+                        <a:spcBef>
+                          <a:spcPts val="0"/>
+                        </a:spcBef>
+                        <a:spcAft>
+                          <a:spcPts val="0"/>
+                        </a:spcAft>
+                      </a:pPr>
+                      <a:r>
+                        <a:rPr lang="en-US" sz="1200" u="sng" dirty="0">
+                          <a:solidFill>
+                            <a:schemeClr val="tx2"/>
+                          </a:solidFill>
+                          <a:latin typeface="Times New Roman"/>
+                          <a:ea typeface="Times New Roman"/>
+                          <a:hlinkClick r:id="rId13" action="ppaction://hlinkfile"/>
+                        </a:rPr>
+                        <a:t>Link</a:t>
+                      </a:r>
+                      <a:endParaRPr lang="en-US" sz="1200" dirty="0">
+                        <a:solidFill>
+                          <a:schemeClr val="tx2"/>
+                        </a:solidFill>
+                        <a:latin typeface="Times New Roman"/>
+                        <a:ea typeface="Times New Roman"/>
+                      </a:endParaRPr>
+                    </a:p>
+                  </a:txBody>
+                  <a:tcPr marL="68580" marR="68580" marT="0" marB="0">
+                    <a:lnL>
+                      <a:noFill/>
+                    </a:lnL>
+                    <a:lnR w="12700" cap="flat" cmpd="sng" algn="ctr">
+                      <a:solidFill>
+                        <a:srgbClr val="4F81BD"/>
+                      </a:solidFill>
+                      <a:prstDash val="solid"/>
+                      <a:round/>
+                      <a:headEnd type="none" w="med" len="med"/>
+                      <a:tailEnd type="none" w="med" len="med"/>
+                    </a:lnR>
+                    <a:lnT w="12700" cap="flat" cmpd="sng" algn="ctr">
+                      <a:solidFill>
+                        <a:srgbClr val="4F81BD"/>
+                      </a:solidFill>
+                      <a:prstDash val="solid"/>
+                      <a:round/>
+                      <a:headEnd type="none" w="med" len="med"/>
+                      <a:tailEnd type="none" w="med" len="med"/>
+                    </a:lnT>
+                    <a:lnB w="12700" cap="flat" cmpd="sng" algn="ctr">
+                      <a:solidFill>
+                        <a:srgbClr val="4F81BD"/>
+                      </a:solidFill>
+                      <a:prstDash val="solid"/>
+                      <a:round/>
+                      <a:headEnd type="none" w="med" len="med"/>
+                      <a:tailEnd type="none" w="med" len="med"/>
+                    </a:lnB>
+                  </a:tcPr>
+                </a:tc>
+              </a:tr>
+              <a:tr h="0">
+                <a:tc>
+                  <a:txBody>
+                    <a:bodyPr/>
+                    <a:lstStyle/>
+                    <a:p>
+                      <a:pPr marL="0" marR="0" algn="ctr">
+                        <a:spcBef>
+                          <a:spcPts val="0"/>
+                        </a:spcBef>
+                        <a:spcAft>
+                          <a:spcPts val="0"/>
+                        </a:spcAft>
+                      </a:pPr>
+                      <a:r>
+                        <a:rPr lang="en-US" sz="1200" b="1">
+                          <a:solidFill>
+                            <a:schemeClr val="tx2"/>
+                          </a:solidFill>
+                          <a:latin typeface="Times New Roman"/>
+                          <a:ea typeface="Times New Roman"/>
+                        </a:rPr>
+                        <a:t>mysql-6.0.2-alpha.tar.gz</a:t>
+                      </a:r>
+                      <a:endParaRPr lang="en-US" sz="1200">
+                        <a:solidFill>
+                          <a:schemeClr val="tx2"/>
+                        </a:solidFill>
+                        <a:latin typeface="Times New Roman"/>
+                        <a:ea typeface="Times New Roman"/>
+                      </a:endParaRPr>
+                    </a:p>
+                  </a:txBody>
+                  <a:tcPr marL="68580" marR="68580" marT="0" marB="0">
+                    <a:lnL w="12700" cap="flat" cmpd="sng" algn="ctr">
+                      <a:solidFill>
+                        <a:srgbClr val="4F81BD"/>
+                      </a:solidFill>
+                      <a:prstDash val="solid"/>
+                      <a:round/>
+                      <a:headEnd type="none" w="med" len="med"/>
+                      <a:tailEnd type="none" w="med" len="med"/>
+                    </a:lnL>
+                    <a:lnR>
+                      <a:noFill/>
+                    </a:lnR>
+                    <a:lnT w="12700" cap="flat" cmpd="sng" algn="ctr">
+                      <a:solidFill>
+                        <a:srgbClr val="4F81BD"/>
+                      </a:solidFill>
+                      <a:prstDash val="solid"/>
+                      <a:round/>
+                      <a:headEnd type="none" w="med" len="med"/>
+                      <a:tailEnd type="none" w="med" len="med"/>
+                    </a:lnT>
+                    <a:lnB w="12700" cap="flat" cmpd="sng" algn="ctr">
+                      <a:solidFill>
+                        <a:srgbClr val="4F81BD"/>
+                      </a:solidFill>
+                      <a:prstDash val="solid"/>
+                      <a:round/>
+                      <a:headEnd type="none" w="med" len="med"/>
+                      <a:tailEnd type="none" w="med" len="med"/>
+                    </a:lnB>
+                  </a:tcPr>
+                </a:tc>
+                <a:tc>
+                  <a:txBody>
+                    <a:bodyPr/>
+                    <a:lstStyle/>
+                    <a:p>
+                      <a:pPr marL="0" marR="0" algn="ctr">
+                        <a:spcBef>
+                          <a:spcPts val="0"/>
+                        </a:spcBef>
+                        <a:spcAft>
+                          <a:spcPts val="0"/>
+                        </a:spcAft>
+                      </a:pPr>
+                      <a:r>
+                        <a:rPr lang="en-US" sz="1200">
+                          <a:solidFill>
+                            <a:schemeClr val="tx2"/>
+                          </a:solidFill>
+                          <a:latin typeface="Times New Roman"/>
+                          <a:ea typeface="Times New Roman"/>
+                        </a:rPr>
+                        <a:t>9/2007</a:t>
+                      </a:r>
+                    </a:p>
+                  </a:txBody>
+                  <a:tcPr marL="68580" marR="68580" marT="0" marB="0">
+                    <a:lnL>
+                      <a:noFill/>
+                    </a:lnL>
+                    <a:lnR>
+                      <a:noFill/>
+                    </a:lnR>
+                    <a:lnT w="12700" cap="flat" cmpd="sng" algn="ctr">
+                      <a:solidFill>
+                        <a:srgbClr val="4F81BD"/>
+                      </a:solidFill>
+                      <a:prstDash val="solid"/>
+                      <a:round/>
+                      <a:headEnd type="none" w="med" len="med"/>
+                      <a:tailEnd type="none" w="med" len="med"/>
+                    </a:lnT>
+                    <a:lnB w="12700" cap="flat" cmpd="sng" algn="ctr">
+                      <a:solidFill>
+                        <a:srgbClr val="4F81BD"/>
+                      </a:solidFill>
+                      <a:prstDash val="solid"/>
+                      <a:round/>
+                      <a:headEnd type="none" w="med" len="med"/>
+                      <a:tailEnd type="none" w="med" len="med"/>
+                    </a:lnB>
+                  </a:tcPr>
+                </a:tc>
+                <a:tc>
+                  <a:txBody>
+                    <a:bodyPr/>
+                    <a:lstStyle/>
+                    <a:p>
+                      <a:pPr marL="0" marR="0" algn="ctr">
+                        <a:spcBef>
+                          <a:spcPts val="0"/>
+                        </a:spcBef>
+                        <a:spcAft>
+                          <a:spcPts val="0"/>
+                        </a:spcAft>
+                      </a:pPr>
+                      <a:r>
+                        <a:rPr lang="en-US" sz="1200" u="sng" dirty="0">
+                          <a:solidFill>
+                            <a:schemeClr val="tx2"/>
+                          </a:solidFill>
+                          <a:latin typeface="Times New Roman"/>
+                          <a:ea typeface="Times New Roman"/>
+                          <a:hlinkClick r:id="rId13" action="ppaction://hlinkfile"/>
+                        </a:rPr>
+                        <a:t>Link</a:t>
+                      </a:r>
+                      <a:endParaRPr lang="en-US" sz="1200" dirty="0">
+                        <a:solidFill>
+                          <a:schemeClr val="tx2"/>
+                        </a:solidFill>
+                        <a:latin typeface="Times New Roman"/>
+                        <a:ea typeface="Times New Roman"/>
+                      </a:endParaRPr>
+                    </a:p>
+                  </a:txBody>
+                  <a:tcPr marL="68580" marR="68580" marT="0" marB="0">
+                    <a:lnL>
+                      <a:noFill/>
+                    </a:lnL>
+                    <a:lnR w="12700" cap="flat" cmpd="sng" algn="ctr">
+                      <a:solidFill>
+                        <a:srgbClr val="4F81BD"/>
+                      </a:solidFill>
+                      <a:prstDash val="solid"/>
+                      <a:round/>
+                      <a:headEnd type="none" w="med" len="med"/>
+                      <a:tailEnd type="none" w="med" len="med"/>
+                    </a:lnR>
+                    <a:lnT w="12700" cap="flat" cmpd="sng" algn="ctr">
+                      <a:solidFill>
+                        <a:srgbClr val="4F81BD"/>
+                      </a:solidFill>
+                      <a:prstDash val="solid"/>
+                      <a:round/>
+                      <a:headEnd type="none" w="med" len="med"/>
+                      <a:tailEnd type="none" w="med" len="med"/>
+                    </a:lnT>
+                    <a:lnB w="12700" cap="flat" cmpd="sng" algn="ctr">
+                      <a:solidFill>
+                        <a:srgbClr val="4F81BD"/>
+                      </a:solidFill>
+                      <a:prstDash val="solid"/>
+                      <a:round/>
+                      <a:headEnd type="none" w="med" len="med"/>
+                      <a:tailEnd type="none" w="med" len="med"/>
+                    </a:lnB>
+                  </a:tcPr>
+                </a:tc>
+              </a:tr>
+              <a:tr h="0">
+                <a:tc>
+                  <a:txBody>
+                    <a:bodyPr/>
+                    <a:lstStyle/>
+                    <a:p>
+                      <a:pPr marL="0" marR="0" algn="ctr">
+                        <a:spcBef>
+                          <a:spcPts val="0"/>
+                        </a:spcBef>
+                        <a:spcAft>
+                          <a:spcPts val="0"/>
+                        </a:spcAft>
+                      </a:pPr>
+                      <a:r>
+                        <a:rPr lang="en-US" sz="1200" b="1">
+                          <a:solidFill>
+                            <a:schemeClr val="tx2"/>
+                          </a:solidFill>
+                          <a:latin typeface="Times New Roman"/>
+                          <a:ea typeface="Times New Roman"/>
+                        </a:rPr>
+                        <a:t>mysql-6.0.3-alpha.tar.gz</a:t>
+                      </a:r>
+                      <a:endParaRPr lang="en-US" sz="1200">
+                        <a:solidFill>
+                          <a:schemeClr val="tx2"/>
+                        </a:solidFill>
+                        <a:latin typeface="Times New Roman"/>
+                        <a:ea typeface="Times New Roman"/>
+                      </a:endParaRPr>
+                    </a:p>
+                  </a:txBody>
+                  <a:tcPr marL="68580" marR="68580" marT="0" marB="0">
+                    <a:lnL w="12700" cap="flat" cmpd="sng" algn="ctr">
+                      <a:solidFill>
+                        <a:srgbClr val="4F81BD"/>
+                      </a:solidFill>
+                      <a:prstDash val="solid"/>
+                      <a:round/>
+                      <a:headEnd type="none" w="med" len="med"/>
+                      <a:tailEnd type="none" w="med" len="med"/>
+                    </a:lnL>
+                    <a:lnR>
+                      <a:noFill/>
+                    </a:lnR>
+                    <a:lnT w="12700" cap="flat" cmpd="sng" algn="ctr">
+                      <a:solidFill>
+                        <a:srgbClr val="4F81BD"/>
+                      </a:solidFill>
+                      <a:prstDash val="solid"/>
+                      <a:round/>
+                      <a:headEnd type="none" w="med" len="med"/>
+                      <a:tailEnd type="none" w="med" len="med"/>
+                    </a:lnT>
+                    <a:lnB w="12700" cap="flat" cmpd="sng" algn="ctr">
+                      <a:solidFill>
+                        <a:srgbClr val="4F81BD"/>
+                      </a:solidFill>
+                      <a:prstDash val="solid"/>
+                      <a:round/>
+                      <a:headEnd type="none" w="med" len="med"/>
+                      <a:tailEnd type="none" w="med" len="med"/>
+                    </a:lnB>
+                  </a:tcPr>
+                </a:tc>
+                <a:tc>
+                  <a:txBody>
+                    <a:bodyPr/>
+                    <a:lstStyle/>
+                    <a:p>
+                      <a:pPr marL="0" marR="0" algn="ctr">
+                        <a:spcBef>
+                          <a:spcPts val="0"/>
+                        </a:spcBef>
+                        <a:spcAft>
+                          <a:spcPts val="0"/>
+                        </a:spcAft>
+                      </a:pPr>
+                      <a:r>
+                        <a:rPr lang="en-US" sz="1200">
+                          <a:solidFill>
+                            <a:schemeClr val="tx2"/>
+                          </a:solidFill>
+                          <a:latin typeface="Times New Roman"/>
+                          <a:ea typeface="Times New Roman"/>
+                        </a:rPr>
+                        <a:t>11/2007</a:t>
+                      </a:r>
+                    </a:p>
+                  </a:txBody>
+                  <a:tcPr marL="68580" marR="68580" marT="0" marB="0">
+                    <a:lnL>
+                      <a:noFill/>
+                    </a:lnL>
+                    <a:lnR>
+                      <a:noFill/>
+                    </a:lnR>
+                    <a:lnT w="12700" cap="flat" cmpd="sng" algn="ctr">
+                      <a:solidFill>
+                        <a:srgbClr val="4F81BD"/>
+                      </a:solidFill>
+                      <a:prstDash val="solid"/>
+                      <a:round/>
+                      <a:headEnd type="none" w="med" len="med"/>
+                      <a:tailEnd type="none" w="med" len="med"/>
+                    </a:lnT>
+                    <a:lnB w="12700" cap="flat" cmpd="sng" algn="ctr">
+                      <a:solidFill>
+                        <a:srgbClr val="4F81BD"/>
+                      </a:solidFill>
+                      <a:prstDash val="solid"/>
+                      <a:round/>
+                      <a:headEnd type="none" w="med" len="med"/>
+                      <a:tailEnd type="none" w="med" len="med"/>
+                    </a:lnB>
+                  </a:tcPr>
+                </a:tc>
+                <a:tc>
+                  <a:txBody>
+                    <a:bodyPr/>
+                    <a:lstStyle/>
+                    <a:p>
+                      <a:pPr marL="0" marR="0" algn="ctr">
+                        <a:spcBef>
+                          <a:spcPts val="0"/>
+                        </a:spcBef>
+                        <a:spcAft>
+                          <a:spcPts val="0"/>
+                        </a:spcAft>
+                      </a:pPr>
+                      <a:r>
+                        <a:rPr lang="en-US" sz="1200" u="sng" dirty="0">
+                          <a:solidFill>
+                            <a:schemeClr val="tx2"/>
+                          </a:solidFill>
+                          <a:latin typeface="Times New Roman"/>
+                          <a:ea typeface="Times New Roman"/>
+                          <a:hlinkClick r:id="rId14" action="ppaction://hlinkfile"/>
+                        </a:rPr>
+                        <a:t>Link</a:t>
+                      </a:r>
+                      <a:endParaRPr lang="en-US" sz="1200" dirty="0">
+                        <a:solidFill>
+                          <a:schemeClr val="tx2"/>
+                        </a:solidFill>
+                        <a:latin typeface="Times New Roman"/>
+                        <a:ea typeface="Times New Roman"/>
+                      </a:endParaRPr>
+                    </a:p>
+                  </a:txBody>
+                  <a:tcPr marL="68580" marR="68580" marT="0" marB="0">
+                    <a:lnL>
+                      <a:noFill/>
+                    </a:lnL>
+                    <a:lnR w="12700" cap="flat" cmpd="sng" algn="ctr">
+                      <a:solidFill>
+                        <a:srgbClr val="4F81BD"/>
+                      </a:solidFill>
+                      <a:prstDash val="solid"/>
+                      <a:round/>
+                      <a:headEnd type="none" w="med" len="med"/>
+                      <a:tailEnd type="none" w="med" len="med"/>
+                    </a:lnR>
+                    <a:lnT w="12700" cap="flat" cmpd="sng" algn="ctr">
+                      <a:solidFill>
+                        <a:srgbClr val="4F81BD"/>
+                      </a:solidFill>
+                      <a:prstDash val="solid"/>
+                      <a:round/>
+                      <a:headEnd type="none" w="med" len="med"/>
+                      <a:tailEnd type="none" w="med" len="med"/>
+                    </a:lnT>
+                    <a:lnB w="12700" cap="flat" cmpd="sng" algn="ctr">
+                      <a:solidFill>
+                        <a:srgbClr val="4F81BD"/>
+                      </a:solidFill>
+                      <a:prstDash val="solid"/>
+                      <a:round/>
+                      <a:headEnd type="none" w="med" len="med"/>
+                      <a:tailEnd type="none" w="med" len="med"/>
+                    </a:lnB>
+                  </a:tcPr>
+                </a:tc>
+              </a:tr>
+              <a:tr h="0">
+                <a:tc>
+                  <a:txBody>
+                    <a:bodyPr/>
+                    <a:lstStyle/>
+                    <a:p>
+                      <a:pPr marL="0" marR="0" algn="ctr">
+                        <a:spcBef>
+                          <a:spcPts val="0"/>
+                        </a:spcBef>
+                        <a:spcAft>
+                          <a:spcPts val="0"/>
+                        </a:spcAft>
+                      </a:pPr>
+                      <a:r>
+                        <a:rPr lang="en-US" sz="1200" b="1">
+                          <a:solidFill>
+                            <a:schemeClr val="tx2"/>
+                          </a:solidFill>
+                          <a:latin typeface="Times New Roman"/>
+                          <a:ea typeface="Times New Roman"/>
+                        </a:rPr>
+                        <a:t>mysql-5.1.23-rc.tar.gz</a:t>
+                      </a:r>
+                      <a:endParaRPr lang="en-US" sz="1200">
+                        <a:solidFill>
+                          <a:schemeClr val="tx2"/>
+                        </a:solidFill>
+                        <a:latin typeface="Times New Roman"/>
+                        <a:ea typeface="Times New Roman"/>
+                      </a:endParaRPr>
+                    </a:p>
+                  </a:txBody>
+                  <a:tcPr marL="68580" marR="68580" marT="0" marB="0">
+                    <a:lnL w="12700" cap="flat" cmpd="sng" algn="ctr">
+                      <a:solidFill>
+                        <a:srgbClr val="4F81BD"/>
+                      </a:solidFill>
+                      <a:prstDash val="solid"/>
+                      <a:round/>
+                      <a:headEnd type="none" w="med" len="med"/>
+                      <a:tailEnd type="none" w="med" len="med"/>
+                    </a:lnL>
+                    <a:lnR>
+                      <a:noFill/>
+                    </a:lnR>
+                    <a:lnT w="12700" cap="flat" cmpd="sng" algn="ctr">
+                      <a:solidFill>
+                        <a:srgbClr val="4F81BD"/>
+                      </a:solidFill>
+                      <a:prstDash val="solid"/>
+                      <a:round/>
+                      <a:headEnd type="none" w="med" len="med"/>
+                      <a:tailEnd type="none" w="med" len="med"/>
+                    </a:lnT>
+                    <a:lnB w="12700" cap="flat" cmpd="sng" algn="ctr">
+                      <a:solidFill>
+                        <a:srgbClr val="4F81BD"/>
+                      </a:solidFill>
+                      <a:prstDash val="solid"/>
+                      <a:round/>
+                      <a:headEnd type="none" w="med" len="med"/>
+                      <a:tailEnd type="none" w="med" len="med"/>
+                    </a:lnB>
+                  </a:tcPr>
+                </a:tc>
+                <a:tc>
+                  <a:txBody>
+                    <a:bodyPr/>
+                    <a:lstStyle/>
+                    <a:p>
+                      <a:pPr marL="0" marR="0" algn="ctr">
+                        <a:spcBef>
+                          <a:spcPts val="0"/>
+                        </a:spcBef>
+                        <a:spcAft>
+                          <a:spcPts val="0"/>
+                        </a:spcAft>
+                      </a:pPr>
+                      <a:r>
+                        <a:rPr lang="en-US" sz="1200">
+                          <a:solidFill>
+                            <a:schemeClr val="tx2"/>
+                          </a:solidFill>
+                          <a:latin typeface="Times New Roman"/>
+                          <a:ea typeface="Times New Roman"/>
+                        </a:rPr>
+                        <a:t>1/2008</a:t>
+                      </a:r>
+                    </a:p>
+                  </a:txBody>
+                  <a:tcPr marL="68580" marR="68580" marT="0" marB="0">
+                    <a:lnL>
+                      <a:noFill/>
+                    </a:lnL>
+                    <a:lnR>
+                      <a:noFill/>
+                    </a:lnR>
+                    <a:lnT w="12700" cap="flat" cmpd="sng" algn="ctr">
+                      <a:solidFill>
+                        <a:srgbClr val="4F81BD"/>
+                      </a:solidFill>
+                      <a:prstDash val="solid"/>
+                      <a:round/>
+                      <a:headEnd type="none" w="med" len="med"/>
+                      <a:tailEnd type="none" w="med" len="med"/>
+                    </a:lnT>
+                    <a:lnB w="12700" cap="flat" cmpd="sng" algn="ctr">
+                      <a:solidFill>
+                        <a:srgbClr val="4F81BD"/>
+                      </a:solidFill>
+                      <a:prstDash val="solid"/>
+                      <a:round/>
+                      <a:headEnd type="none" w="med" len="med"/>
+                      <a:tailEnd type="none" w="med" len="med"/>
+                    </a:lnB>
+                  </a:tcPr>
+                </a:tc>
+                <a:tc>
+                  <a:txBody>
+                    <a:bodyPr/>
+                    <a:lstStyle/>
+                    <a:p>
+                      <a:pPr marL="0" marR="0" algn="ctr">
+                        <a:spcBef>
+                          <a:spcPts val="0"/>
+                        </a:spcBef>
+                        <a:spcAft>
+                          <a:spcPts val="0"/>
+                        </a:spcAft>
+                      </a:pPr>
+                      <a:r>
+                        <a:rPr lang="en-US" sz="1200" u="sng" dirty="0">
+                          <a:solidFill>
+                            <a:schemeClr val="tx2"/>
+                          </a:solidFill>
+                          <a:latin typeface="Times New Roman"/>
+                          <a:ea typeface="Times New Roman"/>
+                          <a:hlinkClick r:id="rId15" action="ppaction://hlinkfile"/>
+                        </a:rPr>
+                        <a:t>Link</a:t>
+                      </a:r>
+                      <a:endParaRPr lang="en-US" sz="1200" dirty="0">
+                        <a:solidFill>
+                          <a:schemeClr val="tx2"/>
+                        </a:solidFill>
+                        <a:latin typeface="Times New Roman"/>
+                        <a:ea typeface="Times New Roman"/>
+                      </a:endParaRPr>
+                    </a:p>
+                  </a:txBody>
+                  <a:tcPr marL="68580" marR="68580" marT="0" marB="0">
+                    <a:lnL>
+                      <a:noFill/>
+                    </a:lnL>
+                    <a:lnR w="12700" cap="flat" cmpd="sng" algn="ctr">
+                      <a:solidFill>
+                        <a:srgbClr val="4F81BD"/>
+                      </a:solidFill>
+                      <a:prstDash val="solid"/>
+                      <a:round/>
+                      <a:headEnd type="none" w="med" len="med"/>
+                      <a:tailEnd type="none" w="med" len="med"/>
+                    </a:lnR>
+                    <a:lnT w="12700" cap="flat" cmpd="sng" algn="ctr">
+                      <a:solidFill>
+                        <a:srgbClr val="4F81BD"/>
+                      </a:solidFill>
+                      <a:prstDash val="solid"/>
+                      <a:round/>
+                      <a:headEnd type="none" w="med" len="med"/>
+                      <a:tailEnd type="none" w="med" len="med"/>
+                    </a:lnT>
+                    <a:lnB w="12700" cap="flat" cmpd="sng" algn="ctr">
+                      <a:solidFill>
+                        <a:srgbClr val="4F81BD"/>
+                      </a:solidFill>
+                      <a:prstDash val="solid"/>
+                      <a:round/>
+                      <a:headEnd type="none" w="med" len="med"/>
+                      <a:tailEnd type="none" w="med" len="med"/>
+                    </a:lnB>
+                  </a:tcPr>
+                </a:tc>
+              </a:tr>
+              <a:tr h="0">
+                <a:tc>
+                  <a:txBody>
+                    <a:bodyPr/>
+                    <a:lstStyle/>
+                    <a:p>
+                      <a:pPr marL="0" marR="0" algn="ctr">
+                        <a:spcBef>
+                          <a:spcPts val="0"/>
+                        </a:spcBef>
+                        <a:spcAft>
+                          <a:spcPts val="0"/>
+                        </a:spcAft>
+                      </a:pPr>
+                      <a:r>
+                        <a:rPr lang="en-US" sz="1200" b="1">
+                          <a:solidFill>
+                            <a:schemeClr val="tx2"/>
+                          </a:solidFill>
+                          <a:latin typeface="Times New Roman"/>
+                          <a:ea typeface="Times New Roman"/>
+                        </a:rPr>
+                        <a:t>mysql-6.0.4-alpha.tar.gz</a:t>
+                      </a:r>
+                      <a:endParaRPr lang="en-US" sz="1200">
+                        <a:solidFill>
+                          <a:schemeClr val="tx2"/>
+                        </a:solidFill>
+                        <a:latin typeface="Times New Roman"/>
+                        <a:ea typeface="Times New Roman"/>
+                      </a:endParaRPr>
+                    </a:p>
+                  </a:txBody>
+                  <a:tcPr marL="68580" marR="68580" marT="0" marB="0">
+                    <a:lnL w="12700" cap="flat" cmpd="sng" algn="ctr">
+                      <a:solidFill>
+                        <a:srgbClr val="4F81BD"/>
+                      </a:solidFill>
+                      <a:prstDash val="solid"/>
+                      <a:round/>
+                      <a:headEnd type="none" w="med" len="med"/>
+                      <a:tailEnd type="none" w="med" len="med"/>
+                    </a:lnL>
+                    <a:lnR>
+                      <a:noFill/>
+                    </a:lnR>
+                    <a:lnT w="12700" cap="flat" cmpd="sng" algn="ctr">
+                      <a:solidFill>
+                        <a:srgbClr val="4F81BD"/>
+                      </a:solidFill>
+                      <a:prstDash val="solid"/>
+                      <a:round/>
+                      <a:headEnd type="none" w="med" len="med"/>
+                      <a:tailEnd type="none" w="med" len="med"/>
+                    </a:lnT>
+                    <a:lnB w="12700" cap="flat" cmpd="sng" algn="ctr">
+                      <a:solidFill>
+                        <a:srgbClr val="4F81BD"/>
+                      </a:solidFill>
+                      <a:prstDash val="solid"/>
+                      <a:round/>
+                      <a:headEnd type="none" w="med" len="med"/>
+                      <a:tailEnd type="none" w="med" len="med"/>
+                    </a:lnB>
+                  </a:tcPr>
+                </a:tc>
+                <a:tc>
+                  <a:txBody>
+                    <a:bodyPr/>
+                    <a:lstStyle/>
+                    <a:p>
+                      <a:pPr marL="0" marR="0" algn="ctr">
+                        <a:spcBef>
+                          <a:spcPts val="0"/>
+                        </a:spcBef>
+                        <a:spcAft>
+                          <a:spcPts val="0"/>
+                        </a:spcAft>
+                      </a:pPr>
+                      <a:r>
+                        <a:rPr lang="en-US" sz="1200">
+                          <a:solidFill>
+                            <a:schemeClr val="tx2"/>
+                          </a:solidFill>
+                          <a:latin typeface="Times New Roman"/>
+                          <a:ea typeface="Times New Roman"/>
+                        </a:rPr>
+                        <a:t>3/2008</a:t>
+                      </a:r>
+                    </a:p>
+                  </a:txBody>
+                  <a:tcPr marL="68580" marR="68580" marT="0" marB="0">
+                    <a:lnL>
+                      <a:noFill/>
+                    </a:lnL>
+                    <a:lnR>
+                      <a:noFill/>
+                    </a:lnR>
+                    <a:lnT w="12700" cap="flat" cmpd="sng" algn="ctr">
+                      <a:solidFill>
+                        <a:srgbClr val="4F81BD"/>
+                      </a:solidFill>
+                      <a:prstDash val="solid"/>
+                      <a:round/>
+                      <a:headEnd type="none" w="med" len="med"/>
+                      <a:tailEnd type="none" w="med" len="med"/>
+                    </a:lnT>
+                    <a:lnB w="12700" cap="flat" cmpd="sng" algn="ctr">
+                      <a:solidFill>
+                        <a:srgbClr val="4F81BD"/>
+                      </a:solidFill>
+                      <a:prstDash val="solid"/>
+                      <a:round/>
+                      <a:headEnd type="none" w="med" len="med"/>
+                      <a:tailEnd type="none" w="med" len="med"/>
+                    </a:lnB>
+                  </a:tcPr>
+                </a:tc>
+                <a:tc>
+                  <a:txBody>
+                    <a:bodyPr/>
+                    <a:lstStyle/>
+                    <a:p>
+                      <a:pPr marL="0" marR="0" algn="ctr">
+                        <a:spcBef>
+                          <a:spcPts val="0"/>
+                        </a:spcBef>
+                        <a:spcAft>
+                          <a:spcPts val="0"/>
+                        </a:spcAft>
+                      </a:pPr>
+                      <a:r>
+                        <a:rPr lang="en-US" sz="1200" u="sng" dirty="0">
+                          <a:solidFill>
+                            <a:schemeClr val="tx2"/>
+                          </a:solidFill>
+                          <a:latin typeface="Times New Roman"/>
+                          <a:ea typeface="Times New Roman"/>
+                          <a:hlinkClick r:id="rId16" action="ppaction://hlinkfile"/>
+                        </a:rPr>
+                        <a:t>Link</a:t>
+                      </a:r>
+                      <a:endParaRPr lang="en-US" sz="1200" dirty="0">
+                        <a:solidFill>
+                          <a:schemeClr val="tx2"/>
+                        </a:solidFill>
+                        <a:latin typeface="Times New Roman"/>
+                        <a:ea typeface="Times New Roman"/>
+                      </a:endParaRPr>
+                    </a:p>
+                  </a:txBody>
+                  <a:tcPr marL="68580" marR="68580" marT="0" marB="0">
+                    <a:lnL>
+                      <a:noFill/>
+                    </a:lnL>
+                    <a:lnR w="12700" cap="flat" cmpd="sng" algn="ctr">
+                      <a:solidFill>
+                        <a:srgbClr val="4F81BD"/>
+                      </a:solidFill>
+                      <a:prstDash val="solid"/>
+                      <a:round/>
+                      <a:headEnd type="none" w="med" len="med"/>
+                      <a:tailEnd type="none" w="med" len="med"/>
+                    </a:lnR>
+                    <a:lnT w="12700" cap="flat" cmpd="sng" algn="ctr">
+                      <a:solidFill>
+                        <a:srgbClr val="4F81BD"/>
+                      </a:solidFill>
+                      <a:prstDash val="solid"/>
+                      <a:round/>
+                      <a:headEnd type="none" w="med" len="med"/>
+                      <a:tailEnd type="none" w="med" len="med"/>
+                    </a:lnT>
+                    <a:lnB w="12700" cap="flat" cmpd="sng" algn="ctr">
+                      <a:solidFill>
+                        <a:srgbClr val="4F81BD"/>
+                      </a:solidFill>
+                      <a:prstDash val="solid"/>
+                      <a:round/>
+                      <a:headEnd type="none" w="med" len="med"/>
+                      <a:tailEnd type="none" w="med" len="med"/>
+                    </a:lnB>
+                  </a:tcPr>
+                </a:tc>
+              </a:tr>
+            </a:tbl>
+          </a:graphicData>
+        </a:graphic>
+      </p:graphicFrame>
     </p:spTree>
   </p:cSld>
   <p:clrMapOvr>
@@ -11719,50 +18405,21 @@
           <a:p>
             <a:r>
               <a:rPr lang="en-US" sz="2600" dirty="0" smtClean="0"/>
-              <a:t>As seen from the results and </a:t>
-            </a:r>
+              <a:t>As seen from the results and diagrams, MySQL exhibits the typical core/periphery pattern that is evident in many OSS projects.</a:t>
+            </a:r>
+          </a:p>
+          <a:p>
             <a:r>
               <a:rPr lang="en-US" sz="2600" dirty="0" smtClean="0"/>
-              <a:t>diagrams, MySQL exhibits </a:t>
-            </a:r>
-            <a:r>
-              <a:rPr lang="en-US" sz="2600" dirty="0" smtClean="0"/>
-              <a:t>the typical core/periphery pattern that is evident in </a:t>
-            </a:r>
-            <a:r>
-              <a:rPr lang="en-US" sz="2600" dirty="0" smtClean="0"/>
-              <a:t>many OSS </a:t>
-            </a:r>
-            <a:r>
-              <a:rPr lang="en-US" sz="2600" dirty="0" smtClean="0"/>
-              <a:t>projects.</a:t>
-            </a:r>
-          </a:p>
-          <a:p>
-            <a:r>
-              <a:rPr lang="en-US" sz="2600" dirty="0" smtClean="0"/>
-              <a:t>S</a:t>
-            </a:r>
-            <a:r>
-              <a:rPr lang="en-US" sz="2600" dirty="0" smtClean="0"/>
-              <a:t>ee </a:t>
-            </a:r>
-            <a:r>
-              <a:rPr lang="en-US" sz="2600" dirty="0" smtClean="0"/>
-              <a:t>how the structure of programmers changes from one release to the next.  </a:t>
+              <a:t>See how the structure of programmers changes from one release to the next.  </a:t>
             </a:r>
           </a:p>
           <a:p>
             <a:pPr lvl="1"/>
             <a:r>
               <a:rPr lang="en-US" sz="2400" dirty="0" smtClean="0"/>
-              <a:t>This may be due to issues or changes related to a specific </a:t>
-            </a:r>
-            <a:r>
-              <a:rPr lang="en-US" sz="2400" dirty="0" smtClean="0"/>
-              <a:t>release.</a:t>
-            </a:r>
-            <a:endParaRPr lang="en-US" sz="2400" dirty="0" smtClean="0"/>
+              <a:t>This may be due to issues or changes related to a specific release.</a:t>
+            </a:r>
           </a:p>
           <a:p>
             <a:r>
@@ -11880,31 +18537,7 @@
           <a:p>
             <a:r>
               <a:rPr lang="en-US" sz="2000" dirty="0" smtClean="0"/>
-              <a:t>T</a:t>
-            </a:r>
-            <a:r>
-              <a:rPr lang="en-US" sz="2000" dirty="0" smtClean="0"/>
-              <a:t>he </a:t>
-            </a:r>
-            <a:r>
-              <a:rPr lang="en-US" sz="2000" dirty="0" smtClean="0"/>
-              <a:t>use of the Perl script and database as a common tool may help future research </a:t>
-            </a:r>
-            <a:r>
-              <a:rPr lang="en-US" sz="2000" dirty="0" smtClean="0"/>
-              <a:t>extend this work much </a:t>
-            </a:r>
-            <a:r>
-              <a:rPr lang="en-US" sz="2000" dirty="0" smtClean="0"/>
-              <a:t>quicker.  And </a:t>
-            </a:r>
-            <a:r>
-              <a:rPr lang="en-US" sz="2000" dirty="0" smtClean="0"/>
-              <a:t>the benefits are not </a:t>
-            </a:r>
-            <a:r>
-              <a:rPr lang="en-US" sz="2000" dirty="0" smtClean="0"/>
-              <a:t>just with MySQL, but any other mailing list repository.</a:t>
+              <a:t>The use of the Perl script and database as a common tool may help future research extend this work much quicker.  And the benefits are not just with MySQL, but any other mailing list repository.</a:t>
             </a:r>
             <a:endParaRPr lang="en-US" sz="2000" dirty="0"/>
           </a:p>
@@ -11988,15 +18621,7 @@
             <a:pPr lvl="1"/>
             <a:r>
               <a:rPr lang="en-US" dirty="0" smtClean="0"/>
-              <a:t>Changes in core/periphery between different releases could be </a:t>
-            </a:r>
-            <a:r>
-              <a:rPr lang="en-US" dirty="0" smtClean="0"/>
-              <a:t>due </a:t>
-            </a:r>
-            <a:r>
-              <a:rPr lang="en-US" dirty="0" smtClean="0"/>
-              <a:t>to specific changes or issues with that release.</a:t>
+              <a:t>Changes in core/periphery between different releases could be due to specific changes or issues with that release.</a:t>
             </a:r>
           </a:p>
           <a:p>
@@ -12015,13 +18640,8 @@
           <a:p>
             <a:r>
               <a:rPr lang="en-US" dirty="0" smtClean="0"/>
-              <a:t>Finally, again we see a core/periphery structure being exhibited in a successful OSS project.  This result cannot be a coincidence and may be a source for success for </a:t>
-            </a:r>
-            <a:r>
-              <a:rPr lang="en-US" dirty="0" smtClean="0"/>
-              <a:t>traditional DSD projects.</a:t>
-            </a:r>
-            <a:endParaRPr lang="en-US" dirty="0" smtClean="0"/>
+              <a:t>Finally, again we see a core/periphery structure being exhibited in a successful OSS project.  This result cannot be a coincidence and may be a source for success for traditional DSD projects.</a:t>
+            </a:r>
           </a:p>
           <a:p>
             <a:pPr lvl="1"/>
@@ -12094,13 +18714,8 @@
           <a:p>
             <a:r>
               <a:rPr lang="en-US" dirty="0" smtClean="0"/>
-              <a:t>MSR – Mining Software </a:t>
-            </a:r>
-            <a:r>
-              <a:rPr lang="en-US" dirty="0" smtClean="0"/>
-              <a:t>Repositories.</a:t>
-            </a:r>
-            <a:endParaRPr lang="en-US" dirty="0" smtClean="0"/>
+              <a:t>MSR – Mining Software Repositories.</a:t>
+            </a:r>
           </a:p>
           <a:p>
             <a:r>
@@ -12125,11 +18740,7 @@
             <a:pPr lvl="1"/>
             <a:r>
               <a:rPr lang="en-US" sz="2200" dirty="0" smtClean="0"/>
-              <a:t>Gives </a:t>
-            </a:r>
-            <a:r>
-              <a:rPr lang="en-US" sz="2200" dirty="0" smtClean="0"/>
-              <a:t>guidance on the current health of a project. </a:t>
+              <a:t>Gives guidance on the current health of a project. </a:t>
             </a:r>
           </a:p>
           <a:p>
@@ -12142,15 +18753,7 @@
             <a:pPr lvl="1"/>
             <a:r>
               <a:rPr lang="en-US" sz="2200" dirty="0" smtClean="0"/>
-              <a:t>Historical data can be stored in a variety of formats. </a:t>
-            </a:r>
-            <a:r>
-              <a:rPr lang="en-US" sz="2200" dirty="0" smtClean="0"/>
-              <a:t>For </a:t>
-            </a:r>
-            <a:r>
-              <a:rPr lang="en-US" sz="2200" dirty="0" smtClean="0"/>
-              <a:t>instance, you can have CVS repositories, news groups, bug tracking, etc.</a:t>
+              <a:t>Historical data can be stored in a variety of formats. For instance, you can have CVS repositories, news groups, bug tracking, etc.</a:t>
             </a:r>
           </a:p>
           <a:p>
@@ -12237,47 +18840,26 @@
               <a:rPr lang="en-US" dirty="0" smtClean="0"/>
               <a:t>Further research could involve looking at beginning releases of MySQL:</a:t>
             </a:r>
-            <a:endParaRPr lang="en-US" dirty="0" smtClean="0"/>
           </a:p>
           <a:p>
             <a:pPr lvl="1"/>
             <a:r>
               <a:rPr lang="en-US" dirty="0" smtClean="0"/>
-              <a:t>Do you think that core/periphery will be present from the </a:t>
-            </a:r>
+              <a:t>Do you think that core/periphery will be present from the beginning? If not, at what point will we see it?</a:t>
+            </a:r>
+            <a:endParaRPr lang="en-US" dirty="0"/>
+          </a:p>
+          <a:p>
             <a:r>
               <a:rPr lang="en-US" dirty="0" smtClean="0"/>
-              <a:t>beginning? If </a:t>
-            </a:r>
+              <a:t>How would a core/periphery structure look in a DSD environment?</a:t>
+            </a:r>
+          </a:p>
+          <a:p>
+            <a:pPr lvl="1"/>
             <a:r>
               <a:rPr lang="en-US" dirty="0" smtClean="0"/>
-              <a:t>not, at what point will we see it?</a:t>
-            </a:r>
-            <a:endParaRPr lang="en-US" dirty="0"/>
-          </a:p>
-          <a:p>
-            <a:r>
-              <a:rPr lang="en-US" dirty="0" smtClean="0"/>
-              <a:t>How would a core/periphery structure look </a:t>
-            </a:r>
-            <a:r>
-              <a:rPr lang="en-US" dirty="0" smtClean="0"/>
-              <a:t>in </a:t>
-            </a:r>
-            <a:r>
-              <a:rPr lang="en-US" dirty="0" smtClean="0"/>
-              <a:t>a DSD environment?</a:t>
-            </a:r>
-          </a:p>
-          <a:p>
-            <a:pPr lvl="1"/>
-            <a:r>
-              <a:rPr lang="en-US" dirty="0" smtClean="0"/>
-              <a:t>Does it have to be DSD?  Can core/periphery be used in co-located </a:t>
-            </a:r>
-            <a:r>
-              <a:rPr lang="en-US" dirty="0" smtClean="0"/>
-              <a:t>environment as well?</a:t>
+              <a:t>Does it have to be DSD?  Can core/periphery be used in co-located environment as well?</a:t>
             </a:r>
           </a:p>
           <a:p>
@@ -12289,13 +18871,8 @@
           <a:p>
             <a:r>
               <a:rPr lang="en-US" dirty="0" smtClean="0"/>
-              <a:t>Common formats again – How would it have helped here? </a:t>
-            </a:r>
-            <a:r>
-              <a:rPr lang="en-US" dirty="0" smtClean="0"/>
-              <a:t>How would it affect reproducibility and extensibility?</a:t>
-            </a:r>
-            <a:endParaRPr lang="en-US" dirty="0" smtClean="0"/>
+              <a:t>Common formats again – How would it have helped here? How would it affect reproducibility and extensibility?</a:t>
+            </a:r>
           </a:p>
         </p:txBody>
       </p:sp>
@@ -12403,26 +18980,14 @@
             <a:pPr lvl="1"/>
             <a:r>
               <a:rPr lang="en-US" dirty="0" smtClean="0"/>
-              <a:t>Suggest </a:t>
-            </a:r>
+              <a:t>Suggest that there is value in developing data extraction tools and techniques outside of the research analysis.</a:t>
+            </a:r>
+          </a:p>
+          <a:p>
+            <a:pPr lvl="1"/>
             <a:r>
               <a:rPr lang="en-US" dirty="0" smtClean="0"/>
-              <a:t>that there is value in developing data extraction tools and techniques outside of the research analysis.</a:t>
-            </a:r>
-          </a:p>
-          <a:p>
-            <a:pPr lvl="1"/>
-            <a:r>
-              <a:rPr lang="en-US" dirty="0" smtClean="0"/>
-              <a:t>Goal:  </a:t>
-            </a:r>
-            <a:r>
-              <a:rPr lang="en-US" dirty="0" smtClean="0"/>
-              <a:t>treating </a:t>
-            </a:r>
-            <a:r>
-              <a:rPr lang="en-US" dirty="0" smtClean="0"/>
-              <a:t>MSR as a separate process from the analysis phase.</a:t>
+              <a:t>Goal:  treating MSR as a separate process from the analysis phase.</a:t>
             </a:r>
           </a:p>
         </p:txBody>
@@ -12513,23 +19078,7 @@
             <a:pPr lvl="1"/>
             <a:r>
               <a:rPr lang="en-US" dirty="0" smtClean="0"/>
-              <a:t>T</a:t>
-            </a:r>
-            <a:r>
-              <a:rPr lang="en-US" dirty="0" smtClean="0"/>
-              <a:t>his </a:t>
-            </a:r>
-            <a:r>
-              <a:rPr lang="en-US" dirty="0" smtClean="0"/>
-              <a:t>is a time consuming task and </a:t>
-            </a:r>
-            <a:r>
-              <a:rPr lang="en-US" dirty="0" smtClean="0"/>
-              <a:t>it would benefit </a:t>
-            </a:r>
-            <a:r>
-              <a:rPr lang="en-US" dirty="0" smtClean="0"/>
-              <a:t>by having a common tool set as well as working from a common data format.</a:t>
+              <a:t>This is a time consuming task and it would benefit by having a common tool set as well as working from a common data format.</a:t>
             </a:r>
           </a:p>
           <a:p>
@@ -12549,15 +19098,7 @@
             <a:pPr lvl="1"/>
             <a:r>
               <a:rPr lang="en-US" dirty="0" smtClean="0"/>
-              <a:t>H</a:t>
-            </a:r>
-            <a:r>
-              <a:rPr lang="en-US" dirty="0" smtClean="0"/>
-              <a:t>aving </a:t>
-            </a:r>
-            <a:r>
-              <a:rPr lang="en-US" dirty="0" smtClean="0"/>
-              <a:t>a common repository for extracted data can benefit researchers.</a:t>
+              <a:t>Having a common repository for extracted data can benefit researchers.</a:t>
             </a:r>
           </a:p>
         </p:txBody>
@@ -12627,15 +19168,7 @@
           <a:p>
             <a:r>
               <a:rPr lang="en-US" sz="2200" dirty="0" smtClean="0"/>
-              <a:t>L</a:t>
-            </a:r>
-            <a:r>
-              <a:rPr lang="en-US" sz="2200" dirty="0" smtClean="0"/>
-              <a:t>ook </a:t>
-            </a:r>
-            <a:r>
-              <a:rPr lang="en-US" sz="2200" dirty="0" smtClean="0"/>
-              <a:t>at current MSR tools that are available.  </a:t>
+              <a:t>Look at current MSR tools that are available.  </a:t>
             </a:r>
           </a:p>
           <a:p>
@@ -12648,15 +19181,7 @@
           <a:p>
             <a:r>
               <a:rPr lang="en-US" sz="2200" dirty="0" smtClean="0"/>
-              <a:t>By treating MSR as its own discipline, </a:t>
-            </a:r>
-            <a:r>
-              <a:rPr lang="en-US" sz="2200" dirty="0" smtClean="0"/>
-              <a:t>can expand </a:t>
-            </a:r>
-            <a:r>
-              <a:rPr lang="en-US" sz="2200" dirty="0" smtClean="0"/>
-              <a:t>research in software development projects.</a:t>
+              <a:t>By treating MSR as its own discipline, can expand research in software development projects.</a:t>
             </a:r>
           </a:p>
           <a:p>
@@ -12776,15 +19301,7 @@
             <a:pPr lvl="2"/>
             <a:r>
               <a:rPr lang="en-US" dirty="0" smtClean="0"/>
-              <a:t>R</a:t>
-            </a:r>
-            <a:r>
-              <a:rPr lang="en-US" dirty="0" smtClean="0"/>
-              <a:t>esearchers </a:t>
-            </a:r>
-            <a:r>
-              <a:rPr lang="en-US" dirty="0" smtClean="0"/>
-              <a:t>need to understand the format of the data in the various repositories they are using.  For instance, protocols used in communicating in mailing lists.</a:t>
+              <a:t>Researchers need to understand the format of the data in the various repositories they are using.  For instance, protocols used in communicating in mailing lists.</a:t>
             </a:r>
           </a:p>
           <a:p>
@@ -12798,15 +19315,7 @@
             <a:pPr lvl="2"/>
             <a:r>
               <a:rPr lang="en-US" dirty="0" smtClean="0"/>
-              <a:t>K</a:t>
-            </a:r>
-            <a:r>
-              <a:rPr lang="en-US" dirty="0" smtClean="0"/>
-              <a:t>nowledge </a:t>
-            </a:r>
-            <a:r>
-              <a:rPr lang="en-US" dirty="0" smtClean="0"/>
-              <a:t>of the data is needed to make sure nothing important is left out.</a:t>
+              <a:t>Knowledge of the data is needed to make sure nothing important is left out.</a:t>
             </a:r>
           </a:p>
           <a:p>
@@ -12914,15 +19423,7 @@
           <a:p>
             <a:r>
               <a:rPr lang="en-US" sz="2800" dirty="0" smtClean="0"/>
-              <a:t>Our </a:t>
-            </a:r>
-            <a:r>
-              <a:rPr lang="en-US" sz="2800" dirty="0" smtClean="0"/>
-              <a:t>analysis project </a:t>
-            </a:r>
-            <a:r>
-              <a:rPr lang="en-US" sz="2800" dirty="0" smtClean="0"/>
-              <a:t>consisted of a core/periphery analysis on the open source database MySQL.</a:t>
+              <a:t>Our analysis project consisted of a core/periphery analysis on the open source database MySQL.</a:t>
             </a:r>
           </a:p>
           <a:p>
